--- a/Presentation/t-model.pptx
+++ b/Presentation/t-model.pptx
@@ -169,7 +169,7 @@
   </p:defaultTextStyle>
   <p:extLst>
     <p:ext uri="{EFAFB233-063F-42B5-8137-9DF3F51BA10A}">
-      <p15:sldGuideLst xmlns:p15="http://schemas.microsoft.com/office/powerpoint/2012/main" xmlns="">
+      <p15:sldGuideLst xmlns:p15="http://schemas.microsoft.com/office/powerpoint/2012/main">
         <p15:guide id="1" orient="horz" pos="1020">
           <p15:clr>
             <a:srgbClr val="A4A3A4"/>
@@ -218,7 +218,7 @@
       </p15:sldGuideLst>
     </p:ext>
     <p:ext uri="{2D200454-40CA-4A62-9FC3-DE9A4176ACB9}">
-      <p15:notesGuideLst xmlns:p15="http://schemas.microsoft.com/office/powerpoint/2012/main" xmlns="">
+      <p15:notesGuideLst xmlns:p15="http://schemas.microsoft.com/office/powerpoint/2012/main">
         <p15:guide id="1" orient="horz" pos="2143">
           <p15:clr>
             <a:srgbClr val="A4A3A4"/>
@@ -1253,6 +1253,11 @@
         </p:txBody>
       </p:sp>
     </p:spTree>
+    <p:extLst>
+      <p:ext uri="{BB962C8B-B14F-4D97-AF65-F5344CB8AC3E}">
+        <p14:creationId xmlns:p14="http://schemas.microsoft.com/office/powerpoint/2010/main" val="4235639425"/>
+      </p:ext>
+    </p:extLst>
   </p:cSld>
   <p:clrMapOvr>
     <a:masterClrMapping/>
@@ -19309,7 +19314,7 @@
             <a:spLocks noGrp="1" noChangeArrowheads="1"/>
           </p:cNvSpPr>
           <p:nvPr>
-            <p:ph type="ctrTitle"/>
+            <p:ph type="title"/>
           </p:nvPr>
         </p:nvSpPr>
         <p:spPr/>
@@ -19332,10 +19337,15 @@
             <a:spLocks noGrp="1" noChangeArrowheads="1"/>
           </p:cNvSpPr>
           <p:nvPr>
-            <p:ph type="subTitle" idx="1"/>
+            <p:ph type="body" idx="1"/>
           </p:nvPr>
         </p:nvSpPr>
-        <p:spPr/>
+        <p:spPr>
+          <a:xfrm>
+            <a:off x="844549" y="2692002"/>
+            <a:ext cx="9090025" cy="1654175"/>
+          </a:xfrm>
+        </p:spPr>
         <p:txBody>
           <a:bodyPr/>
           <a:lstStyle/>
@@ -19358,7 +19368,7 @@
         </p:nvSpPr>
         <p:spPr bwMode="gray">
           <a:xfrm>
-            <a:off x="835025" y="4175125"/>
+            <a:off x="844550" y="4517231"/>
             <a:ext cx="8642350" cy="882650"/>
           </a:xfrm>
           <a:prstGeom prst="rect">
@@ -19388,7 +19398,7 @@
             <a:r>
               <a:rPr lang="en-GB" sz="1400" dirty="0" smtClean="0">
                 <a:solidFill>
-                  <a:schemeClr val="bg1"/>
+                  <a:schemeClr val="accent1"/>
                 </a:solidFill>
               </a:rPr>
               <a:t>Date: 		28 September 2017</a:t>
@@ -19406,10 +19416,18 @@
             <a:r>
               <a:rPr lang="en-GB" sz="1400" dirty="0" smtClean="0">
                 <a:solidFill>
-                  <a:schemeClr val="bg1"/>
+                  <a:schemeClr val="accent1"/>
                 </a:solidFill>
               </a:rPr>
-              <a:t>Specification by:	Shahid Ikram</a:t>
+              <a:t>Modelled by:  	Langyu Gu, Global </a:t>
+            </a:r>
+            <a:r>
+              <a:rPr lang="en-GB" sz="1400" dirty="0" smtClean="0">
+                <a:solidFill>
+                  <a:schemeClr val="accent1"/>
+                </a:solidFill>
+              </a:rPr>
+              <a:t>Markets</a:t>
             </a:r>
             <a:endParaRPr lang="en-GB" sz="1400" dirty="0">
               <a:solidFill>
@@ -19417,28 +19435,245 @@
               </a:solidFill>
             </a:endParaRPr>
           </a:p>
-          <a:p>
-            <a:pPr algn="l" defTabSz="1023938" eaLnBrk="1" hangingPunct="1">
+        </p:txBody>
+      </p:sp>
+      <p:sp>
+        <p:nvSpPr>
+          <p:cNvPr id="5" name="Rectangle 3"/>
+          <p:cNvSpPr txBox="1">
+            <a:spLocks noChangeArrowheads="1"/>
+          </p:cNvSpPr>
+          <p:nvPr/>
+        </p:nvSpPr>
+        <p:spPr bwMode="gray">
+          <a:xfrm>
+            <a:off x="844548" y="2274033"/>
+            <a:ext cx="9090025" cy="1654175"/>
+          </a:xfrm>
+          <a:prstGeom prst="rect">
+            <a:avLst/>
+          </a:prstGeom>
+          <a:noFill/>
+          <a:ln>
+            <a:noFill/>
+          </a:ln>
+          <a:effectLst/>
+          <a:extLst>
+            <a:ext uri="{909E8E84-426E-40DD-AFC4-6F175D3DCCD1}">
+              <a14:hiddenFill xmlns:a14="http://schemas.microsoft.com/office/drawing/2010/main">
+                <a:solidFill>
+                  <a:schemeClr val="accent1"/>
+                </a:solidFill>
+              </a14:hiddenFill>
+            </a:ext>
+            <a:ext uri="{91240B29-F687-4F45-9708-019B960494DF}">
+              <a14:hiddenLine xmlns:a14="http://schemas.microsoft.com/office/drawing/2010/main" w="9525" algn="ctr">
+                <a:solidFill>
+                  <a:schemeClr val="tx1"/>
+                </a:solidFill>
+                <a:miter lim="800000"/>
+                <a:headEnd/>
+                <a:tailEnd/>
+              </a14:hiddenLine>
+            </a:ext>
+            <a:ext uri="{AF507438-7753-43E0-B8FC-AC1667EBCBE1}">
+              <a14:hiddenEffects xmlns:a14="http://schemas.microsoft.com/office/drawing/2010/main">
+                <a:effectLst>
+                  <a:outerShdw dist="35921" dir="2700000" algn="ctr" rotWithShape="0">
+                    <a:srgbClr val="808080"/>
+                  </a:outerShdw>
+                </a:effectLst>
+              </a14:hiddenEffects>
+            </a:ext>
+          </a:extLst>
+        </p:spPr>
+        <p:txBody>
+          <a:bodyPr vert="horz" wrap="square" lIns="0" tIns="0" rIns="0" bIns="0" numCol="1" anchor="b" anchorCtr="0" compatLnSpc="1">
+            <a:prstTxWarp prst="textNoShape">
+              <a:avLst/>
+            </a:prstTxWarp>
+          </a:bodyPr>
+          <a:lstStyle>
+            <a:lvl1pPr marL="0" indent="0" algn="l" defTabSz="1023938" rtl="0" eaLnBrk="0" fontAlgn="base" hangingPunct="0">
               <a:spcBef>
-                <a:spcPct val="0"/>
+                <a:spcPct val="40000"/>
               </a:spcBef>
               <a:spcAft>
-                <a:spcPct val="20000"/>
+                <a:spcPct val="0"/>
               </a:spcAft>
-            </a:pPr>
-            <a:r>
-              <a:rPr lang="en-GB" sz="1400" dirty="0" smtClean="0">
-                <a:solidFill>
-                  <a:schemeClr val="bg1"/>
-                </a:solidFill>
-              </a:rPr>
-              <a:t>Modelled by:  	Langyu Gu, Global Markets</a:t>
-            </a:r>
-            <a:endParaRPr lang="en-GB" sz="1400" dirty="0">
-              <a:solidFill>
-                <a:schemeClr val="bg1"/>
-              </a:solidFill>
-            </a:endParaRPr>
+              <a:buNone/>
+              <a:defRPr sz="2000" b="1">
+                <a:solidFill>
+                  <a:schemeClr val="tx2"/>
+                </a:solidFill>
+                <a:latin typeface="+mn-lt"/>
+                <a:ea typeface="MS PGothic" pitchFamily="34" charset="-128"/>
+                <a:cs typeface="+mn-cs"/>
+              </a:defRPr>
+            </a:lvl1pPr>
+            <a:lvl2pPr marL="457200" indent="0" algn="l" defTabSz="1023938" rtl="0" eaLnBrk="0" fontAlgn="base" hangingPunct="0">
+              <a:spcBef>
+                <a:spcPct val="40000"/>
+              </a:spcBef>
+              <a:spcAft>
+                <a:spcPct val="0"/>
+              </a:spcAft>
+              <a:buNone/>
+              <a:defRPr sz="1800">
+                <a:solidFill>
+                  <a:schemeClr val="tx1"/>
+                </a:solidFill>
+                <a:latin typeface="+mn-lt"/>
+                <a:ea typeface="MS PGothic" pitchFamily="34" charset="-128"/>
+              </a:defRPr>
+            </a:lvl2pPr>
+            <a:lvl3pPr marL="914400" indent="0" algn="l" defTabSz="1023938" rtl="0" eaLnBrk="0" fontAlgn="base" hangingPunct="0">
+              <a:spcBef>
+                <a:spcPct val="40000"/>
+              </a:spcBef>
+              <a:spcAft>
+                <a:spcPct val="0"/>
+              </a:spcAft>
+              <a:buClr>
+                <a:schemeClr val="tx2"/>
+              </a:buClr>
+              <a:buFont typeface="Arial" charset="0"/>
+              <a:buNone/>
+              <a:defRPr sz="1600">
+                <a:solidFill>
+                  <a:schemeClr val="tx1"/>
+                </a:solidFill>
+                <a:latin typeface="+mn-lt"/>
+                <a:ea typeface="MS PGothic" pitchFamily="34" charset="-128"/>
+              </a:defRPr>
+            </a:lvl3pPr>
+            <a:lvl4pPr marL="1371600" indent="0" algn="l" defTabSz="1023938" rtl="0" eaLnBrk="0" fontAlgn="base" hangingPunct="0">
+              <a:spcBef>
+                <a:spcPct val="40000"/>
+              </a:spcBef>
+              <a:spcAft>
+                <a:spcPct val="0"/>
+              </a:spcAft>
+              <a:buClr>
+                <a:schemeClr val="tx2"/>
+              </a:buClr>
+              <a:buFont typeface="Arial" charset="0"/>
+              <a:buNone/>
+              <a:defRPr sz="1400">
+                <a:solidFill>
+                  <a:schemeClr val="tx1"/>
+                </a:solidFill>
+                <a:latin typeface="+mn-lt"/>
+                <a:ea typeface="MS PGothic" pitchFamily="34" charset="-128"/>
+              </a:defRPr>
+            </a:lvl4pPr>
+            <a:lvl5pPr marL="1828800" indent="0" algn="l" defTabSz="1023938" rtl="0" eaLnBrk="0" fontAlgn="base" hangingPunct="0">
+              <a:spcBef>
+                <a:spcPct val="40000"/>
+              </a:spcBef>
+              <a:spcAft>
+                <a:spcPct val="0"/>
+              </a:spcAft>
+              <a:buClr>
+                <a:schemeClr val="tx2"/>
+              </a:buClr>
+              <a:buFont typeface="Arial" charset="0"/>
+              <a:buNone/>
+              <a:defRPr sz="1400">
+                <a:solidFill>
+                  <a:schemeClr val="tx1"/>
+                </a:solidFill>
+                <a:latin typeface="+mn-lt"/>
+                <a:ea typeface="MS PGothic" pitchFamily="34" charset="-128"/>
+              </a:defRPr>
+            </a:lvl5pPr>
+            <a:lvl6pPr marL="2286000" indent="0" algn="l" defTabSz="1023938" rtl="0" fontAlgn="base">
+              <a:spcBef>
+                <a:spcPct val="40000"/>
+              </a:spcBef>
+              <a:spcAft>
+                <a:spcPct val="0"/>
+              </a:spcAft>
+              <a:buClr>
+                <a:schemeClr val="tx2"/>
+              </a:buClr>
+              <a:buFont typeface="Arial" charset="0"/>
+              <a:buNone/>
+              <a:defRPr sz="1400">
+                <a:solidFill>
+                  <a:schemeClr val="tx1"/>
+                </a:solidFill>
+                <a:latin typeface="+mn-lt"/>
+                <a:ea typeface="+mn-ea"/>
+              </a:defRPr>
+            </a:lvl6pPr>
+            <a:lvl7pPr marL="2743200" indent="0" algn="l" defTabSz="1023938" rtl="0" fontAlgn="base">
+              <a:spcBef>
+                <a:spcPct val="40000"/>
+              </a:spcBef>
+              <a:spcAft>
+                <a:spcPct val="0"/>
+              </a:spcAft>
+              <a:buClr>
+                <a:schemeClr val="tx2"/>
+              </a:buClr>
+              <a:buFont typeface="Arial" charset="0"/>
+              <a:buNone/>
+              <a:defRPr sz="1400">
+                <a:solidFill>
+                  <a:schemeClr val="tx1"/>
+                </a:solidFill>
+                <a:latin typeface="+mn-lt"/>
+                <a:ea typeface="+mn-ea"/>
+              </a:defRPr>
+            </a:lvl7pPr>
+            <a:lvl8pPr marL="3200400" indent="0" algn="l" defTabSz="1023938" rtl="0" fontAlgn="base">
+              <a:spcBef>
+                <a:spcPct val="40000"/>
+              </a:spcBef>
+              <a:spcAft>
+                <a:spcPct val="0"/>
+              </a:spcAft>
+              <a:buClr>
+                <a:schemeClr val="tx2"/>
+              </a:buClr>
+              <a:buFont typeface="Arial" charset="0"/>
+              <a:buNone/>
+              <a:defRPr sz="1400">
+                <a:solidFill>
+                  <a:schemeClr val="tx1"/>
+                </a:solidFill>
+                <a:latin typeface="+mn-lt"/>
+                <a:ea typeface="+mn-ea"/>
+              </a:defRPr>
+            </a:lvl8pPr>
+            <a:lvl9pPr marL="3657600" indent="0" algn="l" defTabSz="1023938" rtl="0" fontAlgn="base">
+              <a:spcBef>
+                <a:spcPct val="40000"/>
+              </a:spcBef>
+              <a:spcAft>
+                <a:spcPct val="0"/>
+              </a:spcAft>
+              <a:buClr>
+                <a:schemeClr val="tx2"/>
+              </a:buClr>
+              <a:buFont typeface="Arial" charset="0"/>
+              <a:buNone/>
+              <a:defRPr sz="1400">
+                <a:solidFill>
+                  <a:schemeClr val="tx1"/>
+                </a:solidFill>
+                <a:latin typeface="+mn-lt"/>
+                <a:ea typeface="+mn-ea"/>
+              </a:defRPr>
+            </a:lvl9pPr>
+          </a:lstStyle>
+          <a:p>
+            <a:r>
+              <a:rPr lang="en-GB" sz="4400" kern="0" dirty="0" smtClean="0"/>
+              <a:t>T- model</a:t>
+            </a:r>
+            <a:endParaRPr lang="en-GB" sz="4400" kern="0" dirty="0"/>
           </a:p>
         </p:txBody>
       </p:sp>
@@ -26593,15 +26828,7 @@
                   <a:srgbClr val="FFFFFF"/>
                 </a:solidFill>
               </a:rPr>
-              <a:t>Result – </a:t>
-            </a:r>
-            <a:r>
-              <a:rPr lang="en-US" altLang="en-US" sz="2000" b="0" dirty="0" smtClean="0">
-                <a:solidFill>
-                  <a:srgbClr val="FFFFFF"/>
-                </a:solidFill>
-              </a:rPr>
-              <a:t>details</a:t>
+              <a:t>Result – details</a:t>
             </a:r>
             <a:endParaRPr lang="en-US" altLang="en-US" sz="1600" b="0" dirty="0">
               <a:solidFill>
@@ -27009,7 +27236,7 @@
         </p:nvSpPr>
         <p:spPr bwMode="gray">
           <a:xfrm>
-            <a:off x="274638" y="1832552"/>
+            <a:off x="274638" y="1962347"/>
             <a:ext cx="9936162" cy="1613856"/>
           </a:xfrm>
           <a:prstGeom prst="rect">
@@ -28029,15 +28256,7 @@
                   <a:srgbClr val="FFFFFF"/>
                 </a:solidFill>
               </a:rPr>
-              <a:t>Result – </a:t>
-            </a:r>
-            <a:r>
-              <a:rPr lang="en-US" altLang="en-US" sz="2000" b="0" dirty="0" smtClean="0">
-                <a:solidFill>
-                  <a:srgbClr val="FFFFFF"/>
-                </a:solidFill>
-              </a:rPr>
-              <a:t>details</a:t>
+              <a:t>Result – details</a:t>
             </a:r>
             <a:endParaRPr lang="en-US" altLang="en-US" sz="1600" b="0" dirty="0">
               <a:solidFill>
@@ -28559,15 +28778,7 @@
                   <a:srgbClr val="FFFFFF"/>
                 </a:solidFill>
               </a:rPr>
-              <a:t>Result – </a:t>
-            </a:r>
-            <a:r>
-              <a:rPr lang="en-US" altLang="en-US" sz="2000" b="0" dirty="0" smtClean="0">
-                <a:solidFill>
-                  <a:srgbClr val="FFFFFF"/>
-                </a:solidFill>
-              </a:rPr>
-              <a:t>details</a:t>
+              <a:t>Result – details</a:t>
             </a:r>
             <a:endParaRPr lang="en-US" altLang="en-US" sz="1600" b="0" dirty="0">
               <a:solidFill>
@@ -31096,7 +31307,7 @@
         </p:nvGraphicFramePr>
         <p:xfrm>
           <a:off x="1600463" y="3137858"/>
-          <a:ext cx="7128933" cy="741680"/>
+          <a:ext cx="7128933" cy="889000"/>
         </p:xfrm>
         <a:graphic>
           <a:graphicData uri="http://schemas.openxmlformats.org/drawingml/2006/table">
@@ -32220,7 +32431,7 @@
                       <m:sSubPr>
                         <m:ctrlPr>
                           <a:rPr lang="en-GB" sz="1600" b="1" i="1" smtClean="0">
-                            <a:latin typeface="Cambria Math"/>
+                            <a:latin typeface="Cambria Math" panose="02040503050406030204" pitchFamily="18" charset="0"/>
                           </a:rPr>
                         </m:ctrlPr>
                       </m:sSubPr>
@@ -32251,7 +32462,7 @@
                       <m:fPr>
                         <m:ctrlPr>
                           <a:rPr lang="en-GB" sz="1600" i="1" smtClean="0">
-                            <a:latin typeface="Cambria Math"/>
+                            <a:latin typeface="Cambria Math" panose="02040503050406030204" pitchFamily="18" charset="0"/>
                           </a:rPr>
                         </m:ctrlPr>
                       </m:fPr>
@@ -32260,7 +32471,7 @@
                           <m:sSubPr>
                             <m:ctrlPr>
                               <a:rPr lang="en-GB" sz="1600" i="1" smtClean="0">
-                                <a:latin typeface="Cambria Math"/>
+                                <a:latin typeface="Cambria Math" panose="02040503050406030204" pitchFamily="18" charset="0"/>
                               </a:rPr>
                             </m:ctrlPr>
                           </m:sSubPr>
@@ -32291,7 +32502,7 @@
                           <m:sSubPr>
                             <m:ctrlPr>
                               <a:rPr lang="en-GB" sz="1600" i="1" smtClean="0">
-                                <a:latin typeface="Cambria Math"/>
+                                <a:latin typeface="Cambria Math" panose="02040503050406030204" pitchFamily="18" charset="0"/>
                               </a:rPr>
                             </m:ctrlPr>
                           </m:sSubPr>
@@ -32318,7 +32529,7 @@
                           <m:sSubPr>
                             <m:ctrlPr>
                               <a:rPr lang="en-GB" sz="1600" i="1" smtClean="0">
-                                <a:latin typeface="Cambria Math"/>
+                                <a:latin typeface="Cambria Math" panose="02040503050406030204" pitchFamily="18" charset="0"/>
                               </a:rPr>
                             </m:ctrlPr>
                           </m:sSubPr>
@@ -32365,7 +32576,7 @@
                       <m:sSubPr>
                         <m:ctrlPr>
                           <a:rPr lang="en-GB" sz="1600" b="0" i="1">
-                            <a:latin typeface="Cambria Math"/>
+                            <a:latin typeface="Cambria Math" panose="02040503050406030204" pitchFamily="18" charset="0"/>
                           </a:rPr>
                         </m:ctrlPr>
                       </m:sSubPr>
@@ -32398,7 +32609,7 @@
                       <m:sSubPr>
                         <m:ctrlPr>
                           <a:rPr lang="en-GB" sz="1600" b="0" i="1">
-                            <a:latin typeface="Cambria Math"/>
+                            <a:latin typeface="Cambria Math" panose="02040503050406030204" pitchFamily="18" charset="0"/>
                           </a:rPr>
                         </m:ctrlPr>
                       </m:sSubPr>
@@ -32461,7 +32672,7 @@
                       <m:sSubPr>
                         <m:ctrlPr>
                           <a:rPr lang="en-GB" sz="1600" b="1" i="1" smtClean="0">
-                            <a:latin typeface="Cambria Math"/>
+                            <a:latin typeface="Cambria Math" panose="02040503050406030204" pitchFamily="18" charset="0"/>
                           </a:rPr>
                         </m:ctrlPr>
                       </m:sSubPr>
@@ -32486,7 +32697,7 @@
                       <m:boxPr>
                         <m:ctrlPr>
                           <a:rPr lang="en-GB" sz="1600" b="1" i="1" smtClean="0">
-                            <a:latin typeface="Cambria Math"/>
+                            <a:latin typeface="Cambria Math" panose="02040503050406030204" pitchFamily="18" charset="0"/>
                           </a:rPr>
                         </m:ctrlPr>
                       </m:boxPr>
@@ -32501,7 +32712,7 @@
                           <m:fPr>
                             <m:ctrlPr>
                               <a:rPr lang="en-GB" sz="1600" b="1" i="1" smtClean="0">
-                                <a:latin typeface="Cambria Math"/>
+                                <a:latin typeface="Cambria Math" panose="02040503050406030204" pitchFamily="18" charset="0"/>
                               </a:rPr>
                             </m:ctrlPr>
                           </m:fPr>
@@ -32510,7 +32721,7 @@
                               <m:sSubSupPr>
                                 <m:ctrlPr>
                                   <a:rPr lang="en-GB" sz="1600" b="1" i="1" smtClean="0">
-                                    <a:latin typeface="Cambria Math"/>
+                                    <a:latin typeface="Cambria Math" panose="02040503050406030204" pitchFamily="18" charset="0"/>
                                   </a:rPr>
                                 </m:ctrlPr>
                               </m:sSubSupPr>
@@ -32549,7 +32760,7 @@
                               <m:sSubPr>
                                 <m:ctrlPr>
                                   <a:rPr lang="en-GB" sz="1600" b="1" i="1" smtClean="0">
-                                    <a:latin typeface="Cambria Math"/>
+                                    <a:latin typeface="Cambria Math" panose="02040503050406030204" pitchFamily="18" charset="0"/>
                                   </a:rPr>
                                 </m:ctrlPr>
                               </m:sSubPr>
@@ -32576,7 +32787,7 @@
                               <m:sSubPr>
                                 <m:ctrlPr>
                                   <a:rPr lang="en-GB" sz="1600" b="1" i="1" smtClean="0">
-                                    <a:latin typeface="Cambria Math"/>
+                                    <a:latin typeface="Cambria Math" panose="02040503050406030204" pitchFamily="18" charset="0"/>
                                   </a:rPr>
                                 </m:ctrlPr>
                               </m:sSubPr>
@@ -32627,7 +32838,7 @@
                       <m:sSubPr>
                         <m:ctrlPr>
                           <a:rPr lang="en-GB" sz="1600" i="1">
-                            <a:latin typeface="Cambria Math"/>
+                            <a:latin typeface="Cambria Math" panose="02040503050406030204" pitchFamily="18" charset="0"/>
                           </a:rPr>
                         </m:ctrlPr>
                       </m:sSubPr>
@@ -32658,7 +32869,7 @@
                       <m:fPr>
                         <m:ctrlPr>
                           <a:rPr lang="en-GB" sz="1600" b="1" i="1" smtClean="0">
-                            <a:latin typeface="Cambria Math"/>
+                            <a:latin typeface="Cambria Math" panose="02040503050406030204" pitchFamily="18" charset="0"/>
                           </a:rPr>
                         </m:ctrlPr>
                       </m:fPr>
@@ -32684,7 +32895,7 @@
                         <m:chr m:val="∑"/>
                         <m:ctrlPr>
                           <a:rPr lang="en-GB" sz="1600" b="1" i="1" smtClean="0">
-                            <a:latin typeface="Cambria Math"/>
+                            <a:latin typeface="Cambria Math" panose="02040503050406030204" pitchFamily="18" charset="0"/>
                           </a:rPr>
                         </m:ctrlPr>
                       </m:naryPr>
@@ -32712,7 +32923,7 @@
                           <m:sSubSupPr>
                             <m:ctrlPr>
                               <a:rPr lang="en-GB" sz="1600" b="1" i="1" smtClean="0">
-                                <a:latin typeface="Cambria Math"/>
+                                <a:latin typeface="Cambria Math" panose="02040503050406030204" pitchFamily="18" charset="0"/>
                               </a:rPr>
                             </m:ctrlPr>
                           </m:sSubSupPr>
@@ -32755,7 +32966,7 @@
                       <m:sSubPr>
                         <m:ctrlPr>
                           <a:rPr lang="en-GB" sz="1600" i="1" smtClean="0">
-                            <a:latin typeface="Cambria Math"/>
+                            <a:latin typeface="Cambria Math" panose="02040503050406030204" pitchFamily="18" charset="0"/>
                           </a:rPr>
                         </m:ctrlPr>
                       </m:sSubPr>
@@ -33765,7 +33976,7 @@
                       <m:sSubPr>
                         <m:ctrlPr>
                           <a:rPr lang="en-GB" sz="1600" i="1">
-                            <a:latin typeface="Cambria Math"/>
+                            <a:latin typeface="Cambria Math" panose="02040503050406030204" pitchFamily="18" charset="0"/>
                           </a:rPr>
                         </m:ctrlPr>
                       </m:sSubPr>
@@ -33796,7 +34007,7 @@
                       <m:fPr>
                         <m:ctrlPr>
                           <a:rPr lang="en-GB" sz="1600" i="1">
-                            <a:latin typeface="Cambria Math"/>
+                            <a:latin typeface="Cambria Math" panose="02040503050406030204" pitchFamily="18" charset="0"/>
                           </a:rPr>
                         </m:ctrlPr>
                       </m:fPr>
@@ -33805,7 +34016,7 @@
                           <m:sSubPr>
                             <m:ctrlPr>
                               <a:rPr lang="en-GB" sz="1600" i="1" smtClean="0">
-                                <a:latin typeface="Cambria Math"/>
+                                <a:latin typeface="Cambria Math" panose="02040503050406030204" pitchFamily="18" charset="0"/>
                               </a:rPr>
                             </m:ctrlPr>
                           </m:sSubPr>
@@ -33836,7 +34047,7 @@
                           <m:sSubPr>
                             <m:ctrlPr>
                               <a:rPr lang="en-GB" sz="1600" i="1" smtClean="0">
-                                <a:latin typeface="Cambria Math"/>
+                                <a:latin typeface="Cambria Math" panose="02040503050406030204" pitchFamily="18" charset="0"/>
                               </a:rPr>
                             </m:ctrlPr>
                           </m:sSubPr>
@@ -33863,7 +34074,7 @@
                           <m:sSubPr>
                             <m:ctrlPr>
                               <a:rPr lang="en-GB" sz="1600" i="1">
-                                <a:latin typeface="Cambria Math"/>
+                                <a:latin typeface="Cambria Math" panose="02040503050406030204" pitchFamily="18" charset="0"/>
                               </a:rPr>
                             </m:ctrlPr>
                           </m:sSubPr>
@@ -33894,7 +34105,7 @@
                           <m:sSubPr>
                             <m:ctrlPr>
                               <a:rPr lang="en-GB" sz="1600" i="1">
-                                <a:latin typeface="Cambria Math"/>
+                                <a:latin typeface="Cambria Math" panose="02040503050406030204" pitchFamily="18" charset="0"/>
                               </a:rPr>
                             </m:ctrlPr>
                           </m:sSubPr>
@@ -33933,7 +34144,7 @@
                       <m:sSubPr>
                         <m:ctrlPr>
                           <a:rPr lang="en-GB" sz="1600" b="0" i="1">
-                            <a:latin typeface="Cambria Math"/>
+                            <a:latin typeface="Cambria Math" panose="02040503050406030204" pitchFamily="18" charset="0"/>
                           </a:rPr>
                         </m:ctrlPr>
                       </m:sSubPr>

--- a/Presentation/t-model.pptx
+++ b/Presentation/t-model.pptx
@@ -860,35 +860,35 @@
           <a:p>
             <a:pPr lvl="0"/>
             <a:r>
-              <a:rPr lang="en-GB" noProof="0" smtClean="0"/>
+              <a:rPr lang="en-GB" noProof="0"/>
               <a:t>Click to edit Master text styles</a:t>
             </a:r>
           </a:p>
           <a:p>
             <a:pPr lvl="1"/>
             <a:r>
-              <a:rPr lang="en-GB" noProof="0" smtClean="0"/>
+              <a:rPr lang="en-GB" noProof="0"/>
               <a:t>Second level</a:t>
             </a:r>
           </a:p>
           <a:p>
             <a:pPr lvl="2"/>
             <a:r>
-              <a:rPr lang="en-GB" noProof="0" smtClean="0"/>
+              <a:rPr lang="en-GB" noProof="0"/>
               <a:t>Third level</a:t>
             </a:r>
           </a:p>
           <a:p>
             <a:pPr lvl="3"/>
             <a:r>
-              <a:rPr lang="en-GB" noProof="0" smtClean="0"/>
+              <a:rPr lang="en-GB" noProof="0"/>
               <a:t>Fourth level</a:t>
             </a:r>
           </a:p>
           <a:p>
             <a:pPr lvl="4"/>
             <a:r>
-              <a:rPr lang="en-GB" noProof="0" smtClean="0"/>
+              <a:rPr lang="en-GB" noProof="0"/>
               <a:t>Fifth level</a:t>
             </a:r>
           </a:p>
@@ -1525,7 +1525,7 @@
             <a:pPr>
               <a:defRPr/>
             </a:pPr>
-            <a:endParaRPr lang="en-US" altLang="en-US" smtClean="0"/>
+            <a:endParaRPr lang="en-US" altLang="en-US"/>
           </a:p>
         </p:txBody>
       </p:sp>
@@ -1609,7 +1609,7 @@
           <a:p>
             <a:pPr lvl="0"/>
             <a:r>
-              <a:rPr lang="en-GB" noProof="0" smtClean="0"/>
+              <a:rPr lang="en-GB" noProof="0"/>
               <a:t>Click to edit Master title style</a:t>
             </a:r>
           </a:p>
@@ -1657,7 +1657,7 @@
           <a:p>
             <a:pPr lvl="0"/>
             <a:r>
-              <a:rPr lang="en-GB" noProof="0" smtClean="0"/>
+              <a:rPr lang="en-GB" noProof="0"/>
               <a:t>Click to edit Master subtitle style</a:t>
             </a:r>
           </a:p>
@@ -1709,7 +1709,7 @@
           <a:lstStyle/>
           <a:p>
             <a:r>
-              <a:rPr lang="en-US" smtClean="0"/>
+              <a:rPr lang="en-US"/>
               <a:t>Click to edit Master title style</a:t>
             </a:r>
             <a:endParaRPr lang="en-GB"/>
@@ -1733,35 +1733,35 @@
           <a:p>
             <a:pPr lvl="0"/>
             <a:r>
-              <a:rPr lang="en-US" smtClean="0"/>
+              <a:rPr lang="en-US"/>
               <a:t>Click to edit Master text styles</a:t>
             </a:r>
           </a:p>
           <a:p>
             <a:pPr lvl="1"/>
             <a:r>
-              <a:rPr lang="en-US" smtClean="0"/>
+              <a:rPr lang="en-US"/>
               <a:t>Second level</a:t>
             </a:r>
           </a:p>
           <a:p>
             <a:pPr lvl="2"/>
             <a:r>
-              <a:rPr lang="en-US" smtClean="0"/>
+              <a:rPr lang="en-US"/>
               <a:t>Third level</a:t>
             </a:r>
           </a:p>
           <a:p>
             <a:pPr lvl="3"/>
             <a:r>
-              <a:rPr lang="en-US" smtClean="0"/>
+              <a:rPr lang="en-US"/>
               <a:t>Fourth level</a:t>
             </a:r>
           </a:p>
           <a:p>
             <a:pPr lvl="4"/>
             <a:r>
-              <a:rPr lang="en-US" smtClean="0"/>
+              <a:rPr lang="en-US"/>
               <a:t>Fifth level</a:t>
             </a:r>
             <a:endParaRPr lang="en-GB"/>
@@ -1885,7 +1885,7 @@
           <a:lstStyle/>
           <a:p>
             <a:r>
-              <a:rPr lang="en-US" smtClean="0"/>
+              <a:rPr lang="en-US"/>
               <a:t>Click to edit Master title style</a:t>
             </a:r>
             <a:endParaRPr lang="en-GB"/>
@@ -1914,35 +1914,35 @@
           <a:p>
             <a:pPr lvl="0"/>
             <a:r>
-              <a:rPr lang="en-US" smtClean="0"/>
+              <a:rPr lang="en-US"/>
               <a:t>Click to edit Master text styles</a:t>
             </a:r>
           </a:p>
           <a:p>
             <a:pPr lvl="1"/>
             <a:r>
-              <a:rPr lang="en-US" smtClean="0"/>
+              <a:rPr lang="en-US"/>
               <a:t>Second level</a:t>
             </a:r>
           </a:p>
           <a:p>
             <a:pPr lvl="2"/>
             <a:r>
-              <a:rPr lang="en-US" smtClean="0"/>
+              <a:rPr lang="en-US"/>
               <a:t>Third level</a:t>
             </a:r>
           </a:p>
           <a:p>
             <a:pPr lvl="3"/>
             <a:r>
-              <a:rPr lang="en-US" smtClean="0"/>
+              <a:rPr lang="en-US"/>
               <a:t>Fourth level</a:t>
             </a:r>
           </a:p>
           <a:p>
             <a:pPr lvl="4"/>
             <a:r>
-              <a:rPr lang="en-US" smtClean="0"/>
+              <a:rPr lang="en-US"/>
               <a:t>Fifth level</a:t>
             </a:r>
             <a:endParaRPr lang="en-GB"/>
@@ -2066,7 +2066,7 @@
           <a:lstStyle/>
           <a:p>
             <a:r>
-              <a:rPr lang="en-US" smtClean="0"/>
+              <a:rPr lang="en-US"/>
               <a:t>Click to edit Master title style</a:t>
             </a:r>
             <a:endParaRPr lang="en-GB"/>
@@ -2094,7 +2094,7 @@
           <a:lstStyle/>
           <a:p>
             <a:pPr lvl="0"/>
-            <a:endParaRPr lang="en-GB" noProof="0" smtClean="0"/>
+            <a:endParaRPr lang="en-GB" noProof="0"/>
           </a:p>
         </p:txBody>
       </p:sp>
@@ -2360,7 +2360,7 @@
             <a:pPr>
               <a:defRPr/>
             </a:pPr>
-            <a:endParaRPr lang="en-US" altLang="en-US" smtClean="0"/>
+            <a:endParaRPr lang="en-US" altLang="en-US"/>
           </a:p>
         </p:txBody>
       </p:sp>
@@ -2448,7 +2448,7 @@
           <a:p>
             <a:pPr lvl="0"/>
             <a:r>
-              <a:rPr lang="en-GB" noProof="0" smtClean="0"/>
+              <a:rPr lang="en-GB" noProof="0"/>
               <a:t>Click to edit Master title style</a:t>
             </a:r>
           </a:p>
@@ -2495,7 +2495,7 @@
           <a:p>
             <a:pPr lvl="0"/>
             <a:r>
-              <a:rPr lang="en-GB" noProof="0" smtClean="0"/>
+              <a:rPr lang="en-GB" noProof="0"/>
               <a:t>Click to edit Master subtitle style</a:t>
             </a:r>
           </a:p>
@@ -2547,7 +2547,7 @@
           <a:lstStyle/>
           <a:p>
             <a:r>
-              <a:rPr lang="en-US" smtClean="0"/>
+              <a:rPr lang="en-US"/>
               <a:t>Click to edit Master title style</a:t>
             </a:r>
             <a:endParaRPr lang="en-GB"/>
@@ -2571,35 +2571,35 @@
           <a:p>
             <a:pPr lvl="0"/>
             <a:r>
-              <a:rPr lang="en-US" smtClean="0"/>
+              <a:rPr lang="en-US"/>
               <a:t>Click to edit Master text styles</a:t>
             </a:r>
           </a:p>
           <a:p>
             <a:pPr lvl="1"/>
             <a:r>
-              <a:rPr lang="en-US" smtClean="0"/>
+              <a:rPr lang="en-US"/>
               <a:t>Second level</a:t>
             </a:r>
           </a:p>
           <a:p>
             <a:pPr lvl="2"/>
             <a:r>
-              <a:rPr lang="en-US" smtClean="0"/>
+              <a:rPr lang="en-US"/>
               <a:t>Third level</a:t>
             </a:r>
           </a:p>
           <a:p>
             <a:pPr lvl="3"/>
             <a:r>
-              <a:rPr lang="en-US" smtClean="0"/>
+              <a:rPr lang="en-US"/>
               <a:t>Fourth level</a:t>
             </a:r>
           </a:p>
           <a:p>
             <a:pPr lvl="4"/>
             <a:r>
-              <a:rPr lang="en-US" smtClean="0"/>
+              <a:rPr lang="en-US"/>
               <a:t>Fifth level</a:t>
             </a:r>
             <a:endParaRPr lang="en-GB"/>
@@ -2727,7 +2727,7 @@
           </a:lstStyle>
           <a:p>
             <a:r>
-              <a:rPr lang="en-US" smtClean="0"/>
+              <a:rPr lang="en-US"/>
               <a:t>Click to edit Master title style</a:t>
             </a:r>
             <a:endParaRPr lang="en-GB"/>
@@ -2793,7 +2793,7 @@
           <a:p>
             <a:pPr lvl="0"/>
             <a:r>
-              <a:rPr lang="en-US" smtClean="0"/>
+              <a:rPr lang="en-US"/>
               <a:t>Click to edit Master text styles</a:t>
             </a:r>
           </a:p>
@@ -2911,7 +2911,7 @@
           <a:lstStyle/>
           <a:p>
             <a:r>
-              <a:rPr lang="en-US" smtClean="0"/>
+              <a:rPr lang="en-US"/>
               <a:t>Click to edit Master title style</a:t>
             </a:r>
             <a:endParaRPr lang="en-GB"/>
@@ -2968,35 +2968,35 @@
           <a:p>
             <a:pPr lvl="0"/>
             <a:r>
-              <a:rPr lang="en-US" smtClean="0"/>
+              <a:rPr lang="en-US"/>
               <a:t>Click to edit Master text styles</a:t>
             </a:r>
           </a:p>
           <a:p>
             <a:pPr lvl="1"/>
             <a:r>
-              <a:rPr lang="en-US" smtClean="0"/>
+              <a:rPr lang="en-US"/>
               <a:t>Second level</a:t>
             </a:r>
           </a:p>
           <a:p>
             <a:pPr lvl="2"/>
             <a:r>
-              <a:rPr lang="en-US" smtClean="0"/>
+              <a:rPr lang="en-US"/>
               <a:t>Third level</a:t>
             </a:r>
           </a:p>
           <a:p>
             <a:pPr lvl="3"/>
             <a:r>
-              <a:rPr lang="en-US" smtClean="0"/>
+              <a:rPr lang="en-US"/>
               <a:t>Fourth level</a:t>
             </a:r>
           </a:p>
           <a:p>
             <a:pPr lvl="4"/>
             <a:r>
-              <a:rPr lang="en-US" smtClean="0"/>
+              <a:rPr lang="en-US"/>
               <a:t>Fifth level</a:t>
             </a:r>
             <a:endParaRPr lang="en-GB"/>
@@ -3053,35 +3053,35 @@
           <a:p>
             <a:pPr lvl="0"/>
             <a:r>
-              <a:rPr lang="en-US" smtClean="0"/>
+              <a:rPr lang="en-US"/>
               <a:t>Click to edit Master text styles</a:t>
             </a:r>
           </a:p>
           <a:p>
             <a:pPr lvl="1"/>
             <a:r>
-              <a:rPr lang="en-US" smtClean="0"/>
+              <a:rPr lang="en-US"/>
               <a:t>Second level</a:t>
             </a:r>
           </a:p>
           <a:p>
             <a:pPr lvl="2"/>
             <a:r>
-              <a:rPr lang="en-US" smtClean="0"/>
+              <a:rPr lang="en-US"/>
               <a:t>Third level</a:t>
             </a:r>
           </a:p>
           <a:p>
             <a:pPr lvl="3"/>
             <a:r>
-              <a:rPr lang="en-US" smtClean="0"/>
+              <a:rPr lang="en-US"/>
               <a:t>Fourth level</a:t>
             </a:r>
           </a:p>
           <a:p>
             <a:pPr lvl="4"/>
             <a:r>
-              <a:rPr lang="en-US" smtClean="0"/>
+              <a:rPr lang="en-US"/>
               <a:t>Fifth level</a:t>
             </a:r>
             <a:endParaRPr lang="en-GB"/>
@@ -3209,7 +3209,7 @@
           </a:lstStyle>
           <a:p>
             <a:r>
-              <a:rPr lang="en-US" smtClean="0"/>
+              <a:rPr lang="en-US"/>
               <a:t>Click to edit Master title style</a:t>
             </a:r>
             <a:endParaRPr lang="en-GB"/>
@@ -3275,7 +3275,7 @@
           <a:p>
             <a:pPr lvl="0"/>
             <a:r>
-              <a:rPr lang="en-US" smtClean="0"/>
+              <a:rPr lang="en-US"/>
               <a:t>Click to edit Master text styles</a:t>
             </a:r>
           </a:p>
@@ -3331,35 +3331,35 @@
           <a:p>
             <a:pPr lvl="0"/>
             <a:r>
-              <a:rPr lang="en-US" smtClean="0"/>
+              <a:rPr lang="en-US"/>
               <a:t>Click to edit Master text styles</a:t>
             </a:r>
           </a:p>
           <a:p>
             <a:pPr lvl="1"/>
             <a:r>
-              <a:rPr lang="en-US" smtClean="0"/>
+              <a:rPr lang="en-US"/>
               <a:t>Second level</a:t>
             </a:r>
           </a:p>
           <a:p>
             <a:pPr lvl="2"/>
             <a:r>
-              <a:rPr lang="en-US" smtClean="0"/>
+              <a:rPr lang="en-US"/>
               <a:t>Third level</a:t>
             </a:r>
           </a:p>
           <a:p>
             <a:pPr lvl="3"/>
             <a:r>
-              <a:rPr lang="en-US" smtClean="0"/>
+              <a:rPr lang="en-US"/>
               <a:t>Fourth level</a:t>
             </a:r>
           </a:p>
           <a:p>
             <a:pPr lvl="4"/>
             <a:r>
-              <a:rPr lang="en-US" smtClean="0"/>
+              <a:rPr lang="en-US"/>
               <a:t>Fifth level</a:t>
             </a:r>
             <a:endParaRPr lang="en-GB"/>
@@ -3425,7 +3425,7 @@
           <a:p>
             <a:pPr lvl="0"/>
             <a:r>
-              <a:rPr lang="en-US" smtClean="0"/>
+              <a:rPr lang="en-US"/>
               <a:t>Click to edit Master text styles</a:t>
             </a:r>
           </a:p>
@@ -3481,35 +3481,35 @@
           <a:p>
             <a:pPr lvl="0"/>
             <a:r>
-              <a:rPr lang="en-US" smtClean="0"/>
+              <a:rPr lang="en-US"/>
               <a:t>Click to edit Master text styles</a:t>
             </a:r>
           </a:p>
           <a:p>
             <a:pPr lvl="1"/>
             <a:r>
-              <a:rPr lang="en-US" smtClean="0"/>
+              <a:rPr lang="en-US"/>
               <a:t>Second level</a:t>
             </a:r>
           </a:p>
           <a:p>
             <a:pPr lvl="2"/>
             <a:r>
-              <a:rPr lang="en-US" smtClean="0"/>
+              <a:rPr lang="en-US"/>
               <a:t>Third level</a:t>
             </a:r>
           </a:p>
           <a:p>
             <a:pPr lvl="3"/>
             <a:r>
-              <a:rPr lang="en-US" smtClean="0"/>
+              <a:rPr lang="en-US"/>
               <a:t>Fourth level</a:t>
             </a:r>
           </a:p>
           <a:p>
             <a:pPr lvl="4"/>
             <a:r>
-              <a:rPr lang="en-US" smtClean="0"/>
+              <a:rPr lang="en-US"/>
               <a:t>Fifth level</a:t>
             </a:r>
             <a:endParaRPr lang="en-GB"/>
@@ -3628,7 +3628,7 @@
           <a:lstStyle/>
           <a:p>
             <a:r>
-              <a:rPr lang="en-US" smtClean="0"/>
+              <a:rPr lang="en-US"/>
               <a:t>Click to edit Master title style</a:t>
             </a:r>
             <a:endParaRPr lang="en-GB"/>
@@ -3843,7 +3843,7 @@
           <a:lstStyle/>
           <a:p>
             <a:r>
-              <a:rPr lang="en-US" smtClean="0"/>
+              <a:rPr lang="en-US"/>
               <a:t>Click to edit Master title style</a:t>
             </a:r>
             <a:endParaRPr lang="en-GB"/>
@@ -3867,35 +3867,35 @@
           <a:p>
             <a:pPr lvl="0"/>
             <a:r>
-              <a:rPr lang="en-US" smtClean="0"/>
+              <a:rPr lang="en-US"/>
               <a:t>Click to edit Master text styles</a:t>
             </a:r>
           </a:p>
           <a:p>
             <a:pPr lvl="1"/>
             <a:r>
-              <a:rPr lang="en-US" smtClean="0"/>
+              <a:rPr lang="en-US"/>
               <a:t>Second level</a:t>
             </a:r>
           </a:p>
           <a:p>
             <a:pPr lvl="2"/>
             <a:r>
-              <a:rPr lang="en-US" smtClean="0"/>
+              <a:rPr lang="en-US"/>
               <a:t>Third level</a:t>
             </a:r>
           </a:p>
           <a:p>
             <a:pPr lvl="3"/>
             <a:r>
-              <a:rPr lang="en-US" smtClean="0"/>
+              <a:rPr lang="en-US"/>
               <a:t>Fourth level</a:t>
             </a:r>
           </a:p>
           <a:p>
             <a:pPr lvl="4"/>
             <a:r>
-              <a:rPr lang="en-US" smtClean="0"/>
+              <a:rPr lang="en-US"/>
               <a:t>Fifth level</a:t>
             </a:r>
             <a:endParaRPr lang="en-GB"/>
@@ -4023,7 +4023,7 @@
           </a:lstStyle>
           <a:p>
             <a:r>
-              <a:rPr lang="en-US" smtClean="0"/>
+              <a:rPr lang="en-US"/>
               <a:t>Click to edit Master title style</a:t>
             </a:r>
             <a:endParaRPr lang="en-GB"/>
@@ -4080,35 +4080,35 @@
           <a:p>
             <a:pPr lvl="0"/>
             <a:r>
-              <a:rPr lang="en-US" smtClean="0"/>
+              <a:rPr lang="en-US"/>
               <a:t>Click to edit Master text styles</a:t>
             </a:r>
           </a:p>
           <a:p>
             <a:pPr lvl="1"/>
             <a:r>
-              <a:rPr lang="en-US" smtClean="0"/>
+              <a:rPr lang="en-US"/>
               <a:t>Second level</a:t>
             </a:r>
           </a:p>
           <a:p>
             <a:pPr lvl="2"/>
             <a:r>
-              <a:rPr lang="en-US" smtClean="0"/>
+              <a:rPr lang="en-US"/>
               <a:t>Third level</a:t>
             </a:r>
           </a:p>
           <a:p>
             <a:pPr lvl="3"/>
             <a:r>
-              <a:rPr lang="en-US" smtClean="0"/>
+              <a:rPr lang="en-US"/>
               <a:t>Fourth level</a:t>
             </a:r>
           </a:p>
           <a:p>
             <a:pPr lvl="4"/>
             <a:r>
-              <a:rPr lang="en-US" smtClean="0"/>
+              <a:rPr lang="en-US"/>
               <a:t>Fifth level</a:t>
             </a:r>
             <a:endParaRPr lang="en-GB"/>
@@ -4174,7 +4174,7 @@
           <a:p>
             <a:pPr lvl="0"/>
             <a:r>
-              <a:rPr lang="en-US" smtClean="0"/>
+              <a:rPr lang="en-US"/>
               <a:t>Click to edit Master text styles</a:t>
             </a:r>
           </a:p>
@@ -4301,7 +4301,7 @@
           </a:lstStyle>
           <a:p>
             <a:r>
-              <a:rPr lang="en-US" smtClean="0"/>
+              <a:rPr lang="en-US"/>
               <a:t>Click to edit Master title style</a:t>
             </a:r>
             <a:endParaRPr lang="en-GB"/>
@@ -4366,7 +4366,7 @@
           </a:lstStyle>
           <a:p>
             <a:pPr lvl="0"/>
-            <a:endParaRPr lang="en-GB" noProof="0" smtClean="0"/>
+            <a:endParaRPr lang="en-GB" noProof="0"/>
           </a:p>
         </p:txBody>
       </p:sp>
@@ -4429,7 +4429,7 @@
           <a:p>
             <a:pPr lvl="0"/>
             <a:r>
-              <a:rPr lang="en-US" smtClean="0"/>
+              <a:rPr lang="en-US"/>
               <a:t>Click to edit Master text styles</a:t>
             </a:r>
           </a:p>
@@ -4547,7 +4547,7 @@
           <a:lstStyle/>
           <a:p>
             <a:r>
-              <a:rPr lang="en-US" smtClean="0"/>
+              <a:rPr lang="en-US"/>
               <a:t>Click to edit Master title style</a:t>
             </a:r>
             <a:endParaRPr lang="en-GB"/>
@@ -4571,35 +4571,35 @@
           <a:p>
             <a:pPr lvl="0"/>
             <a:r>
-              <a:rPr lang="en-US" smtClean="0"/>
+              <a:rPr lang="en-US"/>
               <a:t>Click to edit Master text styles</a:t>
             </a:r>
           </a:p>
           <a:p>
             <a:pPr lvl="1"/>
             <a:r>
-              <a:rPr lang="en-US" smtClean="0"/>
+              <a:rPr lang="en-US"/>
               <a:t>Second level</a:t>
             </a:r>
           </a:p>
           <a:p>
             <a:pPr lvl="2"/>
             <a:r>
-              <a:rPr lang="en-US" smtClean="0"/>
+              <a:rPr lang="en-US"/>
               <a:t>Third level</a:t>
             </a:r>
           </a:p>
           <a:p>
             <a:pPr lvl="3"/>
             <a:r>
-              <a:rPr lang="en-US" smtClean="0"/>
+              <a:rPr lang="en-US"/>
               <a:t>Fourth level</a:t>
             </a:r>
           </a:p>
           <a:p>
             <a:pPr lvl="4"/>
             <a:r>
-              <a:rPr lang="en-US" smtClean="0"/>
+              <a:rPr lang="en-US"/>
               <a:t>Fifth level</a:t>
             </a:r>
             <a:endParaRPr lang="en-GB"/>
@@ -4723,7 +4723,7 @@
           <a:lstStyle/>
           <a:p>
             <a:r>
-              <a:rPr lang="en-US" smtClean="0"/>
+              <a:rPr lang="en-US"/>
               <a:t>Click to edit Master title style</a:t>
             </a:r>
             <a:endParaRPr lang="en-GB"/>
@@ -4752,35 +4752,35 @@
           <a:p>
             <a:pPr lvl="0"/>
             <a:r>
-              <a:rPr lang="en-US" smtClean="0"/>
+              <a:rPr lang="en-US"/>
               <a:t>Click to edit Master text styles</a:t>
             </a:r>
           </a:p>
           <a:p>
             <a:pPr lvl="1"/>
             <a:r>
-              <a:rPr lang="en-US" smtClean="0"/>
+              <a:rPr lang="en-US"/>
               <a:t>Second level</a:t>
             </a:r>
           </a:p>
           <a:p>
             <a:pPr lvl="2"/>
             <a:r>
-              <a:rPr lang="en-US" smtClean="0"/>
+              <a:rPr lang="en-US"/>
               <a:t>Third level</a:t>
             </a:r>
           </a:p>
           <a:p>
             <a:pPr lvl="3"/>
             <a:r>
-              <a:rPr lang="en-US" smtClean="0"/>
+              <a:rPr lang="en-US"/>
               <a:t>Fourth level</a:t>
             </a:r>
           </a:p>
           <a:p>
             <a:pPr lvl="4"/>
             <a:r>
-              <a:rPr lang="en-US" smtClean="0"/>
+              <a:rPr lang="en-US"/>
               <a:t>Fifth level</a:t>
             </a:r>
             <a:endParaRPr lang="en-GB"/>
@@ -4904,7 +4904,7 @@
           <a:lstStyle/>
           <a:p>
             <a:r>
-              <a:rPr lang="en-US" smtClean="0"/>
+              <a:rPr lang="en-US"/>
               <a:t>Click to edit Master title style</a:t>
             </a:r>
             <a:endParaRPr lang="en-GB"/>
@@ -4932,7 +4932,7 @@
           <a:lstStyle/>
           <a:p>
             <a:pPr lvl="0"/>
-            <a:endParaRPr lang="en-GB" noProof="0" smtClean="0"/>
+            <a:endParaRPr lang="en-GB" noProof="0"/>
           </a:p>
         </p:txBody>
       </p:sp>
@@ -5173,7 +5173,7 @@
             <a:pPr>
               <a:defRPr/>
             </a:pPr>
-            <a:endParaRPr lang="en-US" altLang="en-US" b="0" smtClean="0">
+            <a:endParaRPr lang="en-US" altLang="en-US" b="0">
               <a:solidFill>
                 <a:srgbClr val="6E615F"/>
               </a:solidFill>
@@ -5382,7 +5382,7 @@
               <a:defRPr/>
             </a:pPr>
             <a:r>
-              <a:rPr lang="en-US" sz="1800" b="0" smtClean="0">
+              <a:rPr lang="en-US" sz="1800" b="0">
                 <a:solidFill>
                   <a:srgbClr val="FFFFFF"/>
                 </a:solidFill>
@@ -5505,10 +5505,9 @@
           <a:lstStyle/>
           <a:p>
             <a:r>
-              <a:rPr lang="en-US" smtClean="0"/>
+              <a:rPr lang="en-US"/>
               <a:t>Click to edit Master title style</a:t>
             </a:r>
-            <a:endParaRPr lang="en-US"/>
           </a:p>
         </p:txBody>
       </p:sp>
@@ -5529,38 +5528,37 @@
           <a:p>
             <a:pPr lvl="0"/>
             <a:r>
-              <a:rPr lang="en-US" smtClean="0"/>
+              <a:rPr lang="en-US"/>
               <a:t>Click to edit Master text styles</a:t>
             </a:r>
           </a:p>
           <a:p>
             <a:pPr lvl="1"/>
             <a:r>
-              <a:rPr lang="en-US" smtClean="0"/>
+              <a:rPr lang="en-US"/>
               <a:t>Second level</a:t>
             </a:r>
           </a:p>
           <a:p>
             <a:pPr lvl="2"/>
             <a:r>
-              <a:rPr lang="en-US" smtClean="0"/>
+              <a:rPr lang="en-US"/>
               <a:t>Third level</a:t>
             </a:r>
           </a:p>
           <a:p>
             <a:pPr lvl="3"/>
             <a:r>
-              <a:rPr lang="en-US" smtClean="0"/>
+              <a:rPr lang="en-US"/>
               <a:t>Fourth level</a:t>
             </a:r>
           </a:p>
           <a:p>
             <a:pPr lvl="4"/>
             <a:r>
-              <a:rPr lang="en-US" smtClean="0"/>
+              <a:rPr lang="en-US"/>
               <a:t>Fifth level</a:t>
             </a:r>
-            <a:endParaRPr lang="en-US"/>
           </a:p>
         </p:txBody>
       </p:sp>
@@ -5681,10 +5679,9 @@
           </a:lstStyle>
           <a:p>
             <a:r>
-              <a:rPr lang="en-US" smtClean="0"/>
+              <a:rPr lang="en-US"/>
               <a:t>Click to edit Master title style</a:t>
             </a:r>
-            <a:endParaRPr lang="en-US"/>
           </a:p>
         </p:txBody>
       </p:sp>
@@ -5747,7 +5744,7 @@
           <a:p>
             <a:pPr lvl="0"/>
             <a:r>
-              <a:rPr lang="en-US" smtClean="0"/>
+              <a:rPr lang="en-US"/>
               <a:t>Click to edit Master text styles</a:t>
             </a:r>
           </a:p>
@@ -5861,10 +5858,9 @@
           <a:lstStyle/>
           <a:p>
             <a:r>
-              <a:rPr lang="en-US" smtClean="0"/>
+              <a:rPr lang="en-US"/>
               <a:t>Click to edit Master title style</a:t>
             </a:r>
-            <a:endParaRPr lang="en-US"/>
           </a:p>
         </p:txBody>
       </p:sp>
@@ -5918,38 +5914,37 @@
           <a:p>
             <a:pPr lvl="0"/>
             <a:r>
-              <a:rPr lang="en-US" smtClean="0"/>
+              <a:rPr lang="en-US"/>
               <a:t>Click to edit Master text styles</a:t>
             </a:r>
           </a:p>
           <a:p>
             <a:pPr lvl="1"/>
             <a:r>
-              <a:rPr lang="en-US" smtClean="0"/>
+              <a:rPr lang="en-US"/>
               <a:t>Second level</a:t>
             </a:r>
           </a:p>
           <a:p>
             <a:pPr lvl="2"/>
             <a:r>
-              <a:rPr lang="en-US" smtClean="0"/>
+              <a:rPr lang="en-US"/>
               <a:t>Third level</a:t>
             </a:r>
           </a:p>
           <a:p>
             <a:pPr lvl="3"/>
             <a:r>
-              <a:rPr lang="en-US" smtClean="0"/>
+              <a:rPr lang="en-US"/>
               <a:t>Fourth level</a:t>
             </a:r>
           </a:p>
           <a:p>
             <a:pPr lvl="4"/>
             <a:r>
-              <a:rPr lang="en-US" smtClean="0"/>
+              <a:rPr lang="en-US"/>
               <a:t>Fifth level</a:t>
             </a:r>
-            <a:endParaRPr lang="en-US"/>
           </a:p>
         </p:txBody>
       </p:sp>
@@ -6003,38 +5998,37 @@
           <a:p>
             <a:pPr lvl="0"/>
             <a:r>
-              <a:rPr lang="en-US" smtClean="0"/>
+              <a:rPr lang="en-US"/>
               <a:t>Click to edit Master text styles</a:t>
             </a:r>
           </a:p>
           <a:p>
             <a:pPr lvl="1"/>
             <a:r>
-              <a:rPr lang="en-US" smtClean="0"/>
+              <a:rPr lang="en-US"/>
               <a:t>Second level</a:t>
             </a:r>
           </a:p>
           <a:p>
             <a:pPr lvl="2"/>
             <a:r>
-              <a:rPr lang="en-US" smtClean="0"/>
+              <a:rPr lang="en-US"/>
               <a:t>Third level</a:t>
             </a:r>
           </a:p>
           <a:p>
             <a:pPr lvl="3"/>
             <a:r>
-              <a:rPr lang="en-US" smtClean="0"/>
+              <a:rPr lang="en-US"/>
               <a:t>Fourth level</a:t>
             </a:r>
           </a:p>
           <a:p>
             <a:pPr lvl="4"/>
             <a:r>
-              <a:rPr lang="en-US" smtClean="0"/>
+              <a:rPr lang="en-US"/>
               <a:t>Fifth level</a:t>
             </a:r>
-            <a:endParaRPr lang="en-US"/>
           </a:p>
         </p:txBody>
       </p:sp>
@@ -6155,10 +6149,9 @@
           </a:lstStyle>
           <a:p>
             <a:r>
-              <a:rPr lang="en-US" smtClean="0"/>
+              <a:rPr lang="en-US"/>
               <a:t>Click to edit Master title style</a:t>
             </a:r>
-            <a:endParaRPr lang="en-US"/>
           </a:p>
         </p:txBody>
       </p:sp>
@@ -6221,7 +6214,7 @@
           <a:p>
             <a:pPr lvl="0"/>
             <a:r>
-              <a:rPr lang="en-US" smtClean="0"/>
+              <a:rPr lang="en-US"/>
               <a:t>Click to edit Master text styles</a:t>
             </a:r>
           </a:p>
@@ -6277,38 +6270,37 @@
           <a:p>
             <a:pPr lvl="0"/>
             <a:r>
-              <a:rPr lang="en-US" smtClean="0"/>
+              <a:rPr lang="en-US"/>
               <a:t>Click to edit Master text styles</a:t>
             </a:r>
           </a:p>
           <a:p>
             <a:pPr lvl="1"/>
             <a:r>
-              <a:rPr lang="en-US" smtClean="0"/>
+              <a:rPr lang="en-US"/>
               <a:t>Second level</a:t>
             </a:r>
           </a:p>
           <a:p>
             <a:pPr lvl="2"/>
             <a:r>
-              <a:rPr lang="en-US" smtClean="0"/>
+              <a:rPr lang="en-US"/>
               <a:t>Third level</a:t>
             </a:r>
           </a:p>
           <a:p>
             <a:pPr lvl="3"/>
             <a:r>
-              <a:rPr lang="en-US" smtClean="0"/>
+              <a:rPr lang="en-US"/>
               <a:t>Fourth level</a:t>
             </a:r>
           </a:p>
           <a:p>
             <a:pPr lvl="4"/>
             <a:r>
-              <a:rPr lang="en-US" smtClean="0"/>
+              <a:rPr lang="en-US"/>
               <a:t>Fifth level</a:t>
             </a:r>
-            <a:endParaRPr lang="en-US"/>
           </a:p>
         </p:txBody>
       </p:sp>
@@ -6371,7 +6363,7 @@
           <a:p>
             <a:pPr lvl="0"/>
             <a:r>
-              <a:rPr lang="en-US" smtClean="0"/>
+              <a:rPr lang="en-US"/>
               <a:t>Click to edit Master text styles</a:t>
             </a:r>
           </a:p>
@@ -6427,38 +6419,37 @@
           <a:p>
             <a:pPr lvl="0"/>
             <a:r>
-              <a:rPr lang="en-US" smtClean="0"/>
+              <a:rPr lang="en-US"/>
               <a:t>Click to edit Master text styles</a:t>
             </a:r>
           </a:p>
           <a:p>
             <a:pPr lvl="1"/>
             <a:r>
-              <a:rPr lang="en-US" smtClean="0"/>
+              <a:rPr lang="en-US"/>
               <a:t>Second level</a:t>
             </a:r>
           </a:p>
           <a:p>
             <a:pPr lvl="2"/>
             <a:r>
-              <a:rPr lang="en-US" smtClean="0"/>
+              <a:rPr lang="en-US"/>
               <a:t>Third level</a:t>
             </a:r>
           </a:p>
           <a:p>
             <a:pPr lvl="3"/>
             <a:r>
-              <a:rPr lang="en-US" smtClean="0"/>
+              <a:rPr lang="en-US"/>
               <a:t>Fourth level</a:t>
             </a:r>
           </a:p>
           <a:p>
             <a:pPr lvl="4"/>
             <a:r>
-              <a:rPr lang="en-US" smtClean="0"/>
+              <a:rPr lang="en-US"/>
               <a:t>Fifth level</a:t>
             </a:r>
-            <a:endParaRPr lang="en-US"/>
           </a:p>
         </p:txBody>
       </p:sp>
@@ -6579,7 +6570,7 @@
           </a:lstStyle>
           <a:p>
             <a:r>
-              <a:rPr lang="en-US" smtClean="0"/>
+              <a:rPr lang="en-US"/>
               <a:t>Click to edit Master title style</a:t>
             </a:r>
             <a:endParaRPr lang="en-GB"/>
@@ -6645,7 +6636,7 @@
           <a:p>
             <a:pPr lvl="0"/>
             <a:r>
-              <a:rPr lang="en-US" smtClean="0"/>
+              <a:rPr lang="en-US"/>
               <a:t>Click to edit Master text styles</a:t>
             </a:r>
           </a:p>
@@ -6763,10 +6754,9 @@
           <a:lstStyle/>
           <a:p>
             <a:r>
-              <a:rPr lang="en-US" smtClean="0"/>
+              <a:rPr lang="en-US"/>
               <a:t>Click to edit Master title style</a:t>
             </a:r>
-            <a:endParaRPr lang="en-US"/>
           </a:p>
         </p:txBody>
       </p:sp>
@@ -6979,10 +6969,9 @@
           </a:lstStyle>
           <a:p>
             <a:r>
-              <a:rPr lang="en-US" smtClean="0"/>
+              <a:rPr lang="en-US"/>
               <a:t>Click to edit Master title style</a:t>
             </a:r>
-            <a:endParaRPr lang="en-US"/>
           </a:p>
         </p:txBody>
       </p:sp>
@@ -7036,38 +7025,37 @@
           <a:p>
             <a:pPr lvl="0"/>
             <a:r>
-              <a:rPr lang="en-US" smtClean="0"/>
+              <a:rPr lang="en-US"/>
               <a:t>Click to edit Master text styles</a:t>
             </a:r>
           </a:p>
           <a:p>
             <a:pPr lvl="1"/>
             <a:r>
-              <a:rPr lang="en-US" smtClean="0"/>
+              <a:rPr lang="en-US"/>
               <a:t>Second level</a:t>
             </a:r>
           </a:p>
           <a:p>
             <a:pPr lvl="2"/>
             <a:r>
-              <a:rPr lang="en-US" smtClean="0"/>
+              <a:rPr lang="en-US"/>
               <a:t>Third level</a:t>
             </a:r>
           </a:p>
           <a:p>
             <a:pPr lvl="3"/>
             <a:r>
-              <a:rPr lang="en-US" smtClean="0"/>
+              <a:rPr lang="en-US"/>
               <a:t>Fourth level</a:t>
             </a:r>
           </a:p>
           <a:p>
             <a:pPr lvl="4"/>
             <a:r>
-              <a:rPr lang="en-US" smtClean="0"/>
+              <a:rPr lang="en-US"/>
               <a:t>Fifth level</a:t>
             </a:r>
-            <a:endParaRPr lang="en-US"/>
           </a:p>
         </p:txBody>
       </p:sp>
@@ -7130,7 +7118,7 @@
           <a:p>
             <a:pPr lvl="0"/>
             <a:r>
-              <a:rPr lang="en-US" smtClean="0"/>
+              <a:rPr lang="en-US"/>
               <a:t>Click to edit Master text styles</a:t>
             </a:r>
           </a:p>
@@ -7253,10 +7241,9 @@
           </a:lstStyle>
           <a:p>
             <a:r>
-              <a:rPr lang="en-US" smtClean="0"/>
+              <a:rPr lang="en-US"/>
               <a:t>Click to edit Master title style</a:t>
             </a:r>
-            <a:endParaRPr lang="en-US"/>
           </a:p>
         </p:txBody>
       </p:sp>
@@ -7318,7 +7305,7 @@
           </a:lstStyle>
           <a:p>
             <a:pPr lvl="0"/>
-            <a:endParaRPr lang="en-US" noProof="0" smtClean="0"/>
+            <a:endParaRPr lang="en-US" noProof="0"/>
           </a:p>
         </p:txBody>
       </p:sp>
@@ -7381,7 +7368,7 @@
           <a:p>
             <a:pPr lvl="0"/>
             <a:r>
-              <a:rPr lang="en-US" smtClean="0"/>
+              <a:rPr lang="en-US"/>
               <a:t>Click to edit Master text styles</a:t>
             </a:r>
           </a:p>
@@ -7495,10 +7482,9 @@
           <a:lstStyle/>
           <a:p>
             <a:r>
-              <a:rPr lang="en-US" smtClean="0"/>
+              <a:rPr lang="en-US"/>
               <a:t>Click to edit Master title style</a:t>
             </a:r>
-            <a:endParaRPr lang="en-US"/>
           </a:p>
         </p:txBody>
       </p:sp>
@@ -7519,38 +7505,37 @@
           <a:p>
             <a:pPr lvl="0"/>
             <a:r>
-              <a:rPr lang="en-US" smtClean="0"/>
+              <a:rPr lang="en-US"/>
               <a:t>Click to edit Master text styles</a:t>
             </a:r>
           </a:p>
           <a:p>
             <a:pPr lvl="1"/>
             <a:r>
-              <a:rPr lang="en-US" smtClean="0"/>
+              <a:rPr lang="en-US"/>
               <a:t>Second level</a:t>
             </a:r>
           </a:p>
           <a:p>
             <a:pPr lvl="2"/>
             <a:r>
-              <a:rPr lang="en-US" smtClean="0"/>
+              <a:rPr lang="en-US"/>
               <a:t>Third level</a:t>
             </a:r>
           </a:p>
           <a:p>
             <a:pPr lvl="3"/>
             <a:r>
-              <a:rPr lang="en-US" smtClean="0"/>
+              <a:rPr lang="en-US"/>
               <a:t>Fourth level</a:t>
             </a:r>
           </a:p>
           <a:p>
             <a:pPr lvl="4"/>
             <a:r>
-              <a:rPr lang="en-US" smtClean="0"/>
+              <a:rPr lang="en-US"/>
               <a:t>Fifth level</a:t>
             </a:r>
-            <a:endParaRPr lang="en-US"/>
           </a:p>
         </p:txBody>
       </p:sp>
@@ -7667,10 +7652,9 @@
           <a:lstStyle/>
           <a:p>
             <a:r>
-              <a:rPr lang="en-US" smtClean="0"/>
+              <a:rPr lang="en-US"/>
               <a:t>Click to edit Master title style</a:t>
             </a:r>
-            <a:endParaRPr lang="en-US"/>
           </a:p>
         </p:txBody>
       </p:sp>
@@ -7696,38 +7680,37 @@
           <a:p>
             <a:pPr lvl="0"/>
             <a:r>
-              <a:rPr lang="en-US" smtClean="0"/>
+              <a:rPr lang="en-US"/>
               <a:t>Click to edit Master text styles</a:t>
             </a:r>
           </a:p>
           <a:p>
             <a:pPr lvl="1"/>
             <a:r>
-              <a:rPr lang="en-US" smtClean="0"/>
+              <a:rPr lang="en-US"/>
               <a:t>Second level</a:t>
             </a:r>
           </a:p>
           <a:p>
             <a:pPr lvl="2"/>
             <a:r>
-              <a:rPr lang="en-US" smtClean="0"/>
+              <a:rPr lang="en-US"/>
               <a:t>Third level</a:t>
             </a:r>
           </a:p>
           <a:p>
             <a:pPr lvl="3"/>
             <a:r>
-              <a:rPr lang="en-US" smtClean="0"/>
+              <a:rPr lang="en-US"/>
               <a:t>Fourth level</a:t>
             </a:r>
           </a:p>
           <a:p>
             <a:pPr lvl="4"/>
             <a:r>
-              <a:rPr lang="en-US" smtClean="0"/>
+              <a:rPr lang="en-US"/>
               <a:t>Fifth level</a:t>
             </a:r>
-            <a:endParaRPr lang="en-US"/>
           </a:p>
         </p:txBody>
       </p:sp>
@@ -7964,7 +7947,7 @@
             <a:pPr>
               <a:defRPr/>
             </a:pPr>
-            <a:endParaRPr lang="en-US" altLang="en-US" b="0" smtClean="0">
+            <a:endParaRPr lang="en-US" altLang="en-US" b="0">
               <a:solidFill>
                 <a:srgbClr val="6E615F"/>
               </a:solidFill>
@@ -8173,7 +8156,7 @@
               <a:defRPr/>
             </a:pPr>
             <a:r>
-              <a:rPr lang="en-US" sz="1800" b="0" smtClean="0">
+              <a:rPr lang="en-US" sz="1800" b="0">
                 <a:solidFill>
                   <a:srgbClr val="FFFFFF"/>
                 </a:solidFill>
@@ -8296,10 +8279,9 @@
           <a:lstStyle/>
           <a:p>
             <a:r>
-              <a:rPr lang="en-US" smtClean="0"/>
+              <a:rPr lang="en-US"/>
               <a:t>Click to edit Master title style</a:t>
             </a:r>
-            <a:endParaRPr lang="en-US"/>
           </a:p>
         </p:txBody>
       </p:sp>
@@ -8320,38 +8302,37 @@
           <a:p>
             <a:pPr lvl="0"/>
             <a:r>
-              <a:rPr lang="en-US" smtClean="0"/>
+              <a:rPr lang="en-US"/>
               <a:t>Click to edit Master text styles</a:t>
             </a:r>
           </a:p>
           <a:p>
             <a:pPr lvl="1"/>
             <a:r>
-              <a:rPr lang="en-US" smtClean="0"/>
+              <a:rPr lang="en-US"/>
               <a:t>Second level</a:t>
             </a:r>
           </a:p>
           <a:p>
             <a:pPr lvl="2"/>
             <a:r>
-              <a:rPr lang="en-US" smtClean="0"/>
+              <a:rPr lang="en-US"/>
               <a:t>Third level</a:t>
             </a:r>
           </a:p>
           <a:p>
             <a:pPr lvl="3"/>
             <a:r>
-              <a:rPr lang="en-US" smtClean="0"/>
+              <a:rPr lang="en-US"/>
               <a:t>Fourth level</a:t>
             </a:r>
           </a:p>
           <a:p>
             <a:pPr lvl="4"/>
             <a:r>
-              <a:rPr lang="en-US" smtClean="0"/>
+              <a:rPr lang="en-US"/>
               <a:t>Fifth level</a:t>
             </a:r>
-            <a:endParaRPr lang="en-US"/>
           </a:p>
         </p:txBody>
       </p:sp>
@@ -8472,10 +8453,9 @@
           </a:lstStyle>
           <a:p>
             <a:r>
-              <a:rPr lang="en-US" smtClean="0"/>
+              <a:rPr lang="en-US"/>
               <a:t>Click to edit Master title style</a:t>
             </a:r>
-            <a:endParaRPr lang="en-US"/>
           </a:p>
         </p:txBody>
       </p:sp>
@@ -8538,7 +8518,7 @@
           <a:p>
             <a:pPr lvl="0"/>
             <a:r>
-              <a:rPr lang="en-US" smtClean="0"/>
+              <a:rPr lang="en-US"/>
               <a:t>Click to edit Master text styles</a:t>
             </a:r>
           </a:p>
@@ -8652,10 +8632,9 @@
           <a:lstStyle/>
           <a:p>
             <a:r>
-              <a:rPr lang="en-US" smtClean="0"/>
+              <a:rPr lang="en-US"/>
               <a:t>Click to edit Master title style</a:t>
             </a:r>
-            <a:endParaRPr lang="en-US"/>
           </a:p>
         </p:txBody>
       </p:sp>
@@ -8709,38 +8688,37 @@
           <a:p>
             <a:pPr lvl="0"/>
             <a:r>
-              <a:rPr lang="en-US" smtClean="0"/>
+              <a:rPr lang="en-US"/>
               <a:t>Click to edit Master text styles</a:t>
             </a:r>
           </a:p>
           <a:p>
             <a:pPr lvl="1"/>
             <a:r>
-              <a:rPr lang="en-US" smtClean="0"/>
+              <a:rPr lang="en-US"/>
               <a:t>Second level</a:t>
             </a:r>
           </a:p>
           <a:p>
             <a:pPr lvl="2"/>
             <a:r>
-              <a:rPr lang="en-US" smtClean="0"/>
+              <a:rPr lang="en-US"/>
               <a:t>Third level</a:t>
             </a:r>
           </a:p>
           <a:p>
             <a:pPr lvl="3"/>
             <a:r>
-              <a:rPr lang="en-US" smtClean="0"/>
+              <a:rPr lang="en-US"/>
               <a:t>Fourth level</a:t>
             </a:r>
           </a:p>
           <a:p>
             <a:pPr lvl="4"/>
             <a:r>
-              <a:rPr lang="en-US" smtClean="0"/>
+              <a:rPr lang="en-US"/>
               <a:t>Fifth level</a:t>
             </a:r>
-            <a:endParaRPr lang="en-US"/>
           </a:p>
         </p:txBody>
       </p:sp>
@@ -8794,38 +8772,37 @@
           <a:p>
             <a:pPr lvl="0"/>
             <a:r>
-              <a:rPr lang="en-US" smtClean="0"/>
+              <a:rPr lang="en-US"/>
               <a:t>Click to edit Master text styles</a:t>
             </a:r>
           </a:p>
           <a:p>
             <a:pPr lvl="1"/>
             <a:r>
-              <a:rPr lang="en-US" smtClean="0"/>
+              <a:rPr lang="en-US"/>
               <a:t>Second level</a:t>
             </a:r>
           </a:p>
           <a:p>
             <a:pPr lvl="2"/>
             <a:r>
-              <a:rPr lang="en-US" smtClean="0"/>
+              <a:rPr lang="en-US"/>
               <a:t>Third level</a:t>
             </a:r>
           </a:p>
           <a:p>
             <a:pPr lvl="3"/>
             <a:r>
-              <a:rPr lang="en-US" smtClean="0"/>
+              <a:rPr lang="en-US"/>
               <a:t>Fourth level</a:t>
             </a:r>
           </a:p>
           <a:p>
             <a:pPr lvl="4"/>
             <a:r>
-              <a:rPr lang="en-US" smtClean="0"/>
+              <a:rPr lang="en-US"/>
               <a:t>Fifth level</a:t>
             </a:r>
-            <a:endParaRPr lang="en-US"/>
           </a:p>
         </p:txBody>
       </p:sp>
@@ -8937,7 +8914,7 @@
           <a:lstStyle/>
           <a:p>
             <a:r>
-              <a:rPr lang="en-US" smtClean="0"/>
+              <a:rPr lang="en-US"/>
               <a:t>Click to edit Master title style</a:t>
             </a:r>
             <a:endParaRPr lang="en-GB"/>
@@ -8994,35 +8971,35 @@
           <a:p>
             <a:pPr lvl="0"/>
             <a:r>
-              <a:rPr lang="en-US" smtClean="0"/>
+              <a:rPr lang="en-US"/>
               <a:t>Click to edit Master text styles</a:t>
             </a:r>
           </a:p>
           <a:p>
             <a:pPr lvl="1"/>
             <a:r>
-              <a:rPr lang="en-US" smtClean="0"/>
+              <a:rPr lang="en-US"/>
               <a:t>Second level</a:t>
             </a:r>
           </a:p>
           <a:p>
             <a:pPr lvl="2"/>
             <a:r>
-              <a:rPr lang="en-US" smtClean="0"/>
+              <a:rPr lang="en-US"/>
               <a:t>Third level</a:t>
             </a:r>
           </a:p>
           <a:p>
             <a:pPr lvl="3"/>
             <a:r>
-              <a:rPr lang="en-US" smtClean="0"/>
+              <a:rPr lang="en-US"/>
               <a:t>Fourth level</a:t>
             </a:r>
           </a:p>
           <a:p>
             <a:pPr lvl="4"/>
             <a:r>
-              <a:rPr lang="en-US" smtClean="0"/>
+              <a:rPr lang="en-US"/>
               <a:t>Fifth level</a:t>
             </a:r>
             <a:endParaRPr lang="en-GB"/>
@@ -9079,35 +9056,35 @@
           <a:p>
             <a:pPr lvl="0"/>
             <a:r>
-              <a:rPr lang="en-US" smtClean="0"/>
+              <a:rPr lang="en-US"/>
               <a:t>Click to edit Master text styles</a:t>
             </a:r>
           </a:p>
           <a:p>
             <a:pPr lvl="1"/>
             <a:r>
-              <a:rPr lang="en-US" smtClean="0"/>
+              <a:rPr lang="en-US"/>
               <a:t>Second level</a:t>
             </a:r>
           </a:p>
           <a:p>
             <a:pPr lvl="2"/>
             <a:r>
-              <a:rPr lang="en-US" smtClean="0"/>
+              <a:rPr lang="en-US"/>
               <a:t>Third level</a:t>
             </a:r>
           </a:p>
           <a:p>
             <a:pPr lvl="3"/>
             <a:r>
-              <a:rPr lang="en-US" smtClean="0"/>
+              <a:rPr lang="en-US"/>
               <a:t>Fourth level</a:t>
             </a:r>
           </a:p>
           <a:p>
             <a:pPr lvl="4"/>
             <a:r>
-              <a:rPr lang="en-US" smtClean="0"/>
+              <a:rPr lang="en-US"/>
               <a:t>Fifth level</a:t>
             </a:r>
             <a:endParaRPr lang="en-GB"/>
@@ -9235,10 +9212,9 @@
           </a:lstStyle>
           <a:p>
             <a:r>
-              <a:rPr lang="en-US" smtClean="0"/>
+              <a:rPr lang="en-US"/>
               <a:t>Click to edit Master title style</a:t>
             </a:r>
-            <a:endParaRPr lang="en-US"/>
           </a:p>
         </p:txBody>
       </p:sp>
@@ -9301,7 +9277,7 @@
           <a:p>
             <a:pPr lvl="0"/>
             <a:r>
-              <a:rPr lang="en-US" smtClean="0"/>
+              <a:rPr lang="en-US"/>
               <a:t>Click to edit Master text styles</a:t>
             </a:r>
           </a:p>
@@ -9357,38 +9333,37 @@
           <a:p>
             <a:pPr lvl="0"/>
             <a:r>
-              <a:rPr lang="en-US" smtClean="0"/>
+              <a:rPr lang="en-US"/>
               <a:t>Click to edit Master text styles</a:t>
             </a:r>
           </a:p>
           <a:p>
             <a:pPr lvl="1"/>
             <a:r>
-              <a:rPr lang="en-US" smtClean="0"/>
+              <a:rPr lang="en-US"/>
               <a:t>Second level</a:t>
             </a:r>
           </a:p>
           <a:p>
             <a:pPr lvl="2"/>
             <a:r>
-              <a:rPr lang="en-US" smtClean="0"/>
+              <a:rPr lang="en-US"/>
               <a:t>Third level</a:t>
             </a:r>
           </a:p>
           <a:p>
             <a:pPr lvl="3"/>
             <a:r>
-              <a:rPr lang="en-US" smtClean="0"/>
+              <a:rPr lang="en-US"/>
               <a:t>Fourth level</a:t>
             </a:r>
           </a:p>
           <a:p>
             <a:pPr lvl="4"/>
             <a:r>
-              <a:rPr lang="en-US" smtClean="0"/>
+              <a:rPr lang="en-US"/>
               <a:t>Fifth level</a:t>
             </a:r>
-            <a:endParaRPr lang="en-US"/>
           </a:p>
         </p:txBody>
       </p:sp>
@@ -9451,7 +9426,7 @@
           <a:p>
             <a:pPr lvl="0"/>
             <a:r>
-              <a:rPr lang="en-US" smtClean="0"/>
+              <a:rPr lang="en-US"/>
               <a:t>Click to edit Master text styles</a:t>
             </a:r>
           </a:p>
@@ -9507,38 +9482,37 @@
           <a:p>
             <a:pPr lvl="0"/>
             <a:r>
-              <a:rPr lang="en-US" smtClean="0"/>
+              <a:rPr lang="en-US"/>
               <a:t>Click to edit Master text styles</a:t>
             </a:r>
           </a:p>
           <a:p>
             <a:pPr lvl="1"/>
             <a:r>
-              <a:rPr lang="en-US" smtClean="0"/>
+              <a:rPr lang="en-US"/>
               <a:t>Second level</a:t>
             </a:r>
           </a:p>
           <a:p>
             <a:pPr lvl="2"/>
             <a:r>
-              <a:rPr lang="en-US" smtClean="0"/>
+              <a:rPr lang="en-US"/>
               <a:t>Third level</a:t>
             </a:r>
           </a:p>
           <a:p>
             <a:pPr lvl="3"/>
             <a:r>
-              <a:rPr lang="en-US" smtClean="0"/>
+              <a:rPr lang="en-US"/>
               <a:t>Fourth level</a:t>
             </a:r>
           </a:p>
           <a:p>
             <a:pPr lvl="4"/>
             <a:r>
-              <a:rPr lang="en-US" smtClean="0"/>
+              <a:rPr lang="en-US"/>
               <a:t>Fifth level</a:t>
             </a:r>
-            <a:endParaRPr lang="en-US"/>
           </a:p>
         </p:txBody>
       </p:sp>
@@ -9650,10 +9624,9 @@
           <a:lstStyle/>
           <a:p>
             <a:r>
-              <a:rPr lang="en-US" smtClean="0"/>
+              <a:rPr lang="en-US"/>
               <a:t>Click to edit Master title style</a:t>
             </a:r>
-            <a:endParaRPr lang="en-US"/>
           </a:p>
         </p:txBody>
       </p:sp>
@@ -9866,10 +9839,9 @@
           </a:lstStyle>
           <a:p>
             <a:r>
-              <a:rPr lang="en-US" smtClean="0"/>
+              <a:rPr lang="en-US"/>
               <a:t>Click to edit Master title style</a:t>
             </a:r>
-            <a:endParaRPr lang="en-US"/>
           </a:p>
         </p:txBody>
       </p:sp>
@@ -9923,38 +9895,37 @@
           <a:p>
             <a:pPr lvl="0"/>
             <a:r>
-              <a:rPr lang="en-US" smtClean="0"/>
+              <a:rPr lang="en-US"/>
               <a:t>Click to edit Master text styles</a:t>
             </a:r>
           </a:p>
           <a:p>
             <a:pPr lvl="1"/>
             <a:r>
-              <a:rPr lang="en-US" smtClean="0"/>
+              <a:rPr lang="en-US"/>
               <a:t>Second level</a:t>
             </a:r>
           </a:p>
           <a:p>
             <a:pPr lvl="2"/>
             <a:r>
-              <a:rPr lang="en-US" smtClean="0"/>
+              <a:rPr lang="en-US"/>
               <a:t>Third level</a:t>
             </a:r>
           </a:p>
           <a:p>
             <a:pPr lvl="3"/>
             <a:r>
-              <a:rPr lang="en-US" smtClean="0"/>
+              <a:rPr lang="en-US"/>
               <a:t>Fourth level</a:t>
             </a:r>
           </a:p>
           <a:p>
             <a:pPr lvl="4"/>
             <a:r>
-              <a:rPr lang="en-US" smtClean="0"/>
+              <a:rPr lang="en-US"/>
               <a:t>Fifth level</a:t>
             </a:r>
-            <a:endParaRPr lang="en-US"/>
           </a:p>
         </p:txBody>
       </p:sp>
@@ -10017,7 +9988,7 @@
           <a:p>
             <a:pPr lvl="0"/>
             <a:r>
-              <a:rPr lang="en-US" smtClean="0"/>
+              <a:rPr lang="en-US"/>
               <a:t>Click to edit Master text styles</a:t>
             </a:r>
           </a:p>
@@ -10140,10 +10111,9 @@
           </a:lstStyle>
           <a:p>
             <a:r>
-              <a:rPr lang="en-US" smtClean="0"/>
+              <a:rPr lang="en-US"/>
               <a:t>Click to edit Master title style</a:t>
             </a:r>
-            <a:endParaRPr lang="en-US"/>
           </a:p>
         </p:txBody>
       </p:sp>
@@ -10205,7 +10175,7 @@
           </a:lstStyle>
           <a:p>
             <a:pPr lvl="0"/>
-            <a:endParaRPr lang="en-US" noProof="0" smtClean="0"/>
+            <a:endParaRPr lang="en-US" noProof="0"/>
           </a:p>
         </p:txBody>
       </p:sp>
@@ -10268,7 +10238,7 @@
           <a:p>
             <a:pPr lvl="0"/>
             <a:r>
-              <a:rPr lang="en-US" smtClean="0"/>
+              <a:rPr lang="en-US"/>
               <a:t>Click to edit Master text styles</a:t>
             </a:r>
           </a:p>
@@ -10382,10 +10352,9 @@
           <a:lstStyle/>
           <a:p>
             <a:r>
-              <a:rPr lang="en-US" smtClean="0"/>
+              <a:rPr lang="en-US"/>
               <a:t>Click to edit Master title style</a:t>
             </a:r>
-            <a:endParaRPr lang="en-US"/>
           </a:p>
         </p:txBody>
       </p:sp>
@@ -10406,38 +10375,37 @@
           <a:p>
             <a:pPr lvl="0"/>
             <a:r>
-              <a:rPr lang="en-US" smtClean="0"/>
+              <a:rPr lang="en-US"/>
               <a:t>Click to edit Master text styles</a:t>
             </a:r>
           </a:p>
           <a:p>
             <a:pPr lvl="1"/>
             <a:r>
-              <a:rPr lang="en-US" smtClean="0"/>
+              <a:rPr lang="en-US"/>
               <a:t>Second level</a:t>
             </a:r>
           </a:p>
           <a:p>
             <a:pPr lvl="2"/>
             <a:r>
-              <a:rPr lang="en-US" smtClean="0"/>
+              <a:rPr lang="en-US"/>
               <a:t>Third level</a:t>
             </a:r>
           </a:p>
           <a:p>
             <a:pPr lvl="3"/>
             <a:r>
-              <a:rPr lang="en-US" smtClean="0"/>
+              <a:rPr lang="en-US"/>
               <a:t>Fourth level</a:t>
             </a:r>
           </a:p>
           <a:p>
             <a:pPr lvl="4"/>
             <a:r>
-              <a:rPr lang="en-US" smtClean="0"/>
+              <a:rPr lang="en-US"/>
               <a:t>Fifth level</a:t>
             </a:r>
-            <a:endParaRPr lang="en-US"/>
           </a:p>
         </p:txBody>
       </p:sp>
@@ -10554,10 +10522,9 @@
           <a:lstStyle/>
           <a:p>
             <a:r>
-              <a:rPr lang="en-US" smtClean="0"/>
+              <a:rPr lang="en-US"/>
               <a:t>Click to edit Master title style</a:t>
             </a:r>
-            <a:endParaRPr lang="en-US"/>
           </a:p>
         </p:txBody>
       </p:sp>
@@ -10583,38 +10550,37 @@
           <a:p>
             <a:pPr lvl="0"/>
             <a:r>
-              <a:rPr lang="en-US" smtClean="0"/>
+              <a:rPr lang="en-US"/>
               <a:t>Click to edit Master text styles</a:t>
             </a:r>
           </a:p>
           <a:p>
             <a:pPr lvl="1"/>
             <a:r>
-              <a:rPr lang="en-US" smtClean="0"/>
+              <a:rPr lang="en-US"/>
               <a:t>Second level</a:t>
             </a:r>
           </a:p>
           <a:p>
             <a:pPr lvl="2"/>
             <a:r>
-              <a:rPr lang="en-US" smtClean="0"/>
+              <a:rPr lang="en-US"/>
               <a:t>Third level</a:t>
             </a:r>
           </a:p>
           <a:p>
             <a:pPr lvl="3"/>
             <a:r>
-              <a:rPr lang="en-US" smtClean="0"/>
+              <a:rPr lang="en-US"/>
               <a:t>Fourth level</a:t>
             </a:r>
           </a:p>
           <a:p>
             <a:pPr lvl="4"/>
             <a:r>
-              <a:rPr lang="en-US" smtClean="0"/>
+              <a:rPr lang="en-US"/>
               <a:t>Fifth level</a:t>
             </a:r>
-            <a:endParaRPr lang="en-US"/>
           </a:p>
         </p:txBody>
       </p:sp>
@@ -10851,7 +10817,7 @@
             <a:pPr>
               <a:defRPr/>
             </a:pPr>
-            <a:endParaRPr lang="en-US" altLang="en-US" b="0" smtClean="0">
+            <a:endParaRPr lang="en-US" altLang="en-US" b="0">
               <a:solidFill>
                 <a:srgbClr val="6E615F"/>
               </a:solidFill>
@@ -11060,7 +11026,7 @@
               <a:defRPr/>
             </a:pPr>
             <a:r>
-              <a:rPr lang="en-US" sz="1800" b="0" smtClean="0">
+              <a:rPr lang="en-US" sz="1800" b="0">
                 <a:solidFill>
                   <a:srgbClr val="FFFFFF"/>
                 </a:solidFill>
@@ -11183,10 +11149,9 @@
           <a:lstStyle/>
           <a:p>
             <a:r>
-              <a:rPr lang="en-US" smtClean="0"/>
+              <a:rPr lang="en-US"/>
               <a:t>Click to edit Master title style</a:t>
             </a:r>
-            <a:endParaRPr lang="en-US"/>
           </a:p>
         </p:txBody>
       </p:sp>
@@ -11207,38 +11172,37 @@
           <a:p>
             <a:pPr lvl="0"/>
             <a:r>
-              <a:rPr lang="en-US" smtClean="0"/>
+              <a:rPr lang="en-US"/>
               <a:t>Click to edit Master text styles</a:t>
             </a:r>
           </a:p>
           <a:p>
             <a:pPr lvl="1"/>
             <a:r>
-              <a:rPr lang="en-US" smtClean="0"/>
+              <a:rPr lang="en-US"/>
               <a:t>Second level</a:t>
             </a:r>
           </a:p>
           <a:p>
             <a:pPr lvl="2"/>
             <a:r>
-              <a:rPr lang="en-US" smtClean="0"/>
+              <a:rPr lang="en-US"/>
               <a:t>Third level</a:t>
             </a:r>
           </a:p>
           <a:p>
             <a:pPr lvl="3"/>
             <a:r>
-              <a:rPr lang="en-US" smtClean="0"/>
+              <a:rPr lang="en-US"/>
               <a:t>Fourth level</a:t>
             </a:r>
           </a:p>
           <a:p>
             <a:pPr lvl="4"/>
             <a:r>
-              <a:rPr lang="en-US" smtClean="0"/>
+              <a:rPr lang="en-US"/>
               <a:t>Fifth level</a:t>
             </a:r>
-            <a:endParaRPr lang="en-US"/>
           </a:p>
         </p:txBody>
       </p:sp>
@@ -11359,10 +11323,9 @@
           </a:lstStyle>
           <a:p>
             <a:r>
-              <a:rPr lang="en-US" smtClean="0"/>
+              <a:rPr lang="en-US"/>
               <a:t>Click to edit Master title style</a:t>
             </a:r>
-            <a:endParaRPr lang="en-US"/>
           </a:p>
         </p:txBody>
       </p:sp>
@@ -11425,7 +11388,7 @@
           <a:p>
             <a:pPr lvl="0"/>
             <a:r>
-              <a:rPr lang="en-US" smtClean="0"/>
+              <a:rPr lang="en-US"/>
               <a:t>Click to edit Master text styles</a:t>
             </a:r>
           </a:p>
@@ -11548,7 +11511,7 @@
           </a:lstStyle>
           <a:p>
             <a:r>
-              <a:rPr lang="en-US" smtClean="0"/>
+              <a:rPr lang="en-US"/>
               <a:t>Click to edit Master title style</a:t>
             </a:r>
             <a:endParaRPr lang="en-GB"/>
@@ -11614,7 +11577,7 @@
           <a:p>
             <a:pPr lvl="0"/>
             <a:r>
-              <a:rPr lang="en-US" smtClean="0"/>
+              <a:rPr lang="en-US"/>
               <a:t>Click to edit Master text styles</a:t>
             </a:r>
           </a:p>
@@ -11670,35 +11633,35 @@
           <a:p>
             <a:pPr lvl="0"/>
             <a:r>
-              <a:rPr lang="en-US" smtClean="0"/>
+              <a:rPr lang="en-US"/>
               <a:t>Click to edit Master text styles</a:t>
             </a:r>
           </a:p>
           <a:p>
             <a:pPr lvl="1"/>
             <a:r>
-              <a:rPr lang="en-US" smtClean="0"/>
+              <a:rPr lang="en-US"/>
               <a:t>Second level</a:t>
             </a:r>
           </a:p>
           <a:p>
             <a:pPr lvl="2"/>
             <a:r>
-              <a:rPr lang="en-US" smtClean="0"/>
+              <a:rPr lang="en-US"/>
               <a:t>Third level</a:t>
             </a:r>
           </a:p>
           <a:p>
             <a:pPr lvl="3"/>
             <a:r>
-              <a:rPr lang="en-US" smtClean="0"/>
+              <a:rPr lang="en-US"/>
               <a:t>Fourth level</a:t>
             </a:r>
           </a:p>
           <a:p>
             <a:pPr lvl="4"/>
             <a:r>
-              <a:rPr lang="en-US" smtClean="0"/>
+              <a:rPr lang="en-US"/>
               <a:t>Fifth level</a:t>
             </a:r>
             <a:endParaRPr lang="en-GB"/>
@@ -11764,7 +11727,7 @@
           <a:p>
             <a:pPr lvl="0"/>
             <a:r>
-              <a:rPr lang="en-US" smtClean="0"/>
+              <a:rPr lang="en-US"/>
               <a:t>Click to edit Master text styles</a:t>
             </a:r>
           </a:p>
@@ -11820,35 +11783,35 @@
           <a:p>
             <a:pPr lvl="0"/>
             <a:r>
-              <a:rPr lang="en-US" smtClean="0"/>
+              <a:rPr lang="en-US"/>
               <a:t>Click to edit Master text styles</a:t>
             </a:r>
           </a:p>
           <a:p>
             <a:pPr lvl="1"/>
             <a:r>
-              <a:rPr lang="en-US" smtClean="0"/>
+              <a:rPr lang="en-US"/>
               <a:t>Second level</a:t>
             </a:r>
           </a:p>
           <a:p>
             <a:pPr lvl="2"/>
             <a:r>
-              <a:rPr lang="en-US" smtClean="0"/>
+              <a:rPr lang="en-US"/>
               <a:t>Third level</a:t>
             </a:r>
           </a:p>
           <a:p>
             <a:pPr lvl="3"/>
             <a:r>
-              <a:rPr lang="en-US" smtClean="0"/>
+              <a:rPr lang="en-US"/>
               <a:t>Fourth level</a:t>
             </a:r>
           </a:p>
           <a:p>
             <a:pPr lvl="4"/>
             <a:r>
-              <a:rPr lang="en-US" smtClean="0"/>
+              <a:rPr lang="en-US"/>
               <a:t>Fifth level</a:t>
             </a:r>
             <a:endParaRPr lang="en-GB"/>
@@ -11967,10 +11930,9 @@
           <a:lstStyle/>
           <a:p>
             <a:r>
-              <a:rPr lang="en-US" smtClean="0"/>
+              <a:rPr lang="en-US"/>
               <a:t>Click to edit Master title style</a:t>
             </a:r>
-            <a:endParaRPr lang="en-US"/>
           </a:p>
         </p:txBody>
       </p:sp>
@@ -12024,38 +11986,37 @@
           <a:p>
             <a:pPr lvl="0"/>
             <a:r>
-              <a:rPr lang="en-US" smtClean="0"/>
+              <a:rPr lang="en-US"/>
               <a:t>Click to edit Master text styles</a:t>
             </a:r>
           </a:p>
           <a:p>
             <a:pPr lvl="1"/>
             <a:r>
-              <a:rPr lang="en-US" smtClean="0"/>
+              <a:rPr lang="en-US"/>
               <a:t>Second level</a:t>
             </a:r>
           </a:p>
           <a:p>
             <a:pPr lvl="2"/>
             <a:r>
-              <a:rPr lang="en-US" smtClean="0"/>
+              <a:rPr lang="en-US"/>
               <a:t>Third level</a:t>
             </a:r>
           </a:p>
           <a:p>
             <a:pPr lvl="3"/>
             <a:r>
-              <a:rPr lang="en-US" smtClean="0"/>
+              <a:rPr lang="en-US"/>
               <a:t>Fourth level</a:t>
             </a:r>
           </a:p>
           <a:p>
             <a:pPr lvl="4"/>
             <a:r>
-              <a:rPr lang="en-US" smtClean="0"/>
+              <a:rPr lang="en-US"/>
               <a:t>Fifth level</a:t>
             </a:r>
-            <a:endParaRPr lang="en-US"/>
           </a:p>
         </p:txBody>
       </p:sp>
@@ -12109,38 +12070,37 @@
           <a:p>
             <a:pPr lvl="0"/>
             <a:r>
-              <a:rPr lang="en-US" smtClean="0"/>
+              <a:rPr lang="en-US"/>
               <a:t>Click to edit Master text styles</a:t>
             </a:r>
           </a:p>
           <a:p>
             <a:pPr lvl="1"/>
             <a:r>
-              <a:rPr lang="en-US" smtClean="0"/>
+              <a:rPr lang="en-US"/>
               <a:t>Second level</a:t>
             </a:r>
           </a:p>
           <a:p>
             <a:pPr lvl="2"/>
             <a:r>
-              <a:rPr lang="en-US" smtClean="0"/>
+              <a:rPr lang="en-US"/>
               <a:t>Third level</a:t>
             </a:r>
           </a:p>
           <a:p>
             <a:pPr lvl="3"/>
             <a:r>
-              <a:rPr lang="en-US" smtClean="0"/>
+              <a:rPr lang="en-US"/>
               <a:t>Fourth level</a:t>
             </a:r>
           </a:p>
           <a:p>
             <a:pPr lvl="4"/>
             <a:r>
-              <a:rPr lang="en-US" smtClean="0"/>
+              <a:rPr lang="en-US"/>
               <a:t>Fifth level</a:t>
             </a:r>
-            <a:endParaRPr lang="en-US"/>
           </a:p>
         </p:txBody>
       </p:sp>
@@ -12261,10 +12221,9 @@
           </a:lstStyle>
           <a:p>
             <a:r>
-              <a:rPr lang="en-US" smtClean="0"/>
+              <a:rPr lang="en-US"/>
               <a:t>Click to edit Master title style</a:t>
             </a:r>
-            <a:endParaRPr lang="en-US"/>
           </a:p>
         </p:txBody>
       </p:sp>
@@ -12327,7 +12286,7 @@
           <a:p>
             <a:pPr lvl="0"/>
             <a:r>
-              <a:rPr lang="en-US" smtClean="0"/>
+              <a:rPr lang="en-US"/>
               <a:t>Click to edit Master text styles</a:t>
             </a:r>
           </a:p>
@@ -12383,38 +12342,37 @@
           <a:p>
             <a:pPr lvl="0"/>
             <a:r>
-              <a:rPr lang="en-US" smtClean="0"/>
+              <a:rPr lang="en-US"/>
               <a:t>Click to edit Master text styles</a:t>
             </a:r>
           </a:p>
           <a:p>
             <a:pPr lvl="1"/>
             <a:r>
-              <a:rPr lang="en-US" smtClean="0"/>
+              <a:rPr lang="en-US"/>
               <a:t>Second level</a:t>
             </a:r>
           </a:p>
           <a:p>
             <a:pPr lvl="2"/>
             <a:r>
-              <a:rPr lang="en-US" smtClean="0"/>
+              <a:rPr lang="en-US"/>
               <a:t>Third level</a:t>
             </a:r>
           </a:p>
           <a:p>
             <a:pPr lvl="3"/>
             <a:r>
-              <a:rPr lang="en-US" smtClean="0"/>
+              <a:rPr lang="en-US"/>
               <a:t>Fourth level</a:t>
             </a:r>
           </a:p>
           <a:p>
             <a:pPr lvl="4"/>
             <a:r>
-              <a:rPr lang="en-US" smtClean="0"/>
+              <a:rPr lang="en-US"/>
               <a:t>Fifth level</a:t>
             </a:r>
-            <a:endParaRPr lang="en-US"/>
           </a:p>
         </p:txBody>
       </p:sp>
@@ -12477,7 +12435,7 @@
           <a:p>
             <a:pPr lvl="0"/>
             <a:r>
-              <a:rPr lang="en-US" smtClean="0"/>
+              <a:rPr lang="en-US"/>
               <a:t>Click to edit Master text styles</a:t>
             </a:r>
           </a:p>
@@ -12533,38 +12491,37 @@
           <a:p>
             <a:pPr lvl="0"/>
             <a:r>
-              <a:rPr lang="en-US" smtClean="0"/>
+              <a:rPr lang="en-US"/>
               <a:t>Click to edit Master text styles</a:t>
             </a:r>
           </a:p>
           <a:p>
             <a:pPr lvl="1"/>
             <a:r>
-              <a:rPr lang="en-US" smtClean="0"/>
+              <a:rPr lang="en-US"/>
               <a:t>Second level</a:t>
             </a:r>
           </a:p>
           <a:p>
             <a:pPr lvl="2"/>
             <a:r>
-              <a:rPr lang="en-US" smtClean="0"/>
+              <a:rPr lang="en-US"/>
               <a:t>Third level</a:t>
             </a:r>
           </a:p>
           <a:p>
             <a:pPr lvl="3"/>
             <a:r>
-              <a:rPr lang="en-US" smtClean="0"/>
+              <a:rPr lang="en-US"/>
               <a:t>Fourth level</a:t>
             </a:r>
           </a:p>
           <a:p>
             <a:pPr lvl="4"/>
             <a:r>
-              <a:rPr lang="en-US" smtClean="0"/>
+              <a:rPr lang="en-US"/>
               <a:t>Fifth level</a:t>
             </a:r>
-            <a:endParaRPr lang="en-US"/>
           </a:p>
         </p:txBody>
       </p:sp>
@@ -12676,10 +12633,9 @@
           <a:lstStyle/>
           <a:p>
             <a:r>
-              <a:rPr lang="en-US" smtClean="0"/>
+              <a:rPr lang="en-US"/>
               <a:t>Click to edit Master title style</a:t>
             </a:r>
-            <a:endParaRPr lang="en-US"/>
           </a:p>
         </p:txBody>
       </p:sp>
@@ -12892,10 +12848,9 @@
           </a:lstStyle>
           <a:p>
             <a:r>
-              <a:rPr lang="en-US" smtClean="0"/>
+              <a:rPr lang="en-US"/>
               <a:t>Click to edit Master title style</a:t>
             </a:r>
-            <a:endParaRPr lang="en-US"/>
           </a:p>
         </p:txBody>
       </p:sp>
@@ -12949,38 +12904,37 @@
           <a:p>
             <a:pPr lvl="0"/>
             <a:r>
-              <a:rPr lang="en-US" smtClean="0"/>
+              <a:rPr lang="en-US"/>
               <a:t>Click to edit Master text styles</a:t>
             </a:r>
           </a:p>
           <a:p>
             <a:pPr lvl="1"/>
             <a:r>
-              <a:rPr lang="en-US" smtClean="0"/>
+              <a:rPr lang="en-US"/>
               <a:t>Second level</a:t>
             </a:r>
           </a:p>
           <a:p>
             <a:pPr lvl="2"/>
             <a:r>
-              <a:rPr lang="en-US" smtClean="0"/>
+              <a:rPr lang="en-US"/>
               <a:t>Third level</a:t>
             </a:r>
           </a:p>
           <a:p>
             <a:pPr lvl="3"/>
             <a:r>
-              <a:rPr lang="en-US" smtClean="0"/>
+              <a:rPr lang="en-US"/>
               <a:t>Fourth level</a:t>
             </a:r>
           </a:p>
           <a:p>
             <a:pPr lvl="4"/>
             <a:r>
-              <a:rPr lang="en-US" smtClean="0"/>
+              <a:rPr lang="en-US"/>
               <a:t>Fifth level</a:t>
             </a:r>
-            <a:endParaRPr lang="en-US"/>
           </a:p>
         </p:txBody>
       </p:sp>
@@ -13043,7 +12997,7 @@
           <a:p>
             <a:pPr lvl="0"/>
             <a:r>
-              <a:rPr lang="en-US" smtClean="0"/>
+              <a:rPr lang="en-US"/>
               <a:t>Click to edit Master text styles</a:t>
             </a:r>
           </a:p>
@@ -13166,10 +13120,9 @@
           </a:lstStyle>
           <a:p>
             <a:r>
-              <a:rPr lang="en-US" smtClean="0"/>
+              <a:rPr lang="en-US"/>
               <a:t>Click to edit Master title style</a:t>
             </a:r>
-            <a:endParaRPr lang="en-US"/>
           </a:p>
         </p:txBody>
       </p:sp>
@@ -13231,7 +13184,7 @@
           </a:lstStyle>
           <a:p>
             <a:pPr lvl="0"/>
-            <a:endParaRPr lang="en-US" noProof="0" smtClean="0"/>
+            <a:endParaRPr lang="en-US" noProof="0"/>
           </a:p>
         </p:txBody>
       </p:sp>
@@ -13294,7 +13247,7 @@
           <a:p>
             <a:pPr lvl="0"/>
             <a:r>
-              <a:rPr lang="en-US" smtClean="0"/>
+              <a:rPr lang="en-US"/>
               <a:t>Click to edit Master text styles</a:t>
             </a:r>
           </a:p>
@@ -13408,10 +13361,9 @@
           <a:lstStyle/>
           <a:p>
             <a:r>
-              <a:rPr lang="en-US" smtClean="0"/>
+              <a:rPr lang="en-US"/>
               <a:t>Click to edit Master title style</a:t>
             </a:r>
-            <a:endParaRPr lang="en-US"/>
           </a:p>
         </p:txBody>
       </p:sp>
@@ -13432,38 +13384,37 @@
           <a:p>
             <a:pPr lvl="0"/>
             <a:r>
-              <a:rPr lang="en-US" smtClean="0"/>
+              <a:rPr lang="en-US"/>
               <a:t>Click to edit Master text styles</a:t>
             </a:r>
           </a:p>
           <a:p>
             <a:pPr lvl="1"/>
             <a:r>
-              <a:rPr lang="en-US" smtClean="0"/>
+              <a:rPr lang="en-US"/>
               <a:t>Second level</a:t>
             </a:r>
           </a:p>
           <a:p>
             <a:pPr lvl="2"/>
             <a:r>
-              <a:rPr lang="en-US" smtClean="0"/>
+              <a:rPr lang="en-US"/>
               <a:t>Third level</a:t>
             </a:r>
           </a:p>
           <a:p>
             <a:pPr lvl="3"/>
             <a:r>
-              <a:rPr lang="en-US" smtClean="0"/>
+              <a:rPr lang="en-US"/>
               <a:t>Fourth level</a:t>
             </a:r>
           </a:p>
           <a:p>
             <a:pPr lvl="4"/>
             <a:r>
-              <a:rPr lang="en-US" smtClean="0"/>
+              <a:rPr lang="en-US"/>
               <a:t>Fifth level</a:t>
             </a:r>
-            <a:endParaRPr lang="en-US"/>
           </a:p>
         </p:txBody>
       </p:sp>
@@ -13580,10 +13531,9 @@
           <a:lstStyle/>
           <a:p>
             <a:r>
-              <a:rPr lang="en-US" smtClean="0"/>
+              <a:rPr lang="en-US"/>
               <a:t>Click to edit Master title style</a:t>
             </a:r>
-            <a:endParaRPr lang="en-US"/>
           </a:p>
         </p:txBody>
       </p:sp>
@@ -13609,38 +13559,37 @@
           <a:p>
             <a:pPr lvl="0"/>
             <a:r>
-              <a:rPr lang="en-US" smtClean="0"/>
+              <a:rPr lang="en-US"/>
               <a:t>Click to edit Master text styles</a:t>
             </a:r>
           </a:p>
           <a:p>
             <a:pPr lvl="1"/>
             <a:r>
-              <a:rPr lang="en-US" smtClean="0"/>
+              <a:rPr lang="en-US"/>
               <a:t>Second level</a:t>
             </a:r>
           </a:p>
           <a:p>
             <a:pPr lvl="2"/>
             <a:r>
-              <a:rPr lang="en-US" smtClean="0"/>
+              <a:rPr lang="en-US"/>
               <a:t>Third level</a:t>
             </a:r>
           </a:p>
           <a:p>
             <a:pPr lvl="3"/>
             <a:r>
-              <a:rPr lang="en-US" smtClean="0"/>
+              <a:rPr lang="en-US"/>
               <a:t>Fourth level</a:t>
             </a:r>
           </a:p>
           <a:p>
             <a:pPr lvl="4"/>
             <a:r>
-              <a:rPr lang="en-US" smtClean="0"/>
+              <a:rPr lang="en-US"/>
               <a:t>Fifth level</a:t>
             </a:r>
-            <a:endParaRPr lang="en-US"/>
           </a:p>
         </p:txBody>
       </p:sp>
@@ -13752,7 +13701,7 @@
           <a:lstStyle/>
           <a:p>
             <a:r>
-              <a:rPr lang="en-US" smtClean="0"/>
+              <a:rPr lang="en-US"/>
               <a:t>Click to edit Master title style</a:t>
             </a:r>
             <a:endParaRPr lang="en-GB"/>
@@ -13976,7 +13925,7 @@
           </a:lstStyle>
           <a:p>
             <a:r>
-              <a:rPr lang="en-US" smtClean="0"/>
+              <a:rPr lang="en-US"/>
               <a:t>Click to edit Master title style</a:t>
             </a:r>
             <a:endParaRPr lang="en-GB"/>
@@ -14033,35 +13982,35 @@
           <a:p>
             <a:pPr lvl="0"/>
             <a:r>
-              <a:rPr lang="en-US" smtClean="0"/>
+              <a:rPr lang="en-US"/>
               <a:t>Click to edit Master text styles</a:t>
             </a:r>
           </a:p>
           <a:p>
             <a:pPr lvl="1"/>
             <a:r>
-              <a:rPr lang="en-US" smtClean="0"/>
+              <a:rPr lang="en-US"/>
               <a:t>Second level</a:t>
             </a:r>
           </a:p>
           <a:p>
             <a:pPr lvl="2"/>
             <a:r>
-              <a:rPr lang="en-US" smtClean="0"/>
+              <a:rPr lang="en-US"/>
               <a:t>Third level</a:t>
             </a:r>
           </a:p>
           <a:p>
             <a:pPr lvl="3"/>
             <a:r>
-              <a:rPr lang="en-US" smtClean="0"/>
+              <a:rPr lang="en-US"/>
               <a:t>Fourth level</a:t>
             </a:r>
           </a:p>
           <a:p>
             <a:pPr lvl="4"/>
             <a:r>
-              <a:rPr lang="en-US" smtClean="0"/>
+              <a:rPr lang="en-US"/>
               <a:t>Fifth level</a:t>
             </a:r>
             <a:endParaRPr lang="en-GB"/>
@@ -14127,7 +14076,7 @@
           <a:p>
             <a:pPr lvl="0"/>
             <a:r>
-              <a:rPr lang="en-US" smtClean="0"/>
+              <a:rPr lang="en-US"/>
               <a:t>Click to edit Master text styles</a:t>
             </a:r>
           </a:p>
@@ -14254,7 +14203,7 @@
           </a:lstStyle>
           <a:p>
             <a:r>
-              <a:rPr lang="en-US" smtClean="0"/>
+              <a:rPr lang="en-US"/>
               <a:t>Click to edit Master title style</a:t>
             </a:r>
             <a:endParaRPr lang="en-GB"/>
@@ -14319,7 +14268,7 @@
           </a:lstStyle>
           <a:p>
             <a:pPr lvl="0"/>
-            <a:endParaRPr lang="en-GB" noProof="0" smtClean="0"/>
+            <a:endParaRPr lang="en-GB" noProof="0"/>
           </a:p>
         </p:txBody>
       </p:sp>
@@ -14382,7 +14331,7 @@
           <a:p>
             <a:pPr lvl="0"/>
             <a:r>
-              <a:rPr lang="en-US" smtClean="0"/>
+              <a:rPr lang="en-US"/>
               <a:t>Click to edit Master text styles</a:t>
             </a:r>
           </a:p>
@@ -14645,7 +14594,7 @@
             <a:pPr>
               <a:defRPr/>
             </a:pPr>
-            <a:endParaRPr lang="en-US" altLang="en-US" smtClean="0"/>
+            <a:endParaRPr lang="en-US" altLang="en-US"/>
           </a:p>
         </p:txBody>
       </p:sp>
@@ -14701,7 +14650,7 @@
           <a:p>
             <a:pPr lvl="0"/>
             <a:r>
-              <a:rPr lang="en-GB" altLang="en-US" smtClean="0"/>
+              <a:rPr lang="en-GB" altLang="en-US"/>
               <a:t>Click to edit Master title style</a:t>
             </a:r>
           </a:p>
@@ -14769,35 +14718,35 @@
           <a:p>
             <a:pPr lvl="0"/>
             <a:r>
-              <a:rPr lang="en-GB" altLang="en-US" smtClean="0"/>
+              <a:rPr lang="en-GB" altLang="en-US"/>
               <a:t>Click to edit Master text styles</a:t>
             </a:r>
           </a:p>
           <a:p>
             <a:pPr lvl="1"/>
             <a:r>
-              <a:rPr lang="en-GB" altLang="en-US" smtClean="0"/>
+              <a:rPr lang="en-GB" altLang="en-US"/>
               <a:t>Second level</a:t>
             </a:r>
           </a:p>
           <a:p>
             <a:pPr lvl="2"/>
             <a:r>
-              <a:rPr lang="en-GB" altLang="en-US" smtClean="0"/>
+              <a:rPr lang="en-GB" altLang="en-US"/>
               <a:t>Third level</a:t>
             </a:r>
           </a:p>
           <a:p>
             <a:pPr lvl="3"/>
             <a:r>
-              <a:rPr lang="en-GB" altLang="en-US" smtClean="0"/>
+              <a:rPr lang="en-GB" altLang="en-US"/>
               <a:t>Fourth level</a:t>
             </a:r>
           </a:p>
           <a:p>
             <a:pPr lvl="4"/>
             <a:r>
-              <a:rPr lang="en-GB" altLang="en-US" smtClean="0"/>
+              <a:rPr lang="en-GB" altLang="en-US"/>
               <a:t>Fifth level</a:t>
             </a:r>
           </a:p>
@@ -15642,7 +15591,7 @@
             <a:pPr>
               <a:defRPr/>
             </a:pPr>
-            <a:endParaRPr lang="en-US" altLang="en-US" smtClean="0"/>
+            <a:endParaRPr lang="en-US" altLang="en-US"/>
           </a:p>
         </p:txBody>
       </p:sp>
@@ -15698,7 +15647,7 @@
           <a:p>
             <a:pPr lvl="0"/>
             <a:r>
-              <a:rPr lang="en-GB" altLang="en-US" smtClean="0"/>
+              <a:rPr lang="en-GB" altLang="en-US"/>
               <a:t>Click to edit Master title style</a:t>
             </a:r>
           </a:p>
@@ -15766,35 +15715,35 @@
           <a:p>
             <a:pPr lvl="0"/>
             <a:r>
-              <a:rPr lang="en-GB" altLang="en-US" smtClean="0"/>
+              <a:rPr lang="en-GB" altLang="en-US"/>
               <a:t>Click to edit Master text styles</a:t>
             </a:r>
           </a:p>
           <a:p>
             <a:pPr lvl="1"/>
             <a:r>
-              <a:rPr lang="en-GB" altLang="en-US" smtClean="0"/>
+              <a:rPr lang="en-GB" altLang="en-US"/>
               <a:t>Second level</a:t>
             </a:r>
           </a:p>
           <a:p>
             <a:pPr lvl="2"/>
             <a:r>
-              <a:rPr lang="en-GB" altLang="en-US" smtClean="0"/>
+              <a:rPr lang="en-GB" altLang="en-US"/>
               <a:t>Third level</a:t>
             </a:r>
           </a:p>
           <a:p>
             <a:pPr lvl="3"/>
             <a:r>
-              <a:rPr lang="en-GB" altLang="en-US" smtClean="0"/>
+              <a:rPr lang="en-GB" altLang="en-US"/>
               <a:t>Fourth level</a:t>
             </a:r>
           </a:p>
           <a:p>
             <a:pPr lvl="4"/>
             <a:r>
-              <a:rPr lang="en-GB" altLang="en-US" smtClean="0"/>
+              <a:rPr lang="en-GB" altLang="en-US"/>
               <a:t>Fifth level</a:t>
             </a:r>
           </a:p>
@@ -16627,7 +16576,7 @@
             <a:pPr>
               <a:defRPr/>
             </a:pPr>
-            <a:endParaRPr lang="en-US" altLang="en-US" b="0" smtClean="0">
+            <a:endParaRPr lang="en-US" altLang="en-US" b="0">
               <a:solidFill>
                 <a:srgbClr val="6E615F"/>
               </a:solidFill>
@@ -16687,7 +16636,7 @@
           <a:p>
             <a:pPr lvl="0"/>
             <a:r>
-              <a:rPr lang="en-US" altLang="en-US" smtClean="0"/>
+              <a:rPr lang="en-US" altLang="en-US"/>
               <a:t>Click to edit Master title style</a:t>
             </a:r>
           </a:p>
@@ -16745,35 +16694,35 @@
           <a:p>
             <a:pPr lvl="0"/>
             <a:r>
-              <a:rPr lang="en-US" altLang="en-US" smtClean="0"/>
+              <a:rPr lang="en-US" altLang="en-US"/>
               <a:t>Click to edit Master text styles</a:t>
             </a:r>
           </a:p>
           <a:p>
             <a:pPr lvl="1"/>
             <a:r>
-              <a:rPr lang="en-US" altLang="en-US" smtClean="0"/>
+              <a:rPr lang="en-US" altLang="en-US"/>
               <a:t>Second level</a:t>
             </a:r>
           </a:p>
           <a:p>
             <a:pPr lvl="2"/>
             <a:r>
-              <a:rPr lang="en-US" altLang="en-US" smtClean="0"/>
+              <a:rPr lang="en-US" altLang="en-US"/>
               <a:t>Third level</a:t>
             </a:r>
           </a:p>
           <a:p>
             <a:pPr lvl="3"/>
             <a:r>
-              <a:rPr lang="en-US" altLang="en-US" smtClean="0"/>
+              <a:rPr lang="en-US" altLang="en-US"/>
               <a:t>Fourth level</a:t>
             </a:r>
           </a:p>
           <a:p>
             <a:pPr lvl="4"/>
             <a:r>
-              <a:rPr lang="en-US" altLang="en-US" smtClean="0"/>
+              <a:rPr lang="en-US" altLang="en-US"/>
               <a:t>Fifth level</a:t>
             </a:r>
           </a:p>
@@ -17570,7 +17519,7 @@
             <a:pPr>
               <a:defRPr/>
             </a:pPr>
-            <a:endParaRPr lang="en-US" altLang="en-US" b="0" smtClean="0">
+            <a:endParaRPr lang="en-US" altLang="en-US" b="0">
               <a:solidFill>
                 <a:srgbClr val="6E615F"/>
               </a:solidFill>
@@ -17630,7 +17579,7 @@
           <a:p>
             <a:pPr lvl="0"/>
             <a:r>
-              <a:rPr lang="en-US" altLang="en-US" smtClean="0"/>
+              <a:rPr lang="en-US" altLang="en-US"/>
               <a:t>Click to edit Master title style</a:t>
             </a:r>
           </a:p>
@@ -17688,35 +17637,35 @@
           <a:p>
             <a:pPr lvl="0"/>
             <a:r>
-              <a:rPr lang="en-US" altLang="en-US" smtClean="0"/>
+              <a:rPr lang="en-US" altLang="en-US"/>
               <a:t>Click to edit Master text styles</a:t>
             </a:r>
           </a:p>
           <a:p>
             <a:pPr lvl="1"/>
             <a:r>
-              <a:rPr lang="en-US" altLang="en-US" smtClean="0"/>
+              <a:rPr lang="en-US" altLang="en-US"/>
               <a:t>Second level</a:t>
             </a:r>
           </a:p>
           <a:p>
             <a:pPr lvl="2"/>
             <a:r>
-              <a:rPr lang="en-US" altLang="en-US" smtClean="0"/>
+              <a:rPr lang="en-US" altLang="en-US"/>
               <a:t>Third level</a:t>
             </a:r>
           </a:p>
           <a:p>
             <a:pPr lvl="3"/>
             <a:r>
-              <a:rPr lang="en-US" altLang="en-US" smtClean="0"/>
+              <a:rPr lang="en-US" altLang="en-US"/>
               <a:t>Fourth level</a:t>
             </a:r>
           </a:p>
           <a:p>
             <a:pPr lvl="4"/>
             <a:r>
-              <a:rPr lang="en-US" altLang="en-US" smtClean="0"/>
+              <a:rPr lang="en-US" altLang="en-US"/>
               <a:t>Fifth level</a:t>
             </a:r>
           </a:p>
@@ -18513,7 +18462,7 @@
             <a:pPr>
               <a:defRPr/>
             </a:pPr>
-            <a:endParaRPr lang="en-US" altLang="en-US" b="0" smtClean="0">
+            <a:endParaRPr lang="en-US" altLang="en-US" b="0">
               <a:solidFill>
                 <a:srgbClr val="6E615F"/>
               </a:solidFill>
@@ -18573,7 +18522,7 @@
           <a:p>
             <a:pPr lvl="0"/>
             <a:r>
-              <a:rPr lang="en-US" altLang="en-US" smtClean="0"/>
+              <a:rPr lang="en-US" altLang="en-US"/>
               <a:t>Click to edit Master title style</a:t>
             </a:r>
           </a:p>
@@ -18631,35 +18580,35 @@
           <a:p>
             <a:pPr lvl="0"/>
             <a:r>
-              <a:rPr lang="en-US" altLang="en-US" smtClean="0"/>
+              <a:rPr lang="en-US" altLang="en-US"/>
               <a:t>Click to edit Master text styles</a:t>
             </a:r>
           </a:p>
           <a:p>
             <a:pPr lvl="1"/>
             <a:r>
-              <a:rPr lang="en-US" altLang="en-US" smtClean="0"/>
+              <a:rPr lang="en-US" altLang="en-US"/>
               <a:t>Second level</a:t>
             </a:r>
           </a:p>
           <a:p>
             <a:pPr lvl="2"/>
             <a:r>
-              <a:rPr lang="en-US" altLang="en-US" smtClean="0"/>
+              <a:rPr lang="en-US" altLang="en-US"/>
               <a:t>Third level</a:t>
             </a:r>
           </a:p>
           <a:p>
             <a:pPr lvl="3"/>
             <a:r>
-              <a:rPr lang="en-US" altLang="en-US" smtClean="0"/>
+              <a:rPr lang="en-US" altLang="en-US"/>
               <a:t>Fourth level</a:t>
             </a:r>
           </a:p>
           <a:p>
             <a:pPr lvl="4"/>
             <a:r>
-              <a:rPr lang="en-US" altLang="en-US" smtClean="0"/>
+              <a:rPr lang="en-US" altLang="en-US"/>
               <a:t>Fifth level</a:t>
             </a:r>
           </a:p>
@@ -19317,16 +19266,20 @@
             <p:ph type="title"/>
           </p:nvPr>
         </p:nvSpPr>
-        <p:spPr/>
+        <p:spPr>
+          <a:xfrm>
+            <a:off x="844548" y="4859338"/>
+            <a:ext cx="9090025" cy="1501775"/>
+          </a:xfrm>
+        </p:spPr>
         <p:txBody>
           <a:bodyPr/>
           <a:lstStyle/>
           <a:p>
             <a:r>
-              <a:rPr lang="en-GB" dirty="0" smtClean="0"/>
+              <a:rPr lang="en-GB" dirty="0"/>
               <a:t>T-model</a:t>
             </a:r>
-            <a:endParaRPr lang="en-GB" dirty="0"/>
           </a:p>
         </p:txBody>
       </p:sp>
@@ -19351,10 +19304,9 @@
           <a:lstStyle/>
           <a:p>
             <a:r>
-              <a:rPr lang="en-GB" sz="1800" b="0" dirty="0" smtClean="0"/>
+              <a:rPr lang="en-GB" sz="1800" b="0" dirty="0"/>
               <a:t>Diversification is the only free lunch</a:t>
             </a:r>
-            <a:endParaRPr lang="en-GB" sz="1800" b="0" dirty="0"/>
           </a:p>
         </p:txBody>
       </p:sp>
@@ -19368,7 +19320,7 @@
         </p:nvSpPr>
         <p:spPr bwMode="gray">
           <a:xfrm>
-            <a:off x="844550" y="4517231"/>
+            <a:off x="844548" y="4517231"/>
             <a:ext cx="8642350" cy="882650"/>
           </a:xfrm>
           <a:prstGeom prst="rect">
@@ -19396,7 +19348,7 @@
               </a:spcAft>
             </a:pPr>
             <a:r>
-              <a:rPr lang="en-GB" sz="1400" dirty="0" smtClean="0">
+              <a:rPr lang="en-GB" sz="1400" dirty="0">
                 <a:solidFill>
                   <a:schemeClr val="accent1"/>
                 </a:solidFill>
@@ -19414,20 +19366,20 @@
               </a:spcAft>
             </a:pPr>
             <a:r>
+              <a:rPr lang="en-GB" sz="1400" dirty="0">
+                <a:solidFill>
+                  <a:schemeClr val="accent1"/>
+                </a:solidFill>
+              </a:rPr>
+              <a:t>Modelled by:  	Langyu </a:t>
+            </a:r>
+            <a:r>
               <a:rPr lang="en-GB" sz="1400" dirty="0" smtClean="0">
                 <a:solidFill>
                   <a:schemeClr val="accent1"/>
                 </a:solidFill>
               </a:rPr>
-              <a:t>Modelled by:  	Langyu Gu, Global </a:t>
-            </a:r>
-            <a:r>
-              <a:rPr lang="en-GB" sz="1400" dirty="0" smtClean="0">
-                <a:solidFill>
-                  <a:schemeClr val="accent1"/>
-                </a:solidFill>
-              </a:rPr>
-              <a:t>Markets</a:t>
+              <a:t>Gu</a:t>
             </a:r>
             <a:endParaRPr lang="en-GB" sz="1400" dirty="0">
               <a:solidFill>
@@ -19670,10 +19622,9 @@
           </a:lstStyle>
           <a:p>
             <a:r>
-              <a:rPr lang="en-GB" sz="4400" kern="0" dirty="0" smtClean="0"/>
+              <a:rPr lang="en-GB" sz="4400" kern="0" dirty="0"/>
               <a:t>T- model</a:t>
             </a:r>
-            <a:endParaRPr lang="en-GB" sz="4400" kern="0" dirty="0"/>
           </a:p>
         </p:txBody>
       </p:sp>
@@ -19690,13 +19641,6 @@
   <p:clrMapOvr>
     <a:masterClrMapping/>
   </p:clrMapOvr>
-  <p:timing>
-    <p:tnLst>
-      <p:par>
-        <p:cTn id="1" dur="indefinite" restart="never" nodeType="tmRoot"/>
-      </p:par>
-    </p:tnLst>
-  </p:timing>
 </p:sld>
 </file>
 
@@ -19869,7 +19813,7 @@
               <a:pPr/>
               <a:t>10</a:t>
             </a:fld>
-            <a:endParaRPr lang="en-US" altLang="en-US" sz="1000" smtClean="0">
+            <a:endParaRPr lang="en-US" altLang="en-US" sz="1000">
               <a:solidFill>
                 <a:srgbClr val="6E615F"/>
               </a:solidFill>
@@ -20051,7 +19995,7 @@
               </a:rPr>
             </a:br>
             <a:r>
-              <a:rPr lang="en-US" altLang="en-US" sz="2000" b="0" dirty="0" smtClean="0">
+              <a:rPr lang="en-US" altLang="en-US" sz="2000" b="0" dirty="0">
                 <a:solidFill>
                   <a:srgbClr val="FFFFFF"/>
                 </a:solidFill>
@@ -20090,20 +20034,16 @@
           <a:p>
             <a:pPr algn="l"/>
             <a:r>
-              <a:rPr lang="en-GB" sz="1600" b="0" dirty="0" smtClean="0"/>
+              <a:rPr lang="en-GB" sz="1600" b="0" dirty="0"/>
               <a:t>Maximum </a:t>
             </a:r>
             <a:r>
-              <a:rPr lang="en-GB" sz="1600" b="0" dirty="0" err="1" smtClean="0"/>
+              <a:rPr lang="en-GB" sz="1600" b="0" dirty="0" err="1"/>
               <a:t>sharpe</a:t>
             </a:r>
             <a:r>
-              <a:rPr lang="en-GB" sz="1600" b="0" dirty="0" smtClean="0"/>
-              <a:t> ratio optimisation  (similar to Mean variance optimisation) gives the most diversified portfolio. It is the way to seek estimated weights among sub-strategies and construct the final signal for an instrument</a:t>
-            </a:r>
-            <a:r>
               <a:rPr lang="en-GB" sz="1600" b="0" dirty="0"/>
-              <a:t>.</a:t>
+              <a:t> ratio optimisation  (similar to Mean variance optimisation) gives the most diversified portfolio. It is the way to seek estimated weights among sub-strategies and construct the final signal for an instrument.</a:t>
             </a:r>
           </a:p>
           <a:p>
@@ -20136,18 +20076,17 @@
           <a:p>
             <a:pPr algn="l"/>
             <a:r>
-              <a:rPr lang="en-GB" dirty="0" smtClean="0"/>
+              <a:rPr lang="en-GB" dirty="0"/>
               <a:t>US </a:t>
             </a:r>
             <a:r>
-              <a:rPr lang="en-GB" dirty="0" err="1" smtClean="0"/>
+              <a:rPr lang="en-GB" dirty="0" err="1"/>
               <a:t>Eq</a:t>
             </a:r>
             <a:r>
-              <a:rPr lang="en-GB" dirty="0" smtClean="0"/>
+              <a:rPr lang="en-GB" dirty="0"/>
               <a:t>: Dynamic weights of sub-strategies</a:t>
             </a:r>
-            <a:endParaRPr lang="en-GB" dirty="0"/>
           </a:p>
         </p:txBody>
       </p:sp>
@@ -20174,10 +20113,9 @@
           <a:lstStyle/>
           <a:p>
             <a:r>
-              <a:rPr lang="en-GB" dirty="0" smtClean="0"/>
+              <a:rPr lang="en-GB" dirty="0"/>
               <a:t>Chart of  Sharp ratio signal</a:t>
             </a:r>
-            <a:endParaRPr lang="en-GB" dirty="0"/>
           </a:p>
         </p:txBody>
       </p:sp>
@@ -20204,10 +20142,9 @@
           <a:lstStyle/>
           <a:p>
             <a:r>
-              <a:rPr lang="en-GB" dirty="0" smtClean="0"/>
+              <a:rPr lang="en-GB" dirty="0"/>
               <a:t>Chart of  EMA-CO signal</a:t>
             </a:r>
-            <a:endParaRPr lang="en-GB" dirty="0"/>
           </a:p>
         </p:txBody>
       </p:sp>
@@ -20235,18 +20172,17 @@
           <a:p>
             <a:pPr algn="l"/>
             <a:r>
-              <a:rPr lang="en-GB" dirty="0" smtClean="0"/>
+              <a:rPr lang="en-GB" dirty="0"/>
               <a:t>US </a:t>
             </a:r>
             <a:r>
-              <a:rPr lang="en-GB" dirty="0" err="1" smtClean="0"/>
+              <a:rPr lang="en-GB" dirty="0" err="1"/>
               <a:t>Eq</a:t>
             </a:r>
             <a:r>
-              <a:rPr lang="en-GB" dirty="0" smtClean="0"/>
+              <a:rPr lang="en-GB" dirty="0"/>
               <a:t>: Average correlation between sub-strategies</a:t>
             </a:r>
-            <a:endParaRPr lang="en-GB" dirty="0"/>
           </a:p>
         </p:txBody>
       </p:sp>
@@ -20388,13 +20324,6 @@
   <p:clrMapOvr>
     <a:masterClrMapping/>
   </p:clrMapOvr>
-  <p:timing>
-    <p:tnLst>
-      <p:par>
-        <p:cTn id="1" dur="indefinite" restart="never" nodeType="tmRoot"/>
-      </p:par>
-    </p:tnLst>
-  </p:timing>
 </p:sld>
 </file>
 
@@ -20567,7 +20496,7 @@
               <a:pPr/>
               <a:t>11</a:t>
             </a:fld>
-            <a:endParaRPr lang="en-US" altLang="en-US" sz="1000" smtClean="0">
+            <a:endParaRPr lang="en-US" altLang="en-US" sz="1000">
               <a:solidFill>
                 <a:srgbClr val="6E615F"/>
               </a:solidFill>
@@ -20749,7 +20678,7 @@
               </a:rPr>
             </a:br>
             <a:r>
-              <a:rPr lang="en-US" altLang="en-US" sz="2000" b="0" dirty="0" smtClean="0">
+              <a:rPr lang="en-US" altLang="en-US" sz="2000" b="0" dirty="0">
                 <a:solidFill>
                   <a:srgbClr val="FFFFFF"/>
                 </a:solidFill>
@@ -20788,42 +20717,42 @@
           <a:p>
             <a:pPr algn="l"/>
             <a:r>
-              <a:rPr lang="en-GB" sz="1600" b="0" dirty="0" smtClean="0"/>
+              <a:rPr lang="en-GB" sz="1600" b="0" dirty="0"/>
               <a:t>The big problem with strategy construction is that the model is easily get </a:t>
             </a:r>
             <a:r>
-              <a:rPr lang="en-GB" sz="1600" b="0" dirty="0" err="1" smtClean="0"/>
+              <a:rPr lang="en-GB" sz="1600" b="0" dirty="0" err="1"/>
               <a:t>overfitted</a:t>
             </a:r>
             <a:r>
-              <a:rPr lang="en-GB" sz="1600" b="0" dirty="0" smtClean="0"/>
+              <a:rPr lang="en-GB" sz="1600" b="0" dirty="0"/>
               <a:t>, after all sorts of optimisation, parameter tuning etc. Model is considered </a:t>
             </a:r>
             <a:r>
-              <a:rPr lang="en-GB" sz="1600" b="0" dirty="0" err="1" smtClean="0"/>
+              <a:rPr lang="en-GB" sz="1600" b="0" dirty="0" err="1"/>
               <a:t>overfitted</a:t>
             </a:r>
             <a:r>
-              <a:rPr lang="en-GB" sz="1600" b="0" dirty="0" smtClean="0"/>
+              <a:rPr lang="en-GB" sz="1600" b="0" dirty="0"/>
               <a:t> when it only works for the past in a particular market environment but it works poorly in more general market. </a:t>
             </a:r>
           </a:p>
           <a:p>
             <a:pPr algn="l"/>
-            <a:endParaRPr lang="en-GB" sz="1600" b="0" dirty="0" smtClean="0"/>
+            <a:endParaRPr lang="en-GB" sz="1600" b="0" dirty="0"/>
           </a:p>
           <a:p>
             <a:pPr algn="l"/>
             <a:r>
-              <a:rPr lang="en-GB" sz="1600" b="0" dirty="0" smtClean="0"/>
+              <a:rPr lang="en-GB" sz="1600" b="0" dirty="0"/>
               <a:t>Overfitting is the biggest “criminal” in the finance field. All hard works and analysis could be “wasted” if a model is </a:t>
             </a:r>
             <a:r>
-              <a:rPr lang="en-GB" sz="1600" b="0" dirty="0" err="1" smtClean="0"/>
+              <a:rPr lang="en-GB" sz="1600" b="0" dirty="0" err="1"/>
               <a:t>overfitted</a:t>
             </a:r>
             <a:r>
-              <a:rPr lang="en-GB" sz="1600" b="0" dirty="0" smtClean="0"/>
+              <a:rPr lang="en-GB" sz="1600" b="0" dirty="0"/>
               <a:t>/overanalysed.</a:t>
             </a:r>
           </a:p>
@@ -20834,7 +20763,7 @@
           <a:p>
             <a:pPr algn="l"/>
             <a:r>
-              <a:rPr lang="en-GB" sz="1600" dirty="0" smtClean="0"/>
+              <a:rPr lang="en-GB" sz="1600" dirty="0"/>
               <a:t>Several quantitative techniques to avoid overfitting:</a:t>
             </a:r>
           </a:p>
@@ -20844,7 +20773,7 @@
               <a:buChar char="•"/>
             </a:pPr>
             <a:r>
-              <a:rPr lang="en-GB" sz="1600" b="0" dirty="0" smtClean="0"/>
+              <a:rPr lang="en-GB" sz="1600" b="0" dirty="0"/>
               <a:t>Monte Carlo simulation </a:t>
             </a:r>
           </a:p>
@@ -20854,7 +20783,7 @@
               <a:buChar char="•"/>
             </a:pPr>
             <a:r>
-              <a:rPr lang="en-GB" sz="1600" b="0" dirty="0" smtClean="0"/>
+              <a:rPr lang="en-GB" sz="1600" b="0" dirty="0"/>
               <a:t>Cross validation</a:t>
             </a:r>
           </a:p>
@@ -20864,7 +20793,7 @@
               <a:buChar char="•"/>
             </a:pPr>
             <a:r>
-              <a:rPr lang="en-GB" sz="1600" b="0" dirty="0" smtClean="0"/>
+              <a:rPr lang="en-GB" sz="1600" b="0" dirty="0"/>
               <a:t>Simple bootstrapping</a:t>
             </a:r>
           </a:p>
@@ -20874,10 +20803,9 @@
               <a:buChar char="•"/>
             </a:pPr>
             <a:r>
-              <a:rPr lang="en-GB" sz="1600" b="0" dirty="0" smtClean="0"/>
+              <a:rPr lang="en-GB" sz="1600" b="0" dirty="0"/>
               <a:t>Complex bootstrapping</a:t>
             </a:r>
-            <a:endParaRPr lang="en-GB" sz="1600" b="0" dirty="0"/>
           </a:p>
         </p:txBody>
       </p:sp>
@@ -20976,21 +20904,21 @@
           <a:p>
             <a:pPr algn="l"/>
             <a:r>
-              <a:rPr lang="en-GB" dirty="0" smtClean="0"/>
+              <a:rPr lang="en-GB" dirty="0"/>
               <a:t>Preserve detailed characteristic of an instrument/strategy</a:t>
             </a:r>
           </a:p>
           <a:p>
             <a:pPr algn="l"/>
             <a:r>
-              <a:rPr lang="en-GB" dirty="0" smtClean="0"/>
+              <a:rPr lang="en-GB" dirty="0"/>
               <a:t>Generate &gt;10,000 simulations</a:t>
             </a:r>
           </a:p>
           <a:p>
             <a:pPr algn="l"/>
             <a:r>
-              <a:rPr lang="en-GB" dirty="0" smtClean="0"/>
+              <a:rPr lang="en-GB" dirty="0"/>
               <a:t>Include all types of market environments</a:t>
             </a:r>
           </a:p>
@@ -21001,10 +20929,9 @@
           <a:p>
             <a:pPr algn="l"/>
             <a:r>
-              <a:rPr lang="en-GB" dirty="0" smtClean="0"/>
+              <a:rPr lang="en-GB" dirty="0"/>
               <a:t>Pitfall: a few of simulated time series might be unrealistic</a:t>
             </a:r>
-            <a:endParaRPr lang="en-GB" dirty="0"/>
           </a:p>
         </p:txBody>
       </p:sp>
@@ -21083,13 +21010,6 @@
   <p:clrMapOvr>
     <a:masterClrMapping/>
   </p:clrMapOvr>
-  <p:timing>
-    <p:tnLst>
-      <p:par>
-        <p:cTn id="1" dur="indefinite" restart="never" nodeType="tmRoot"/>
-      </p:par>
-    </p:tnLst>
-  </p:timing>
 </p:sld>
 </file>
 
@@ -21262,7 +21182,7 @@
               <a:pPr/>
               <a:t>12</a:t>
             </a:fld>
-            <a:endParaRPr lang="en-US" altLang="en-US" sz="1000" smtClean="0">
+            <a:endParaRPr lang="en-US" altLang="en-US" sz="1000">
               <a:solidFill>
                 <a:srgbClr val="6E615F"/>
               </a:solidFill>
@@ -21444,7 +21364,7 @@
               </a:rPr>
             </a:br>
             <a:r>
-              <a:rPr lang="en-US" altLang="en-US" sz="2000" b="0" dirty="0" smtClean="0">
+              <a:rPr lang="en-US" altLang="en-US" sz="2000" b="0" dirty="0">
                 <a:solidFill>
                   <a:srgbClr val="FFFFFF"/>
                 </a:solidFill>
@@ -21483,29 +21403,29 @@
           <a:p>
             <a:pPr algn="l"/>
             <a:r>
-              <a:rPr lang="en-GB" dirty="0" smtClean="0"/>
+              <a:rPr lang="en-GB" dirty="0"/>
               <a:t>		</a:t>
             </a:r>
             <a:r>
-              <a:rPr lang="en-GB" sz="1600" dirty="0" smtClean="0"/>
+              <a:rPr lang="en-GB" sz="1600" dirty="0"/>
               <a:t>Actual return = market return – (trading cost + commission).</a:t>
             </a:r>
           </a:p>
           <a:p>
             <a:pPr algn="l"/>
-            <a:endParaRPr lang="en-GB" sz="1600" dirty="0" smtClean="0"/>
+            <a:endParaRPr lang="en-GB" sz="1600" dirty="0"/>
           </a:p>
           <a:p>
             <a:pPr algn="l"/>
             <a:r>
-              <a:rPr lang="en-GB" sz="1600" b="0" dirty="0" smtClean="0"/>
+              <a:rPr lang="en-GB" sz="1600" b="0" dirty="0"/>
               <a:t>We try hard to estimate the market return and often fail to do so.  Cost, however, is generally certain and easier to predict. In certain instrument or strategy, costs could be the “deal breaker” even the strategy looks amazing before costs. It is especially true for high frequency strategies. </a:t>
             </a:r>
           </a:p>
           <a:p>
             <a:pPr algn="l"/>
             <a:r>
-              <a:rPr lang="en-GB" sz="1600" b="0" dirty="0" smtClean="0"/>
+              <a:rPr lang="en-GB" sz="1600" b="0" dirty="0"/>
               <a:t>T-model has considered trading costs seriously and the costs are involved in every part of analysis and simulations.</a:t>
             </a:r>
           </a:p>
@@ -21566,10 +21486,9 @@
           <a:p>
             <a:pPr algn="l"/>
             <a:r>
-              <a:rPr lang="en-GB" b="0" dirty="0" smtClean="0"/>
+              <a:rPr lang="en-GB" b="0" dirty="0"/>
               <a:t>Annualised turnover and cost in Sharpe Ratio term in the simulated back-test based on a $100m portfolio.</a:t>
             </a:r>
-            <a:endParaRPr lang="en-GB" b="0" dirty="0"/>
           </a:p>
         </p:txBody>
       </p:sp>
@@ -21583,13 +21502,6 @@
   <p:clrMapOvr>
     <a:masterClrMapping/>
   </p:clrMapOvr>
-  <p:timing>
-    <p:tnLst>
-      <p:par>
-        <p:cTn id="1" dur="indefinite" restart="never" nodeType="tmRoot"/>
-      </p:par>
-    </p:tnLst>
-  </p:timing>
 </p:sld>
 </file>
 
@@ -21762,7 +21674,7 @@
               <a:pPr/>
               <a:t>13</a:t>
             </a:fld>
-            <a:endParaRPr lang="en-US" altLang="en-US" sz="1000" smtClean="0">
+            <a:endParaRPr lang="en-US" altLang="en-US" sz="1000">
               <a:solidFill>
                 <a:srgbClr val="6E615F"/>
               </a:solidFill>
@@ -21944,7 +21856,7 @@
               </a:rPr>
             </a:br>
             <a:r>
-              <a:rPr lang="en-US" altLang="en-US" sz="2000" b="0" dirty="0" smtClean="0">
+              <a:rPr lang="en-US" altLang="en-US" sz="2000" b="0" dirty="0">
                 <a:solidFill>
                   <a:srgbClr val="FFFFFF"/>
                 </a:solidFill>
@@ -21982,7 +21894,7 @@
           <a:lstStyle/>
           <a:p>
             <a:pPr algn="l"/>
-            <a:endParaRPr lang="en-GB" dirty="0" smtClean="0"/>
+            <a:endParaRPr lang="en-GB" dirty="0"/>
           </a:p>
           <a:p>
             <a:pPr algn="l"/>
@@ -22142,10 +22054,9 @@
           <a:p>
             <a:pPr algn="l"/>
             <a:r>
-              <a:rPr lang="en-GB" sz="1600" b="0" dirty="0" smtClean="0"/>
+              <a:rPr lang="en-GB" sz="1600" b="0" dirty="0"/>
               <a:t>Correlation between assets are more independent than before.</a:t>
             </a:r>
-            <a:endParaRPr lang="en-GB" sz="1600" b="0" dirty="0"/>
           </a:p>
         </p:txBody>
       </p:sp>
@@ -22224,13 +22135,6 @@
   <p:clrMapOvr>
     <a:masterClrMapping/>
   </p:clrMapOvr>
-  <p:timing>
-    <p:tnLst>
-      <p:par>
-        <p:cTn id="1" dur="indefinite" restart="never" nodeType="tmRoot"/>
-      </p:par>
-    </p:tnLst>
-  </p:timing>
 </p:sld>
 </file>
 
@@ -22403,7 +22307,7 @@
               <a:pPr/>
               <a:t>14</a:t>
             </a:fld>
-            <a:endParaRPr lang="en-US" altLang="en-US" sz="1000" smtClean="0">
+            <a:endParaRPr lang="en-US" altLang="en-US" sz="1000">
               <a:solidFill>
                 <a:srgbClr val="6E615F"/>
               </a:solidFill>
@@ -22585,7 +22489,7 @@
               </a:rPr>
             </a:br>
             <a:r>
-              <a:rPr lang="en-US" altLang="en-US" sz="2000" b="0" dirty="0" smtClean="0">
+              <a:rPr lang="en-US" altLang="en-US" sz="2000" b="0" dirty="0">
                 <a:solidFill>
                   <a:srgbClr val="FFFFFF"/>
                 </a:solidFill>
@@ -22685,10 +22589,9 @@
             <a:lstStyle/>
             <a:p>
               <a:r>
-                <a:rPr lang="en-GB" dirty="0" smtClean="0"/>
+                <a:rPr lang="en-GB" dirty="0"/>
                 <a:t>Carry X</a:t>
               </a:r>
-              <a:endParaRPr lang="en-GB" dirty="0"/>
             </a:p>
           </p:txBody>
         </p:sp>
@@ -22720,10 +22623,9 @@
             <a:lstStyle/>
             <a:p>
               <a:r>
-                <a:rPr lang="en-GB" dirty="0" smtClean="0"/>
+                <a:rPr lang="en-GB" dirty="0"/>
                 <a:t>EMA X</a:t>
               </a:r>
-              <a:endParaRPr lang="en-GB" dirty="0"/>
             </a:p>
           </p:txBody>
         </p:sp>
@@ -22755,10 +22657,9 @@
             <a:lstStyle/>
             <a:p>
               <a:r>
-                <a:rPr lang="en-GB" dirty="0" smtClean="0"/>
+                <a:rPr lang="en-GB" dirty="0"/>
                 <a:t>IR X</a:t>
               </a:r>
-              <a:endParaRPr lang="en-GB" dirty="0"/>
             </a:p>
           </p:txBody>
         </p:sp>
@@ -22805,10 +22706,9 @@
             <a:lstStyle/>
             <a:p>
               <a:r>
-                <a:rPr lang="en-GB" dirty="0" smtClean="0"/>
+                <a:rPr lang="en-GB" dirty="0"/>
                 <a:t>Carry Y</a:t>
               </a:r>
-              <a:endParaRPr lang="en-GB" dirty="0"/>
             </a:p>
           </p:txBody>
         </p:sp>
@@ -22840,10 +22740,9 @@
             <a:lstStyle/>
             <a:p>
               <a:r>
-                <a:rPr lang="en-GB" dirty="0" smtClean="0"/>
+                <a:rPr lang="en-GB" dirty="0"/>
                 <a:t>EMA Y</a:t>
               </a:r>
-              <a:endParaRPr lang="en-GB" dirty="0"/>
             </a:p>
           </p:txBody>
         </p:sp>
@@ -22875,10 +22774,9 @@
             <a:lstStyle/>
             <a:p>
               <a:r>
-                <a:rPr lang="en-GB" dirty="0" smtClean="0"/>
+                <a:rPr lang="en-GB" dirty="0"/>
                 <a:t>IR Y</a:t>
               </a:r>
-              <a:endParaRPr lang="en-GB" dirty="0"/>
             </a:p>
           </p:txBody>
         </p:sp>
@@ -22925,10 +22823,9 @@
             <a:lstStyle/>
             <a:p>
               <a:r>
-                <a:rPr lang="en-GB" dirty="0" smtClean="0"/>
+                <a:rPr lang="en-GB" dirty="0"/>
                 <a:t>Carry Z</a:t>
               </a:r>
-              <a:endParaRPr lang="en-GB" dirty="0"/>
             </a:p>
           </p:txBody>
         </p:sp>
@@ -22960,10 +22857,9 @@
             <a:lstStyle/>
             <a:p>
               <a:r>
-                <a:rPr lang="en-GB" dirty="0" smtClean="0"/>
+                <a:rPr lang="en-GB" dirty="0"/>
                 <a:t>EMA Z</a:t>
               </a:r>
-              <a:endParaRPr lang="en-GB" dirty="0"/>
             </a:p>
           </p:txBody>
         </p:sp>
@@ -22995,10 +22891,9 @@
             <a:lstStyle/>
             <a:p>
               <a:r>
-                <a:rPr lang="en-GB" dirty="0" smtClean="0"/>
+                <a:rPr lang="en-GB" dirty="0"/>
                 <a:t>IR Z</a:t>
               </a:r>
-              <a:endParaRPr lang="en-GB" dirty="0"/>
             </a:p>
           </p:txBody>
         </p:sp>
@@ -23031,10 +22926,9 @@
           <a:lstStyle/>
           <a:p>
             <a:r>
-              <a:rPr lang="en-GB" dirty="0" smtClean="0"/>
+              <a:rPr lang="en-GB" dirty="0"/>
               <a:t>Combined  signal: X</a:t>
             </a:r>
-            <a:endParaRPr lang="en-GB" dirty="0"/>
           </a:p>
         </p:txBody>
       </p:sp>
@@ -23080,10 +22974,9 @@
             <a:lstStyle/>
             <a:p>
               <a:r>
-                <a:rPr lang="en-GB" dirty="0" smtClean="0"/>
+                <a:rPr lang="en-GB" dirty="0"/>
                 <a:t>Carry Weight X</a:t>
               </a:r>
-              <a:endParaRPr lang="en-GB" dirty="0"/>
             </a:p>
           </p:txBody>
         </p:sp>
@@ -23115,10 +23008,9 @@
             <a:lstStyle/>
             <a:p>
               <a:r>
-                <a:rPr lang="en-GB" dirty="0" smtClean="0"/>
+                <a:rPr lang="en-GB" dirty="0"/>
                 <a:t>EMA Weight X</a:t>
               </a:r>
-              <a:endParaRPr lang="en-GB" dirty="0"/>
             </a:p>
           </p:txBody>
         </p:sp>
@@ -23150,10 +23042,9 @@
             <a:lstStyle/>
             <a:p>
               <a:r>
-                <a:rPr lang="en-GB" dirty="0" smtClean="0"/>
+                <a:rPr lang="en-GB" dirty="0"/>
                 <a:t>IR    Weight X</a:t>
               </a:r>
-              <a:endParaRPr lang="en-GB" dirty="0"/>
             </a:p>
           </p:txBody>
         </p:sp>
@@ -23200,10 +23091,9 @@
             <a:lstStyle/>
             <a:p>
               <a:r>
-                <a:rPr lang="en-GB" dirty="0" smtClean="0"/>
+                <a:rPr lang="en-GB" dirty="0"/>
                 <a:t>Carry Weight Y</a:t>
               </a:r>
-              <a:endParaRPr lang="en-GB" dirty="0"/>
             </a:p>
           </p:txBody>
         </p:sp>
@@ -23235,10 +23125,9 @@
             <a:lstStyle/>
             <a:p>
               <a:r>
-                <a:rPr lang="en-GB" dirty="0" smtClean="0"/>
+                <a:rPr lang="en-GB" dirty="0"/>
                 <a:t>EMA Weight Y</a:t>
               </a:r>
-              <a:endParaRPr lang="en-GB" dirty="0"/>
             </a:p>
           </p:txBody>
         </p:sp>
@@ -23270,10 +23159,9 @@
             <a:lstStyle/>
             <a:p>
               <a:r>
-                <a:rPr lang="en-GB" dirty="0" smtClean="0"/>
+                <a:rPr lang="en-GB" dirty="0"/>
                 <a:t>IR    Weight Y</a:t>
               </a:r>
-              <a:endParaRPr lang="en-GB" dirty="0"/>
             </a:p>
           </p:txBody>
         </p:sp>
@@ -23320,10 +23208,9 @@
             <a:lstStyle/>
             <a:p>
               <a:r>
-                <a:rPr lang="en-GB" dirty="0" smtClean="0"/>
+                <a:rPr lang="en-GB" dirty="0"/>
                 <a:t>Carry Weight Z</a:t>
               </a:r>
-              <a:endParaRPr lang="en-GB" dirty="0"/>
             </a:p>
           </p:txBody>
         </p:sp>
@@ -23355,10 +23242,9 @@
             <a:lstStyle/>
             <a:p>
               <a:r>
-                <a:rPr lang="en-GB" dirty="0" smtClean="0"/>
+                <a:rPr lang="en-GB" dirty="0"/>
                 <a:t>EMA Weight Z</a:t>
               </a:r>
-              <a:endParaRPr lang="en-GB" dirty="0"/>
             </a:p>
           </p:txBody>
         </p:sp>
@@ -23390,10 +23276,9 @@
             <a:lstStyle/>
             <a:p>
               <a:r>
-                <a:rPr lang="en-GB" dirty="0" smtClean="0"/>
+                <a:rPr lang="en-GB" dirty="0"/>
                 <a:t>IR    Weight Z</a:t>
               </a:r>
-              <a:endParaRPr lang="en-GB" dirty="0"/>
             </a:p>
           </p:txBody>
         </p:sp>
@@ -23426,10 +23311,9 @@
           <a:lstStyle/>
           <a:p>
             <a:r>
-              <a:rPr lang="en-GB" dirty="0" smtClean="0"/>
+              <a:rPr lang="en-GB" dirty="0"/>
               <a:t>Combined  signal: Y</a:t>
             </a:r>
-            <a:endParaRPr lang="en-GB" dirty="0"/>
           </a:p>
         </p:txBody>
       </p:sp>
@@ -23461,10 +23345,9 @@
           <a:lstStyle/>
           <a:p>
             <a:r>
-              <a:rPr lang="en-GB" dirty="0" smtClean="0"/>
+              <a:rPr lang="en-GB" dirty="0"/>
               <a:t>Combined  signal: Z</a:t>
             </a:r>
-            <a:endParaRPr lang="en-GB" dirty="0"/>
           </a:p>
         </p:txBody>
       </p:sp>
@@ -23496,10 +23379,9 @@
           <a:lstStyle/>
           <a:p>
             <a:r>
-              <a:rPr lang="en-GB" dirty="0" smtClean="0"/>
+              <a:rPr lang="en-GB" dirty="0"/>
               <a:t>Weight  X</a:t>
             </a:r>
-            <a:endParaRPr lang="en-GB" dirty="0"/>
           </a:p>
         </p:txBody>
       </p:sp>
@@ -23531,10 +23413,9 @@
           <a:lstStyle/>
           <a:p>
             <a:r>
-              <a:rPr lang="en-GB" dirty="0" smtClean="0"/>
+              <a:rPr lang="en-GB" dirty="0"/>
               <a:t>Weight  Y</a:t>
             </a:r>
-            <a:endParaRPr lang="en-GB" dirty="0"/>
           </a:p>
         </p:txBody>
       </p:sp>
@@ -23566,10 +23447,9 @@
           <a:lstStyle/>
           <a:p>
             <a:r>
-              <a:rPr lang="en-GB" dirty="0" smtClean="0"/>
+              <a:rPr lang="en-GB" dirty="0"/>
               <a:t>Weight  Z</a:t>
             </a:r>
-            <a:endParaRPr lang="en-GB" dirty="0"/>
           </a:p>
         </p:txBody>
       </p:sp>
@@ -23819,7 +23699,7 @@
               <a:tabLst/>
             </a:pPr>
             <a:r>
-              <a:rPr kumimoji="0" lang="en-GB" sz="1600" b="0" i="0" u="none" strike="noStrike" cap="none" normalizeH="0" baseline="0" dirty="0" smtClean="0">
+              <a:rPr kumimoji="0" lang="en-GB" sz="1600" b="0" i="0" u="none" strike="noStrike" cap="none" normalizeH="0" baseline="0" dirty="0">
                 <a:ln>
                   <a:noFill/>
                 </a:ln>
@@ -23834,7 +23714,7 @@
               <a:t>Technical</a:t>
             </a:r>
             <a:r>
-              <a:rPr kumimoji="0" lang="en-GB" sz="1600" b="0" i="0" u="none" strike="noStrike" cap="none" normalizeH="0" dirty="0" smtClean="0">
+              <a:rPr kumimoji="0" lang="en-GB" sz="1600" b="0" i="0" u="none" strike="noStrike" cap="none" normalizeH="0" dirty="0">
                 <a:ln>
                   <a:noFill/>
                 </a:ln>
@@ -24133,21 +24013,6 @@
   <p:clrMapOvr>
     <a:masterClrMapping/>
   </p:clrMapOvr>
-  <mc:AlternateContent xmlns:mc="http://schemas.openxmlformats.org/markup-compatibility/2006" xmlns:p14="http://schemas.microsoft.com/office/powerpoint/2010/main">
-    <mc:Choice Requires="p14">
-      <p:transition spd="slow" p14:dur="2000"/>
-    </mc:Choice>
-    <mc:Fallback xmlns="">
-      <p:transition spd="slow"/>
-    </mc:Fallback>
-  </mc:AlternateContent>
-  <p:timing>
-    <p:tnLst>
-      <p:par>
-        <p:cTn id="1" dur="indefinite" restart="never" nodeType="tmRoot"/>
-      </p:par>
-    </p:tnLst>
-  </p:timing>
 </p:sld>
 </file>
 
@@ -24320,7 +24185,7 @@
               <a:pPr/>
               <a:t>15</a:t>
             </a:fld>
-            <a:endParaRPr lang="en-US" altLang="en-US" sz="1000" smtClean="0">
+            <a:endParaRPr lang="en-US" altLang="en-US" sz="1000">
               <a:solidFill>
                 <a:srgbClr val="6E615F"/>
               </a:solidFill>
@@ -24502,7 +24367,7 @@
               </a:rPr>
             </a:br>
             <a:r>
-              <a:rPr lang="en-US" altLang="en-US" sz="2000" b="0" dirty="0" smtClean="0">
+              <a:rPr lang="en-US" altLang="en-US" sz="2000" b="0" dirty="0">
                 <a:solidFill>
                   <a:srgbClr val="FFFFFF"/>
                 </a:solidFill>
@@ -24541,7 +24406,7 @@
           <a:p>
             <a:pPr algn="l"/>
             <a:r>
-              <a:rPr lang="en-GB" sz="1600" b="0" dirty="0" smtClean="0"/>
+              <a:rPr lang="en-GB" sz="1600" b="0" dirty="0"/>
               <a:t>Estimated weights between Equity and Fixed Income have been switched to more Equity from more Fixed Income. It suggests 50%/50% equal weights, on average, between Equity and Fixed Income.</a:t>
             </a:r>
           </a:p>
@@ -24552,23 +24417,23 @@
           <a:p>
             <a:pPr algn="l"/>
             <a:r>
-              <a:rPr lang="en-GB" sz="1600" b="0" dirty="0" smtClean="0"/>
+              <a:rPr lang="en-GB" sz="1600" b="0" dirty="0"/>
               <a:t>Given the current optimal weights, US </a:t>
             </a:r>
             <a:r>
-              <a:rPr lang="en-GB" sz="1600" b="0" dirty="0" err="1" smtClean="0"/>
+              <a:rPr lang="en-GB" sz="1600" b="0" dirty="0" err="1"/>
               <a:t>Eq</a:t>
             </a:r>
             <a:r>
-              <a:rPr lang="en-GB" sz="1600" b="0" dirty="0" smtClean="0"/>
+              <a:rPr lang="en-GB" sz="1600" b="0" dirty="0"/>
               <a:t> and JP </a:t>
             </a:r>
             <a:r>
-              <a:rPr lang="en-GB" sz="1600" b="0" dirty="0" err="1" smtClean="0"/>
+              <a:rPr lang="en-GB" sz="1600" b="0" dirty="0" err="1"/>
               <a:t>Gov</a:t>
             </a:r>
             <a:r>
-              <a:rPr lang="en-GB" sz="1600" b="0" dirty="0" smtClean="0"/>
+              <a:rPr lang="en-GB" sz="1600" b="0" dirty="0"/>
               <a:t> have highest positions of  19.9% and 20.2% respectively. </a:t>
             </a:r>
           </a:p>
@@ -24712,13 +24577,6 @@
   <p:clrMapOvr>
     <a:masterClrMapping/>
   </p:clrMapOvr>
-  <p:timing>
-    <p:tnLst>
-      <p:par>
-        <p:cTn id="1" dur="indefinite" restart="never" nodeType="tmRoot"/>
-      </p:par>
-    </p:tnLst>
-  </p:timing>
 </p:sld>
 </file>
 
@@ -24891,7 +24749,7 @@
               <a:pPr/>
               <a:t>16</a:t>
             </a:fld>
-            <a:endParaRPr lang="en-US" altLang="en-US" sz="1000" smtClean="0">
+            <a:endParaRPr lang="en-US" altLang="en-US" sz="1000">
               <a:solidFill>
                 <a:srgbClr val="6E615F"/>
               </a:solidFill>
@@ -25073,7 +24931,7 @@
               </a:rPr>
             </a:br>
             <a:r>
-              <a:rPr lang="en-US" altLang="en-US" sz="1800" b="0" dirty="0" smtClean="0">
+              <a:rPr lang="en-US" altLang="en-US" sz="1800" b="0" dirty="0">
                 <a:solidFill>
                   <a:srgbClr val="FFFFFF"/>
                 </a:solidFill>
@@ -25081,7 +24939,7 @@
               <a:t>Result - </a:t>
             </a:r>
             <a:r>
-              <a:rPr lang="en-US" altLang="en-US" sz="2000" b="0" dirty="0" smtClean="0">
+              <a:rPr lang="en-US" altLang="en-US" sz="2000" b="0" dirty="0">
                 <a:solidFill>
                   <a:srgbClr val="FFFFFF"/>
                 </a:solidFill>
@@ -25124,7 +24982,7 @@
           <a:p>
             <a:pPr algn="l"/>
             <a:r>
-              <a:rPr lang="en-GB" sz="1600" dirty="0" smtClean="0"/>
+              <a:rPr lang="en-GB" sz="1600" dirty="0"/>
               <a:t>Signal as of 20/09/2017 suggests:</a:t>
             </a:r>
           </a:p>
@@ -25134,7 +24992,7 @@
               <a:buChar char="•"/>
             </a:pPr>
             <a:r>
-              <a:rPr lang="en-GB" sz="1600" b="0" dirty="0" smtClean="0"/>
+              <a:rPr lang="en-GB" sz="1600" b="0" dirty="0"/>
               <a:t>Sell US Equity;  Buy German/Japan/UK Equities</a:t>
             </a:r>
           </a:p>
@@ -25144,13 +25002,13 @@
               <a:buChar char="•"/>
             </a:pPr>
             <a:r>
-              <a:rPr lang="en-GB" sz="1600" b="0" dirty="0" smtClean="0"/>
+              <a:rPr lang="en-GB" sz="1600" b="0" dirty="0"/>
               <a:t>Buy German/UK Government bonds</a:t>
             </a:r>
           </a:p>
           <a:p>
             <a:pPr algn="l"/>
-            <a:endParaRPr lang="en-GB" b="0" dirty="0" smtClean="0"/>
+            <a:endParaRPr lang="en-GB" b="0" dirty="0"/>
           </a:p>
           <a:p>
             <a:pPr algn="l"/>
@@ -25232,21 +25090,6 @@
   <p:clrMapOvr>
     <a:masterClrMapping/>
   </p:clrMapOvr>
-  <mc:AlternateContent xmlns:mc="http://schemas.openxmlformats.org/markup-compatibility/2006" xmlns:p14="http://schemas.microsoft.com/office/powerpoint/2010/main">
-    <mc:Choice Requires="p14">
-      <p:transition spd="slow" p14:dur="2000"/>
-    </mc:Choice>
-    <mc:Fallback xmlns="">
-      <p:transition spd="slow"/>
-    </mc:Fallback>
-  </mc:AlternateContent>
-  <p:timing>
-    <p:tnLst>
-      <p:par>
-        <p:cTn id="1" dur="indefinite" restart="never" nodeType="tmRoot"/>
-      </p:par>
-    </p:tnLst>
-  </p:timing>
 </p:sld>
 </file>
 
@@ -25419,7 +25262,7 @@
               <a:pPr/>
               <a:t>17</a:t>
             </a:fld>
-            <a:endParaRPr lang="en-US" altLang="en-US" sz="1000" smtClean="0">
+            <a:endParaRPr lang="en-US" altLang="en-US" sz="1000">
               <a:solidFill>
                 <a:srgbClr val="6E615F"/>
               </a:solidFill>
@@ -25601,7 +25444,7 @@
               </a:rPr>
             </a:br>
             <a:r>
-              <a:rPr lang="en-US" altLang="en-US" sz="2000" b="0" dirty="0" smtClean="0">
+              <a:rPr lang="en-US" altLang="en-US" sz="2000" b="0" dirty="0">
                 <a:solidFill>
                   <a:srgbClr val="FFFFFF"/>
                 </a:solidFill>
@@ -25704,7 +25547,7 @@
           <a:p>
             <a:pPr algn="l"/>
             <a:r>
-              <a:rPr lang="en-GB" dirty="0" smtClean="0"/>
+              <a:rPr lang="en-GB" dirty="0"/>
               <a:t>T-model vs E.W portfolio:</a:t>
             </a:r>
           </a:p>
@@ -25714,7 +25557,7 @@
               <a:buChar char="•"/>
             </a:pPr>
             <a:r>
-              <a:rPr lang="en-GB" dirty="0" smtClean="0"/>
+              <a:rPr lang="en-GB" dirty="0"/>
               <a:t>More than doubled annualised return (APR)</a:t>
             </a:r>
           </a:p>
@@ -25724,15 +25567,15 @@
               <a:buChar char="•"/>
             </a:pPr>
             <a:r>
-              <a:rPr lang="en-GB" dirty="0" smtClean="0"/>
+              <a:rPr lang="en-GB" dirty="0"/>
               <a:t>Doubled </a:t>
             </a:r>
             <a:r>
-              <a:rPr lang="en-GB" dirty="0" err="1" smtClean="0"/>
+              <a:rPr lang="en-GB" dirty="0" err="1"/>
               <a:t>sharpe</a:t>
             </a:r>
             <a:r>
-              <a:rPr lang="en-GB" dirty="0" smtClean="0"/>
+              <a:rPr lang="en-GB" dirty="0"/>
               <a:t> ratio (after cost)</a:t>
             </a:r>
           </a:p>
@@ -25742,7 +25585,7 @@
               <a:buChar char="•"/>
             </a:pPr>
             <a:r>
-              <a:rPr lang="en-GB" dirty="0" smtClean="0"/>
+              <a:rPr lang="en-GB" dirty="0"/>
               <a:t>Limited drawdown to 20.6%</a:t>
             </a:r>
           </a:p>
@@ -25752,7 +25595,7 @@
               <a:buChar char="•"/>
             </a:pPr>
             <a:r>
-              <a:rPr lang="en-GB" dirty="0" smtClean="0"/>
+              <a:rPr lang="en-GB" dirty="0"/>
               <a:t>Maximum weekly loss is -2.13%</a:t>
             </a:r>
           </a:p>
@@ -25762,7 +25605,7 @@
               <a:buChar char="•"/>
             </a:pPr>
             <a:r>
-              <a:rPr lang="en-GB" dirty="0" smtClean="0"/>
+              <a:rPr lang="en-GB" dirty="0"/>
               <a:t>Positive skewed         </a:t>
             </a:r>
           </a:p>
@@ -25797,10 +25640,9 @@
           <a:p>
             <a:pPr algn="l"/>
             <a:r>
-              <a:rPr lang="en-GB" dirty="0" smtClean="0"/>
+              <a:rPr lang="en-GB" dirty="0"/>
               <a:t>Total cumulative return since 1997:</a:t>
             </a:r>
-            <a:endParaRPr lang="en-GB" dirty="0"/>
           </a:p>
         </p:txBody>
       </p:sp>
@@ -25897,10 +25739,9 @@
           <a:p>
             <a:pPr algn="l"/>
             <a:r>
-              <a:rPr lang="en-GB" dirty="0" smtClean="0"/>
+              <a:rPr lang="en-GB" dirty="0"/>
               <a:t>Weekly return distribution:</a:t>
             </a:r>
-            <a:endParaRPr lang="en-GB" dirty="0"/>
           </a:p>
         </p:txBody>
       </p:sp>
@@ -26042,21 +25883,6 @@
   <p:clrMapOvr>
     <a:masterClrMapping/>
   </p:clrMapOvr>
-  <mc:AlternateContent xmlns:mc="http://schemas.openxmlformats.org/markup-compatibility/2006" xmlns:p14="http://schemas.microsoft.com/office/powerpoint/2010/main">
-    <mc:Choice Requires="p14">
-      <p:transition spd="slow" p14:dur="2000"/>
-    </mc:Choice>
-    <mc:Fallback xmlns="">
-      <p:transition spd="slow"/>
-    </mc:Fallback>
-  </mc:AlternateContent>
-  <p:timing>
-    <p:tnLst>
-      <p:par>
-        <p:cTn id="1" dur="indefinite" restart="never" nodeType="tmRoot"/>
-      </p:par>
-    </p:tnLst>
-  </p:timing>
 </p:sld>
 </file>
 
@@ -26229,7 +26055,7 @@
               <a:pPr/>
               <a:t>18</a:t>
             </a:fld>
-            <a:endParaRPr lang="en-US" altLang="en-US" sz="1000" smtClean="0">
+            <a:endParaRPr lang="en-US" altLang="en-US" sz="1000">
               <a:solidFill>
                 <a:srgbClr val="6E615F"/>
               </a:solidFill>
@@ -26441,10 +26267,9 @@
           <a:lstStyle/>
           <a:p>
             <a:r>
-              <a:rPr lang="en-GB" sz="6000" b="0" dirty="0" smtClean="0"/>
+              <a:rPr lang="en-GB" sz="6000" b="0" dirty="0"/>
               <a:t>Appendix</a:t>
             </a:r>
-            <a:endParaRPr lang="en-GB" sz="6000" b="0" dirty="0"/>
           </a:p>
           <a:p>
             <a:pPr algn="l"/>
@@ -26462,13 +26287,6 @@
   <p:clrMapOvr>
     <a:masterClrMapping/>
   </p:clrMapOvr>
-  <p:timing>
-    <p:tnLst>
-      <p:par>
-        <p:cTn id="1" dur="indefinite" restart="never" nodeType="tmRoot"/>
-      </p:par>
-    </p:tnLst>
-  </p:timing>
 </p:sld>
 </file>
 
@@ -26641,7 +26459,7 @@
               <a:pPr/>
               <a:t>19</a:t>
             </a:fld>
-            <a:endParaRPr lang="en-US" altLang="en-US" sz="1000" smtClean="0">
+            <a:endParaRPr lang="en-US" altLang="en-US" sz="1000">
               <a:solidFill>
                 <a:srgbClr val="6E615F"/>
               </a:solidFill>
@@ -26823,7 +26641,7 @@
               </a:rPr>
             </a:br>
             <a:r>
-              <a:rPr lang="en-US" altLang="en-US" sz="2000" b="0" dirty="0" smtClean="0">
+              <a:rPr lang="en-US" altLang="en-US" sz="2000" b="0" dirty="0">
                 <a:solidFill>
                   <a:srgbClr val="FFFFFF"/>
                 </a:solidFill>
@@ -26925,10 +26743,9 @@
           <a:lstStyle/>
           <a:p>
             <a:r>
-              <a:rPr lang="en-GB" dirty="0" smtClean="0"/>
+              <a:rPr lang="en-GB" dirty="0"/>
               <a:t>15/20</a:t>
             </a:r>
-            <a:endParaRPr lang="en-GB" dirty="0"/>
           </a:p>
         </p:txBody>
       </p:sp>
@@ -26955,10 +26772,9 @@
           <a:lstStyle/>
           <a:p>
             <a:r>
-              <a:rPr lang="en-GB" dirty="0" smtClean="0"/>
+              <a:rPr lang="en-GB" dirty="0"/>
               <a:t>11/20</a:t>
             </a:r>
-            <a:endParaRPr lang="en-GB" dirty="0"/>
           </a:p>
         </p:txBody>
       </p:sp>
@@ -26985,10 +26801,9 @@
           <a:lstStyle/>
           <a:p>
             <a:r>
-              <a:rPr lang="en-GB" dirty="0" smtClean="0"/>
+              <a:rPr lang="en-GB" dirty="0"/>
               <a:t>Hit ratio</a:t>
             </a:r>
-            <a:endParaRPr lang="en-GB" dirty="0"/>
           </a:p>
         </p:txBody>
       </p:sp>
@@ -27130,21 +26945,6 @@
   <p:clrMapOvr>
     <a:masterClrMapping/>
   </p:clrMapOvr>
-  <mc:AlternateContent xmlns:mc="http://schemas.openxmlformats.org/markup-compatibility/2006" xmlns:p14="http://schemas.microsoft.com/office/powerpoint/2010/main">
-    <mc:Choice Requires="p14">
-      <p:transition spd="slow" p14:dur="2000"/>
-    </mc:Choice>
-    <mc:Fallback xmlns="">
-      <p:transition spd="slow"/>
-    </mc:Fallback>
-  </mc:AlternateContent>
-  <p:timing>
-    <p:tnLst>
-      <p:par>
-        <p:cTn id="1" dur="indefinite" restart="never" nodeType="tmRoot"/>
-      </p:par>
-    </p:tnLst>
-  </p:timing>
 </p:sld>
 </file>
 
@@ -27186,10 +26986,9 @@
           <a:lstStyle/>
           <a:p>
             <a:r>
-              <a:rPr lang="en-GB" sz="2000" dirty="0" smtClean="0"/>
+              <a:rPr lang="en-GB" sz="2000" dirty="0"/>
               <a:t>Not to be smart, but to be diversified</a:t>
             </a:r>
-            <a:endParaRPr lang="en-GB" sz="2000" dirty="0"/>
           </a:p>
         </p:txBody>
       </p:sp>
@@ -27213,13 +27012,13 @@
           <a:bodyPr/>
           <a:lstStyle/>
           <a:p>
-            <a:endParaRPr lang="en-GB" dirty="0" smtClean="0"/>
-          </a:p>
-          <a:p>
             <a:endParaRPr lang="en-GB" dirty="0"/>
           </a:p>
           <a:p>
-            <a:endParaRPr lang="en-GB" dirty="0" smtClean="0"/>
+            <a:endParaRPr lang="en-GB" dirty="0"/>
+          </a:p>
+          <a:p>
+            <a:endParaRPr lang="en-GB" dirty="0"/>
           </a:p>
           <a:p>
             <a:endParaRPr lang="en-GB" dirty="0"/>
@@ -27459,47 +27258,7 @@
                 <a:latin typeface="Gill Sans" pitchFamily="2" charset="0"/>
                 <a:cs typeface="+mn-cs"/>
               </a:rPr>
-              <a:t>As an asset manager, our goal is to deliver stable and positive returns consistently regardless market conditions. In a market crisis, the traditional assets tend to be highly correlated, the diversification benefit of traditional assets is limited, which results in portfolio exposing to excessive risk and losses. Therefore, the </a:t>
-            </a:r>
-            <a:r>
-              <a:rPr lang="en-GB" sz="1600" b="0" dirty="0" smtClean="0">
-                <a:solidFill>
-                  <a:schemeClr val="tx2"/>
-                </a:solidFill>
-                <a:latin typeface="Gill Sans" pitchFamily="2" charset="0"/>
-                <a:cs typeface="+mn-cs"/>
-              </a:rPr>
-              <a:t>task </a:t>
-            </a:r>
-            <a:r>
-              <a:rPr lang="en-GB" sz="1600" b="0" dirty="0">
-                <a:solidFill>
-                  <a:schemeClr val="tx2"/>
-                </a:solidFill>
-                <a:latin typeface="Gill Sans" pitchFamily="2" charset="0"/>
-                <a:cs typeface="+mn-cs"/>
-              </a:rPr>
-              <a:t>of seeking diversification or reducing portfolio correlations has become </a:t>
-            </a:r>
-            <a:r>
-              <a:rPr lang="en-GB" sz="1600" b="0" dirty="0" smtClean="0">
-                <a:solidFill>
-                  <a:schemeClr val="tx2"/>
-                </a:solidFill>
-                <a:latin typeface="Gill Sans" pitchFamily="2" charset="0"/>
-                <a:cs typeface="+mn-cs"/>
-              </a:rPr>
-              <a:t>essential, </a:t>
-            </a:r>
-            <a:r>
-              <a:rPr lang="en-GB" sz="1600" b="0" dirty="0">
-                <a:solidFill>
-                  <a:schemeClr val="tx2"/>
-                </a:solidFill>
-                <a:latin typeface="Gill Sans" pitchFamily="2" charset="0"/>
-                <a:cs typeface="+mn-cs"/>
-              </a:rPr>
-              <a:t>which I think is more important than seeking new alpha opportunities.</a:t>
+              <a:t>As an asset manager, our goal is to deliver stable and positive returns consistently regardless market conditions. In a market crisis, the traditional assets tend to be highly correlated, the diversification benefit of traditional assets is limited, which results in portfolio exposing to excessive risk and losses. Therefore, the task of seeking diversification or reducing portfolio correlations has become essential, which I think is more important than seeking new alpha opportunities.</a:t>
             </a:r>
           </a:p>
           <a:p>
@@ -27508,7 +27267,7 @@
                 <a:spcPct val="50000"/>
               </a:spcBef>
             </a:pPr>
-            <a:endParaRPr lang="en-GB" sz="1600" b="0" dirty="0" smtClean="0">
+            <a:endParaRPr lang="en-GB" sz="1600" b="0" dirty="0">
               <a:solidFill>
                 <a:schemeClr val="tx2"/>
               </a:solidFill>
@@ -27523,32 +27282,15 @@
               </a:spcBef>
             </a:pPr>
             <a:r>
-              <a:rPr lang="en-GB" sz="1600" b="0" dirty="0" smtClean="0">
+              <a:rPr lang="en-GB" sz="1600" b="0" dirty="0">
                 <a:solidFill>
                   <a:schemeClr val="tx2"/>
                 </a:solidFill>
                 <a:latin typeface="Gill Sans" pitchFamily="2" charset="0"/>
                 <a:cs typeface="+mn-cs"/>
               </a:rPr>
-              <a:t>Throughout the past three decades, asset managers actually have been seeking diversification all the time. We have seen a path of investing in Emerging market equity in 1990s, popularity of Alternatives (Private Equity, Commodities, Real Estates) in 2000s and to lately smart factor investing. </a:t>
-            </a:r>
-            <a:r>
-              <a:rPr lang="en-GB" sz="1600" b="0" dirty="0">
-                <a:solidFill>
-                  <a:schemeClr val="tx2"/>
-                </a:solidFill>
-                <a:latin typeface="Gill Sans" pitchFamily="2" charset="0"/>
-                <a:cs typeface="+mn-cs"/>
-              </a:rPr>
-              <a:t> </a:t>
-            </a:r>
-            <a:endParaRPr lang="en-GB" sz="1600" b="0" dirty="0" smtClean="0">
-              <a:solidFill>
-                <a:schemeClr val="tx2"/>
-              </a:solidFill>
-              <a:latin typeface="Gill Sans" pitchFamily="2" charset="0"/>
-              <a:cs typeface="+mn-cs"/>
-            </a:endParaRPr>
+              <a:t>Throughout the past three decades, asset managers actually have been seeking diversification all the time. We have seen a path of investing in Emerging market equity in 1990s, popularity of Alternatives (Private Equity, Commodities, Real Estates) in 2000s and to lately smart factor investing.  </a:t>
+            </a:r>
           </a:p>
         </p:txBody>
       </p:sp>
@@ -27608,16 +27350,15 @@
               <a:lstStyle/>
               <a:p>
                 <a:r>
-                  <a:rPr lang="en-GB" dirty="0" smtClean="0"/>
+                  <a:rPr lang="en-GB" dirty="0"/>
                   <a:t>Regional diversification</a:t>
                 </a:r>
               </a:p>
               <a:p>
                 <a:r>
-                  <a:rPr lang="en-GB" dirty="0" smtClean="0"/>
+                  <a:rPr lang="en-GB" dirty="0"/>
                   <a:t>1990s</a:t>
                 </a:r>
-                <a:endParaRPr lang="en-GB" dirty="0"/>
               </a:p>
             </p:txBody>
           </p:sp>
@@ -27649,16 +27390,15 @@
               <a:lstStyle/>
               <a:p>
                 <a:r>
-                  <a:rPr lang="en-GB" dirty="0" smtClean="0"/>
+                  <a:rPr lang="en-GB" dirty="0"/>
                   <a:t>Asset Class diversification</a:t>
                 </a:r>
               </a:p>
               <a:p>
                 <a:r>
-                  <a:rPr lang="en-GB" dirty="0" smtClean="0"/>
+                  <a:rPr lang="en-GB" dirty="0"/>
                   <a:t>2000s</a:t>
                 </a:r>
-                <a:endParaRPr lang="en-GB" dirty="0"/>
               </a:p>
             </p:txBody>
           </p:sp>
@@ -27690,22 +27430,21 @@
               <a:lstStyle/>
               <a:p>
                 <a:r>
-                  <a:rPr lang="en-GB" dirty="0" smtClean="0"/>
+                  <a:rPr lang="en-GB" dirty="0"/>
                   <a:t>Style</a:t>
                 </a:r>
               </a:p>
               <a:p>
                 <a:r>
-                  <a:rPr lang="en-GB" dirty="0" smtClean="0"/>
+                  <a:rPr lang="en-GB" dirty="0"/>
                   <a:t>diversification</a:t>
                 </a:r>
               </a:p>
               <a:p>
                 <a:r>
-                  <a:rPr lang="en-GB" dirty="0" smtClean="0"/>
+                  <a:rPr lang="en-GB" dirty="0"/>
                   <a:t>2010s</a:t>
                 </a:r>
-                <a:endParaRPr lang="en-GB" dirty="0"/>
               </a:p>
             </p:txBody>
           </p:sp>
@@ -27865,18 +27604,16 @@
           <a:p>
             <a:pPr algn="l"/>
             <a:r>
-              <a:rPr lang="en-GB" sz="1600" b="0" dirty="0" smtClean="0"/>
+              <a:rPr lang="en-GB" sz="1600" b="0" dirty="0"/>
               <a:t>However,  when a diversification becomes popular,  crowded investing diminishes its benefit and it becomes no longer profitable. For instance, correlations between traditional assets, including emerging markets, have been rising for the past decades. </a:t>
             </a:r>
-            <a:endParaRPr lang="en-GB" sz="1600" b="0" dirty="0"/>
           </a:p>
           <a:p>
             <a:pPr algn="l"/>
             <a:r>
-              <a:rPr lang="en-GB" sz="1600" b="0" dirty="0" smtClean="0"/>
+              <a:rPr lang="en-GB" sz="1600" b="0" dirty="0"/>
               <a:t>The spirit of Technical model is to seek diversification throughout the construction. We aim to maximise diversification benefit from all aspects.</a:t>
             </a:r>
-            <a:endParaRPr lang="en-GB" sz="1600" b="0" dirty="0"/>
           </a:p>
         </p:txBody>
       </p:sp>
@@ -27890,13 +27627,6 @@
   <p:clrMapOvr>
     <a:masterClrMapping/>
   </p:clrMapOvr>
-  <p:timing>
-    <p:tnLst>
-      <p:par>
-        <p:cTn id="1" dur="indefinite" restart="never" nodeType="tmRoot"/>
-      </p:par>
-    </p:tnLst>
-  </p:timing>
 </p:sld>
 </file>
 
@@ -28069,7 +27799,7 @@
               <a:pPr/>
               <a:t>20</a:t>
             </a:fld>
-            <a:endParaRPr lang="en-US" altLang="en-US" sz="1000" smtClean="0">
+            <a:endParaRPr lang="en-US" altLang="en-US" sz="1000">
               <a:solidFill>
                 <a:srgbClr val="6E615F"/>
               </a:solidFill>
@@ -28251,7 +27981,7 @@
               </a:rPr>
             </a:br>
             <a:r>
-              <a:rPr lang="en-US" altLang="en-US" sz="2000" b="0" dirty="0" smtClean="0">
+              <a:rPr lang="en-US" altLang="en-US" sz="2000" b="0" dirty="0">
                 <a:solidFill>
                   <a:srgbClr val="FFFFFF"/>
                 </a:solidFill>
@@ -28404,21 +28134,6 @@
   <p:clrMapOvr>
     <a:masterClrMapping/>
   </p:clrMapOvr>
-  <mc:AlternateContent xmlns:mc="http://schemas.openxmlformats.org/markup-compatibility/2006" xmlns:p14="http://schemas.microsoft.com/office/powerpoint/2010/main">
-    <mc:Choice Requires="p14">
-      <p:transition spd="slow" p14:dur="2000"/>
-    </mc:Choice>
-    <mc:Fallback xmlns="">
-      <p:transition spd="slow"/>
-    </mc:Fallback>
-  </mc:AlternateContent>
-  <p:timing>
-    <p:tnLst>
-      <p:par>
-        <p:cTn id="1" dur="indefinite" restart="never" nodeType="tmRoot"/>
-      </p:par>
-    </p:tnLst>
-  </p:timing>
 </p:sld>
 </file>
 
@@ -28591,7 +28306,7 @@
               <a:pPr/>
               <a:t>21</a:t>
             </a:fld>
-            <a:endParaRPr lang="en-US" altLang="en-US" sz="1000" smtClean="0">
+            <a:endParaRPr lang="en-US" altLang="en-US" sz="1000">
               <a:solidFill>
                 <a:srgbClr val="6E615F"/>
               </a:solidFill>
@@ -28773,7 +28488,7 @@
               </a:rPr>
             </a:br>
             <a:r>
-              <a:rPr lang="en-US" altLang="en-US" sz="2000" b="0" dirty="0" smtClean="0">
+              <a:rPr lang="en-US" altLang="en-US" sz="2000" b="0" dirty="0">
                 <a:solidFill>
                   <a:srgbClr val="FFFFFF"/>
                 </a:solidFill>
@@ -28926,21 +28641,6 @@
   <p:clrMapOvr>
     <a:masterClrMapping/>
   </p:clrMapOvr>
-  <mc:AlternateContent xmlns:mc="http://schemas.openxmlformats.org/markup-compatibility/2006" xmlns:p14="http://schemas.microsoft.com/office/powerpoint/2010/main">
-    <mc:Choice Requires="p14">
-      <p:transition spd="slow" p14:dur="2000"/>
-    </mc:Choice>
-    <mc:Fallback xmlns="">
-      <p:transition spd="slow"/>
-    </mc:Fallback>
-  </mc:AlternateContent>
-  <p:timing>
-    <p:tnLst>
-      <p:par>
-        <p:cTn id="1" dur="indefinite" restart="never" nodeType="tmRoot"/>
-      </p:par>
-    </p:tnLst>
-  </p:timing>
 </p:sld>
 </file>
 
@@ -29113,7 +28813,7 @@
               <a:pPr/>
               <a:t>3</a:t>
             </a:fld>
-            <a:endParaRPr lang="en-US" altLang="en-US" sz="1000" smtClean="0">
+            <a:endParaRPr lang="en-US" altLang="en-US" sz="1000">
               <a:solidFill>
                 <a:srgbClr val="6E615F"/>
               </a:solidFill>
@@ -29295,7 +28995,7 @@
               </a:rPr>
             </a:br>
             <a:r>
-              <a:rPr lang="en-US" altLang="en-US" sz="2000" b="0" dirty="0" smtClean="0">
+              <a:rPr lang="en-US" altLang="en-US" sz="2000" b="0" dirty="0">
                 <a:solidFill>
                   <a:srgbClr val="FFFFFF"/>
                 </a:solidFill>
@@ -29395,10 +29095,9 @@
             <a:lstStyle/>
             <a:p>
               <a:r>
-                <a:rPr lang="en-GB" dirty="0" smtClean="0"/>
+                <a:rPr lang="en-GB" dirty="0"/>
                 <a:t>Carry X</a:t>
               </a:r>
-              <a:endParaRPr lang="en-GB" dirty="0"/>
             </a:p>
           </p:txBody>
         </p:sp>
@@ -29430,10 +29129,9 @@
             <a:lstStyle/>
             <a:p>
               <a:r>
-                <a:rPr lang="en-GB" dirty="0" smtClean="0"/>
+                <a:rPr lang="en-GB" dirty="0"/>
                 <a:t>EMA X</a:t>
               </a:r>
-              <a:endParaRPr lang="en-GB" dirty="0"/>
             </a:p>
           </p:txBody>
         </p:sp>
@@ -29465,10 +29163,9 @@
             <a:lstStyle/>
             <a:p>
               <a:r>
-                <a:rPr lang="en-GB" dirty="0" smtClean="0"/>
+                <a:rPr lang="en-GB" dirty="0"/>
                 <a:t>IR X</a:t>
               </a:r>
-              <a:endParaRPr lang="en-GB" dirty="0"/>
             </a:p>
           </p:txBody>
         </p:sp>
@@ -29515,10 +29212,9 @@
             <a:lstStyle/>
             <a:p>
               <a:r>
-                <a:rPr lang="en-GB" dirty="0" smtClean="0"/>
+                <a:rPr lang="en-GB" dirty="0"/>
                 <a:t>Carry Y</a:t>
               </a:r>
-              <a:endParaRPr lang="en-GB" dirty="0"/>
             </a:p>
           </p:txBody>
         </p:sp>
@@ -29550,10 +29246,9 @@
             <a:lstStyle/>
             <a:p>
               <a:r>
-                <a:rPr lang="en-GB" dirty="0" smtClean="0"/>
+                <a:rPr lang="en-GB" dirty="0"/>
                 <a:t>EMA Y</a:t>
               </a:r>
-              <a:endParaRPr lang="en-GB" dirty="0"/>
             </a:p>
           </p:txBody>
         </p:sp>
@@ -29585,10 +29280,9 @@
             <a:lstStyle/>
             <a:p>
               <a:r>
-                <a:rPr lang="en-GB" dirty="0" smtClean="0"/>
+                <a:rPr lang="en-GB" dirty="0"/>
                 <a:t>IR Y</a:t>
               </a:r>
-              <a:endParaRPr lang="en-GB" dirty="0"/>
             </a:p>
           </p:txBody>
         </p:sp>
@@ -29635,10 +29329,9 @@
             <a:lstStyle/>
             <a:p>
               <a:r>
-                <a:rPr lang="en-GB" dirty="0" smtClean="0"/>
+                <a:rPr lang="en-GB" dirty="0"/>
                 <a:t>Carry Z</a:t>
               </a:r>
-              <a:endParaRPr lang="en-GB" dirty="0"/>
             </a:p>
           </p:txBody>
         </p:sp>
@@ -29670,10 +29363,9 @@
             <a:lstStyle/>
             <a:p>
               <a:r>
-                <a:rPr lang="en-GB" dirty="0" smtClean="0"/>
+                <a:rPr lang="en-GB" dirty="0"/>
                 <a:t>EMA Z</a:t>
               </a:r>
-              <a:endParaRPr lang="en-GB" dirty="0"/>
             </a:p>
           </p:txBody>
         </p:sp>
@@ -29705,10 +29397,9 @@
             <a:lstStyle/>
             <a:p>
               <a:r>
-                <a:rPr lang="en-GB" dirty="0" smtClean="0"/>
+                <a:rPr lang="en-GB" dirty="0"/>
                 <a:t>IR Z</a:t>
               </a:r>
-              <a:endParaRPr lang="en-GB" dirty="0"/>
             </a:p>
           </p:txBody>
         </p:sp>
@@ -29741,10 +29432,9 @@
           <a:lstStyle/>
           <a:p>
             <a:r>
-              <a:rPr lang="en-GB" dirty="0" smtClean="0"/>
+              <a:rPr lang="en-GB" dirty="0"/>
               <a:t>Combined  signal: X</a:t>
             </a:r>
-            <a:endParaRPr lang="en-GB" dirty="0"/>
           </a:p>
         </p:txBody>
       </p:sp>
@@ -29790,10 +29480,9 @@
             <a:lstStyle/>
             <a:p>
               <a:r>
-                <a:rPr lang="en-GB" dirty="0" smtClean="0"/>
+                <a:rPr lang="en-GB" dirty="0"/>
                 <a:t>Carry Weight X</a:t>
               </a:r>
-              <a:endParaRPr lang="en-GB" dirty="0"/>
             </a:p>
           </p:txBody>
         </p:sp>
@@ -29825,10 +29514,9 @@
             <a:lstStyle/>
             <a:p>
               <a:r>
-                <a:rPr lang="en-GB" dirty="0" smtClean="0"/>
+                <a:rPr lang="en-GB" dirty="0"/>
                 <a:t>EMA Weight X</a:t>
               </a:r>
-              <a:endParaRPr lang="en-GB" dirty="0"/>
             </a:p>
           </p:txBody>
         </p:sp>
@@ -29860,10 +29548,9 @@
             <a:lstStyle/>
             <a:p>
               <a:r>
-                <a:rPr lang="en-GB" dirty="0" smtClean="0"/>
+                <a:rPr lang="en-GB" dirty="0"/>
                 <a:t>IR    Weight X</a:t>
               </a:r>
-              <a:endParaRPr lang="en-GB" dirty="0"/>
             </a:p>
           </p:txBody>
         </p:sp>
@@ -29910,10 +29597,9 @@
             <a:lstStyle/>
             <a:p>
               <a:r>
-                <a:rPr lang="en-GB" dirty="0" smtClean="0"/>
+                <a:rPr lang="en-GB" dirty="0"/>
                 <a:t>Carry Weight Y</a:t>
               </a:r>
-              <a:endParaRPr lang="en-GB" dirty="0"/>
             </a:p>
           </p:txBody>
         </p:sp>
@@ -29945,10 +29631,9 @@
             <a:lstStyle/>
             <a:p>
               <a:r>
-                <a:rPr lang="en-GB" dirty="0" smtClean="0"/>
+                <a:rPr lang="en-GB" dirty="0"/>
                 <a:t>EMA Weight Y</a:t>
               </a:r>
-              <a:endParaRPr lang="en-GB" dirty="0"/>
             </a:p>
           </p:txBody>
         </p:sp>
@@ -29980,10 +29665,9 @@
             <a:lstStyle/>
             <a:p>
               <a:r>
-                <a:rPr lang="en-GB" dirty="0" smtClean="0"/>
+                <a:rPr lang="en-GB" dirty="0"/>
                 <a:t>IR    Weight Y</a:t>
               </a:r>
-              <a:endParaRPr lang="en-GB" dirty="0"/>
             </a:p>
           </p:txBody>
         </p:sp>
@@ -30030,10 +29714,9 @@
             <a:lstStyle/>
             <a:p>
               <a:r>
-                <a:rPr lang="en-GB" dirty="0" smtClean="0"/>
+                <a:rPr lang="en-GB" dirty="0"/>
                 <a:t>Carry Weight Z</a:t>
               </a:r>
-              <a:endParaRPr lang="en-GB" dirty="0"/>
             </a:p>
           </p:txBody>
         </p:sp>
@@ -30065,10 +29748,9 @@
             <a:lstStyle/>
             <a:p>
               <a:r>
-                <a:rPr lang="en-GB" dirty="0" smtClean="0"/>
+                <a:rPr lang="en-GB" dirty="0"/>
                 <a:t>EMA Weight Z</a:t>
               </a:r>
-              <a:endParaRPr lang="en-GB" dirty="0"/>
             </a:p>
           </p:txBody>
         </p:sp>
@@ -30100,10 +29782,9 @@
             <a:lstStyle/>
             <a:p>
               <a:r>
-                <a:rPr lang="en-GB" dirty="0" smtClean="0"/>
+                <a:rPr lang="en-GB" dirty="0"/>
                 <a:t>IR    Weight Z</a:t>
               </a:r>
-              <a:endParaRPr lang="en-GB" dirty="0"/>
             </a:p>
           </p:txBody>
         </p:sp>
@@ -30136,10 +29817,9 @@
           <a:lstStyle/>
           <a:p>
             <a:r>
-              <a:rPr lang="en-GB" dirty="0" smtClean="0"/>
+              <a:rPr lang="en-GB" dirty="0"/>
               <a:t>Combined  signal: Y</a:t>
             </a:r>
-            <a:endParaRPr lang="en-GB" dirty="0"/>
           </a:p>
         </p:txBody>
       </p:sp>
@@ -30171,10 +29851,9 @@
           <a:lstStyle/>
           <a:p>
             <a:r>
-              <a:rPr lang="en-GB" dirty="0" smtClean="0"/>
+              <a:rPr lang="en-GB" dirty="0"/>
               <a:t>Combined  signal: Z</a:t>
             </a:r>
-            <a:endParaRPr lang="en-GB" dirty="0"/>
           </a:p>
         </p:txBody>
       </p:sp>
@@ -30206,10 +29885,9 @@
           <a:lstStyle/>
           <a:p>
             <a:r>
-              <a:rPr lang="en-GB" dirty="0" smtClean="0"/>
+              <a:rPr lang="en-GB" dirty="0"/>
               <a:t>Weight  X</a:t>
             </a:r>
-            <a:endParaRPr lang="en-GB" dirty="0"/>
           </a:p>
         </p:txBody>
       </p:sp>
@@ -30241,10 +29919,9 @@
           <a:lstStyle/>
           <a:p>
             <a:r>
-              <a:rPr lang="en-GB" dirty="0" smtClean="0"/>
+              <a:rPr lang="en-GB" dirty="0"/>
               <a:t>Weight  Y</a:t>
             </a:r>
-            <a:endParaRPr lang="en-GB" dirty="0"/>
           </a:p>
         </p:txBody>
       </p:sp>
@@ -30276,10 +29953,9 @@
           <a:lstStyle/>
           <a:p>
             <a:r>
-              <a:rPr lang="en-GB" dirty="0" smtClean="0"/>
+              <a:rPr lang="en-GB" dirty="0"/>
               <a:t>Weight  Z</a:t>
             </a:r>
-            <a:endParaRPr lang="en-GB" dirty="0"/>
           </a:p>
         </p:txBody>
       </p:sp>
@@ -30529,7 +30205,7 @@
               <a:tabLst/>
             </a:pPr>
             <a:r>
-              <a:rPr kumimoji="0" lang="en-GB" sz="1600" b="0" i="0" u="none" strike="noStrike" cap="none" normalizeH="0" baseline="0" dirty="0" smtClean="0">
+              <a:rPr kumimoji="0" lang="en-GB" sz="1600" b="0" i="0" u="none" strike="noStrike" cap="none" normalizeH="0" baseline="0" dirty="0">
                 <a:ln>
                   <a:noFill/>
                 </a:ln>
@@ -30544,7 +30220,7 @@
               <a:t>Technical</a:t>
             </a:r>
             <a:r>
-              <a:rPr kumimoji="0" lang="en-GB" sz="1600" b="0" i="0" u="none" strike="noStrike" cap="none" normalizeH="0" dirty="0" smtClean="0">
+              <a:rPr kumimoji="0" lang="en-GB" sz="1600" b="0" i="0" u="none" strike="noStrike" cap="none" normalizeH="0" dirty="0">
                 <a:ln>
                   <a:noFill/>
                 </a:ln>
@@ -30843,21 +30519,6 @@
   <p:clrMapOvr>
     <a:masterClrMapping/>
   </p:clrMapOvr>
-  <mc:AlternateContent xmlns:mc="http://schemas.openxmlformats.org/markup-compatibility/2006" xmlns:p14="http://schemas.microsoft.com/office/powerpoint/2010/main">
-    <mc:Choice Requires="p14">
-      <p:transition spd="slow" p14:dur="2000"/>
-    </mc:Choice>
-    <mc:Fallback xmlns="">
-      <p:transition spd="slow"/>
-    </mc:Fallback>
-  </mc:AlternateContent>
-  <p:timing>
-    <p:tnLst>
-      <p:par>
-        <p:cTn id="1" dur="indefinite" restart="never" nodeType="tmRoot"/>
-      </p:par>
-    </p:tnLst>
-  </p:timing>
 </p:sld>
 </file>
 
@@ -31030,7 +30691,7 @@
               <a:pPr/>
               <a:t>4</a:t>
             </a:fld>
-            <a:endParaRPr lang="en-US" altLang="en-US" sz="1000" smtClean="0">
+            <a:endParaRPr lang="en-US" altLang="en-US" sz="1000">
               <a:solidFill>
                 <a:srgbClr val="6E615F"/>
               </a:solidFill>
@@ -31212,7 +30873,7 @@
               </a:rPr>
             </a:br>
             <a:r>
-              <a:rPr lang="en-US" altLang="en-US" sz="2000" b="0" dirty="0" smtClean="0">
+              <a:rPr lang="en-US" altLang="en-US" sz="2000" b="0" dirty="0">
                 <a:solidFill>
                   <a:srgbClr val="FFFFFF"/>
                 </a:solidFill>
@@ -31266,20 +30927,20 @@
           <a:p>
             <a:pPr algn="l"/>
             <a:r>
-              <a:rPr lang="en-GB" sz="1600" b="0" dirty="0" smtClean="0"/>
+              <a:rPr lang="en-GB" sz="1600" b="0" dirty="0"/>
               <a:t>There is not a single strategy would make money forever. Momentum strategy works in trending market but mean-reversion strategy works when a factor has gone too extreme. The combination of momentum and mean-reversion strategies, empirically, produces better performance over individual one of them.</a:t>
             </a:r>
           </a:p>
           <a:p>
             <a:pPr algn="l"/>
             <a:r>
-              <a:rPr lang="en-GB" sz="1600" b="0" dirty="0" smtClean="0"/>
+              <a:rPr lang="en-GB" sz="1600" b="0" dirty="0"/>
               <a:t>All type of strategy signals can be split into 6 categories:</a:t>
             </a:r>
           </a:p>
           <a:p>
             <a:pPr algn="l"/>
-            <a:endParaRPr lang="en-GB" dirty="0" smtClean="0"/>
+            <a:endParaRPr lang="en-GB" dirty="0"/>
           </a:p>
           <a:p>
             <a:pPr algn="l"/>
@@ -31316,9 +30977,27 @@
                 <a:tableStyleId>{5C22544A-7EE6-4342-B048-85BDC9FD1C3A}</a:tableStyleId>
               </a:tblPr>
               <a:tblGrid>
-                <a:gridCol w="2376311"/>
-                <a:gridCol w="2376311"/>
-                <a:gridCol w="2376311"/>
+                <a:gridCol w="2376311">
+                  <a:extLst>
+                    <a:ext uri="{9D8B030D-6E8A-4147-A177-3AD203B41FA5}">
+                      <a16:colId xmlns:a16="http://schemas.microsoft.com/office/drawing/2014/main" xmlns="" val="20000"/>
+                    </a:ext>
+                  </a:extLst>
+                </a:gridCol>
+                <a:gridCol w="2376311">
+                  <a:extLst>
+                    <a:ext uri="{9D8B030D-6E8A-4147-A177-3AD203B41FA5}">
+                      <a16:colId xmlns:a16="http://schemas.microsoft.com/office/drawing/2014/main" xmlns="" val="20001"/>
+                    </a:ext>
+                  </a:extLst>
+                </a:gridCol>
+                <a:gridCol w="2376311">
+                  <a:extLst>
+                    <a:ext uri="{9D8B030D-6E8A-4147-A177-3AD203B41FA5}">
+                      <a16:colId xmlns:a16="http://schemas.microsoft.com/office/drawing/2014/main" xmlns="" val="20002"/>
+                    </a:ext>
+                  </a:extLst>
+                </a:gridCol>
               </a:tblGrid>
               <a:tr h="370840">
                 <a:tc>
@@ -31328,10 +31007,9 @@
                     <a:p>
                       <a:pPr algn="ctr"/>
                       <a:r>
-                        <a:rPr lang="en-GB" sz="1400" dirty="0" smtClean="0"/>
+                        <a:rPr lang="en-GB" sz="1400" dirty="0"/>
                         <a:t>Short-term Momentum</a:t>
                       </a:r>
-                      <a:endParaRPr lang="en-GB" sz="1400" dirty="0"/>
                     </a:p>
                   </a:txBody>
                   <a:tcPr/>
@@ -31343,10 +31021,9 @@
                     <a:p>
                       <a:pPr algn="ctr"/>
                       <a:r>
-                        <a:rPr lang="en-GB" sz="1400" dirty="0" smtClean="0"/>
+                        <a:rPr lang="en-GB" sz="1400" dirty="0"/>
                         <a:t>Medium-term Momentum</a:t>
                       </a:r>
-                      <a:endParaRPr lang="en-GB" sz="1400" dirty="0"/>
                     </a:p>
                   </a:txBody>
                   <a:tcPr/>
@@ -31358,14 +31035,18 @@
                     <a:p>
                       <a:pPr algn="ctr"/>
                       <a:r>
-                        <a:rPr lang="en-GB" sz="1400" dirty="0" smtClean="0"/>
+                        <a:rPr lang="en-GB" sz="1400" dirty="0"/>
                         <a:t>Long-term Momentum</a:t>
                       </a:r>
-                      <a:endParaRPr lang="en-GB" sz="1400" dirty="0"/>
                     </a:p>
                   </a:txBody>
                   <a:tcPr/>
                 </a:tc>
+                <a:extLst>
+                  <a:ext uri="{0D108BD9-81ED-4DB2-BD59-A6C34878D82A}">
+                    <a16:rowId xmlns:a16="http://schemas.microsoft.com/office/drawing/2014/main" xmlns="" val="10000"/>
+                  </a:ext>
+                </a:extLst>
               </a:tr>
               <a:tr h="370840">
                 <a:tc>
@@ -31375,10 +31056,9 @@
                     <a:p>
                       <a:pPr algn="ctr"/>
                       <a:r>
-                        <a:rPr lang="en-GB" sz="1400" dirty="0" smtClean="0"/>
+                        <a:rPr lang="en-GB" sz="1400" dirty="0"/>
                         <a:t>Short-term Mean-reversion</a:t>
                       </a:r>
-                      <a:endParaRPr lang="en-GB" sz="1400" dirty="0"/>
                     </a:p>
                   </a:txBody>
                   <a:tcPr/>
@@ -31390,10 +31070,9 @@
                     <a:p>
                       <a:pPr algn="ctr"/>
                       <a:r>
-                        <a:rPr lang="en-GB" sz="1400" dirty="0" smtClean="0"/>
+                        <a:rPr lang="en-GB" sz="1400" dirty="0"/>
                         <a:t>Medium-term Mean-reversion</a:t>
                       </a:r>
-                      <a:endParaRPr lang="en-GB" sz="1400" dirty="0"/>
                     </a:p>
                   </a:txBody>
                   <a:tcPr/>
@@ -31405,14 +31084,18 @@
                     <a:p>
                       <a:pPr algn="ctr"/>
                       <a:r>
-                        <a:rPr lang="en-GB" sz="1400" dirty="0" smtClean="0"/>
+                        <a:rPr lang="en-GB" sz="1400" dirty="0"/>
                         <a:t>Long-term Mean-reversion</a:t>
                       </a:r>
-                      <a:endParaRPr lang="en-GB" sz="1400" dirty="0"/>
                     </a:p>
                   </a:txBody>
                   <a:tcPr/>
                 </a:tc>
+                <a:extLst>
+                  <a:ext uri="{0D108BD9-81ED-4DB2-BD59-A6C34878D82A}">
+                    <a16:rowId xmlns:a16="http://schemas.microsoft.com/office/drawing/2014/main" xmlns="" val="10001"/>
+                  </a:ext>
+                </a:extLst>
               </a:tr>
             </a:tbl>
           </a:graphicData>
@@ -31697,7 +31380,7 @@
           <a:lstStyle/>
           <a:p>
             <a:r>
-              <a:rPr lang="en-GB" dirty="0" smtClean="0">
+              <a:rPr lang="en-GB" dirty="0">
                 <a:solidFill>
                   <a:schemeClr val="accent2">
                     <a:lumMod val="60000"/>
@@ -31707,14 +31390,6 @@
               </a:rPr>
               <a:t>Long Term Mean-Reversion</a:t>
             </a:r>
-            <a:endParaRPr lang="en-GB" dirty="0">
-              <a:solidFill>
-                <a:schemeClr val="accent2">
-                  <a:lumMod val="60000"/>
-                  <a:lumOff val="40000"/>
-                </a:schemeClr>
-              </a:solidFill>
-            </a:endParaRPr>
           </a:p>
         </p:txBody>
       </p:sp>
@@ -31768,18 +31443,13 @@
           <a:lstStyle/>
           <a:p>
             <a:r>
-              <a:rPr lang="en-GB" dirty="0" smtClean="0">
+              <a:rPr lang="en-GB" dirty="0">
                 <a:solidFill>
                   <a:srgbClr val="92D050"/>
                 </a:solidFill>
               </a:rPr>
               <a:t>Medium Term Momentum</a:t>
             </a:r>
-            <a:endParaRPr lang="en-GB" dirty="0">
-              <a:solidFill>
-                <a:srgbClr val="92D050"/>
-              </a:solidFill>
-            </a:endParaRPr>
           </a:p>
         </p:txBody>
       </p:sp>
@@ -31833,18 +31503,13 @@
           <a:lstStyle/>
           <a:p>
             <a:r>
-              <a:rPr lang="en-GB" sz="1000" dirty="0" smtClean="0">
+              <a:rPr lang="en-GB" sz="1000" dirty="0">
                 <a:solidFill>
                   <a:srgbClr val="00B0F0"/>
                 </a:solidFill>
               </a:rPr>
               <a:t>Short Term Mean-reversion</a:t>
             </a:r>
-            <a:endParaRPr lang="en-GB" sz="1000" dirty="0">
-              <a:solidFill>
-                <a:srgbClr val="00B0F0"/>
-              </a:solidFill>
-            </a:endParaRPr>
           </a:p>
         </p:txBody>
       </p:sp>
@@ -31926,7 +31591,7 @@
           <a:p>
             <a:pPr algn="l"/>
             <a:r>
-              <a:rPr lang="en-GB" sz="1600" dirty="0" smtClean="0"/>
+              <a:rPr lang="en-GB" sz="1600" dirty="0"/>
               <a:t>Momentum strategy:  </a:t>
             </a:r>
           </a:p>
@@ -31937,11 +31602,7 @@
             </a:pPr>
             <a:r>
               <a:rPr lang="en-GB" sz="1600" b="0" dirty="0"/>
-              <a:t>S</a:t>
-            </a:r>
-            <a:r>
-              <a:rPr lang="en-GB" sz="1600" b="0" dirty="0" smtClean="0"/>
-              <a:t>top-loss system</a:t>
+              <a:t>Stop-loss system</a:t>
             </a:r>
           </a:p>
           <a:p>
@@ -31950,7 +31611,7 @@
               <a:buChar char="•"/>
             </a:pPr>
             <a:r>
-              <a:rPr lang="en-GB" sz="1600" b="0" dirty="0" smtClean="0"/>
+              <a:rPr lang="en-GB" sz="1600" b="0" dirty="0"/>
               <a:t>Positive skew</a:t>
             </a:r>
           </a:p>
@@ -31961,7 +31622,7 @@
           <a:p>
             <a:pPr algn="l"/>
             <a:r>
-              <a:rPr lang="en-GB" sz="1600" b="0" dirty="0" smtClean="0"/>
+              <a:rPr lang="en-GB" sz="1600" b="0" dirty="0"/>
               <a:t>Mean-reversion strategy:</a:t>
             </a:r>
           </a:p>
@@ -31971,7 +31632,7 @@
               <a:buChar char="•"/>
             </a:pPr>
             <a:r>
-              <a:rPr lang="en-GB" sz="1600" b="0" dirty="0" smtClean="0"/>
+              <a:rPr lang="en-GB" sz="1600" b="0" dirty="0"/>
               <a:t>Catch falling knives</a:t>
             </a:r>
           </a:p>
@@ -31981,10 +31642,9 @@
               <a:buChar char="•"/>
             </a:pPr>
             <a:r>
-              <a:rPr lang="en-GB" sz="1600" b="0" dirty="0" smtClean="0"/>
+              <a:rPr lang="en-GB" sz="1600" b="0" dirty="0"/>
               <a:t>Negative skew</a:t>
             </a:r>
-            <a:endParaRPr lang="en-GB" sz="1600" b="0" dirty="0"/>
           </a:p>
         </p:txBody>
       </p:sp>
@@ -31998,13 +31658,6 @@
   <p:clrMapOvr>
     <a:masterClrMapping/>
   </p:clrMapOvr>
-  <p:timing>
-    <p:tnLst>
-      <p:par>
-        <p:cTn id="1" dur="indefinite" restart="never" nodeType="tmRoot"/>
-      </p:par>
-    </p:tnLst>
-  </p:timing>
 </p:sld>
 </file>
 
@@ -32177,7 +31830,7 @@
               <a:pPr/>
               <a:t>5</a:t>
             </a:fld>
-            <a:endParaRPr lang="en-US" altLang="en-US" sz="1000" smtClean="0">
+            <a:endParaRPr lang="en-US" altLang="en-US" sz="1000">
               <a:solidFill>
                 <a:srgbClr val="6E615F"/>
               </a:solidFill>
@@ -32359,7 +32012,7 @@
               </a:rPr>
             </a:br>
             <a:r>
-              <a:rPr lang="en-US" altLang="en-US" sz="2000" b="0" dirty="0" smtClean="0">
+              <a:rPr lang="en-US" altLang="en-US" sz="2000" b="0" dirty="0">
                 <a:solidFill>
                   <a:srgbClr val="FFFFFF"/>
                 </a:solidFill>
@@ -32400,7 +32053,7 @@
               <a:p>
                 <a:pPr algn="l"/>
                 <a:r>
-                  <a:rPr lang="en-GB" sz="1600" dirty="0" smtClean="0"/>
+                  <a:rPr lang="en-GB" sz="1600" dirty="0"/>
                   <a:t>Two elements: Carry and Information ratio</a:t>
                 </a:r>
               </a:p>
@@ -32411,18 +32064,18 @@
               <a:p>
                 <a:pPr algn="l"/>
                 <a:r>
-                  <a:rPr lang="en-GB" sz="1600" dirty="0" smtClean="0"/>
+                  <a:rPr lang="en-GB" sz="1600" dirty="0"/>
                   <a:t>Carry signal: </a:t>
                 </a:r>
                 <a:r>
-                  <a:rPr lang="en-GB" sz="1600" b="0" dirty="0" smtClean="0"/>
+                  <a:rPr lang="en-GB" sz="1600" b="0" dirty="0"/>
                   <a:t>assuming asset price status quo,  expect the second nearest futures price fall to the nearest futures price and earn the yield throughout the terms of the contract. </a:t>
                 </a:r>
               </a:p>
               <a:p>
                 <a:pPr algn="l"/>
                 <a:r>
-                  <a:rPr lang="en-GB" sz="1600" dirty="0" smtClean="0"/>
+                  <a:rPr lang="en-GB" sz="1600" dirty="0"/>
                   <a:t>			</a:t>
                 </a:r>
                 <a14:m>
@@ -32554,21 +32207,17 @@
                     </m:f>
                   </m:oMath>
                 </a14:m>
-                <a:endParaRPr lang="en-GB" sz="1600" dirty="0" smtClean="0"/>
+                <a:endParaRPr lang="en-GB" sz="1600" dirty="0"/>
               </a:p>
               <a:p>
                 <a:pPr algn="l"/>
                 <a:r>
-                  <a:rPr lang="en-GB" sz="1600" dirty="0" smtClean="0"/>
+                  <a:rPr lang="en-GB" sz="1600" dirty="0"/>
                   <a:t>	</a:t>
                 </a:r>
                 <a:r>
                   <a:rPr lang="en-GB" sz="1600" b="0" dirty="0"/>
-                  <a:t>w</a:t>
-                </a:r>
-                <a:r>
-                  <a:rPr lang="en-GB" sz="1600" b="0" dirty="0" smtClean="0"/>
-                  <a:t>here: </a:t>
+                  <a:t>where: </a:t>
                 </a:r>
                 <a14:m>
                   <m:oMath xmlns:m="http://schemas.openxmlformats.org/officeDocument/2006/math">
@@ -32600,7 +32249,7 @@
                   </m:oMath>
                 </a14:m>
                 <a:r>
-                  <a:rPr lang="en-GB" sz="1600" b="0" dirty="0" smtClean="0"/>
+                  <a:rPr lang="en-GB" sz="1600" b="0" dirty="0"/>
                   <a:t> is first expiring contract; </a:t>
                 </a:r>
                 <a14:m>
@@ -32633,7 +32282,7 @@
                   </m:oMath>
                 </a14:m>
                 <a:r>
-                  <a:rPr lang="en-GB" sz="1600" b="0" dirty="0" smtClean="0"/>
+                  <a:rPr lang="en-GB" sz="1600" b="0" dirty="0"/>
                   <a:t> is second expiring contract.</a:t>
                 </a:r>
               </a:p>
@@ -32644,27 +32293,23 @@
               <a:p>
                 <a:pPr algn="l"/>
                 <a:r>
-                  <a:rPr lang="en-GB" sz="1600" dirty="0" smtClean="0"/>
+                  <a:rPr lang="en-GB" sz="1600" dirty="0"/>
                   <a:t>Information ratio (ST/MT/LT):  </a:t>
                 </a:r>
                 <a:r>
-                  <a:rPr lang="en-GB" sz="1600" b="0" dirty="0" smtClean="0"/>
+                  <a:rPr lang="en-GB" sz="1600" b="0" dirty="0"/>
                   <a:t>rolling information ratio of an asset. It expects the overvalued asset  underperforming in various time horizon.</a:t>
                 </a:r>
               </a:p>
               <a:p>
                 <a:pPr algn="l"/>
-                <a:endParaRPr lang="en-GB" sz="1600" dirty="0" smtClean="0"/>
+                <a:endParaRPr lang="en-GB" sz="1600" dirty="0"/>
               </a:p>
               <a:p>
                 <a:pPr algn="l"/>
                 <a:r>
                   <a:rPr lang="en-GB" sz="1600" dirty="0"/>
-                  <a:t>	</a:t>
-                </a:r>
-                <a:r>
-                  <a:rPr lang="en-GB" sz="1600" dirty="0" smtClean="0"/>
-                  <a:t>		</a:t>
+                  <a:t>			</a:t>
                 </a:r>
                 <a14:m>
                   <m:oMath xmlns:m="http://schemas.openxmlformats.org/officeDocument/2006/math">
@@ -32820,16 +32465,16 @@
                     </m:box>
                   </m:oMath>
                 </a14:m>
-                <a:endParaRPr lang="en-GB" sz="1600" dirty="0" smtClean="0"/>
+                <a:endParaRPr lang="en-GB" sz="1600" dirty="0"/>
               </a:p>
               <a:p>
                 <a:pPr algn="l"/>
                 <a:r>
-                  <a:rPr lang="en-GB" sz="1600" b="0" dirty="0" smtClean="0"/>
+                  <a:rPr lang="en-GB" sz="1600" b="0" dirty="0"/>
                   <a:t>	where</a:t>
                 </a:r>
                 <a:r>
-                  <a:rPr lang="en-GB" sz="1600" dirty="0" smtClean="0"/>
+                  <a:rPr lang="en-GB" sz="1600" dirty="0"/>
                   <a:t> </a:t>
                 </a:r>
                 <a14:m>
@@ -32957,7 +32602,7 @@
                   </m:oMath>
                 </a14:m>
                 <a:r>
-                  <a:rPr lang="en-GB" sz="1600" dirty="0" smtClean="0"/>
+                  <a:rPr lang="en-GB" sz="1600" dirty="0"/>
                   <a:t> ; </a:t>
                 </a:r>
                 <a14:m>
@@ -32990,14 +32635,13 @@
                   </m:oMath>
                 </a14:m>
                 <a:r>
-                  <a:rPr lang="en-GB" sz="1600" dirty="0" smtClean="0"/>
+                  <a:rPr lang="en-GB" sz="1600" dirty="0"/>
                   <a:t> </a:t>
                 </a:r>
                 <a:r>
-                  <a:rPr lang="en-GB" sz="1600" b="0" dirty="0" smtClean="0"/>
+                  <a:rPr lang="en-GB" sz="1600" b="0" dirty="0"/>
                   <a:t>is active risk to BMK.</a:t>
                 </a:r>
-                <a:endParaRPr lang="en-GB" sz="1600" b="0" dirty="0"/>
               </a:p>
             </p:txBody>
           </p:sp>
@@ -33051,13 +32695,6 @@
   <p:clrMapOvr>
     <a:masterClrMapping/>
   </p:clrMapOvr>
-  <p:timing>
-    <p:tnLst>
-      <p:par>
-        <p:cTn id="1" dur="indefinite" restart="never" nodeType="tmRoot"/>
-      </p:par>
-    </p:tnLst>
-  </p:timing>
 </p:sld>
 </file>
 
@@ -33230,7 +32867,7 @@
               <a:pPr/>
               <a:t>6</a:t>
             </a:fld>
-            <a:endParaRPr lang="en-US" altLang="en-US" sz="1000" smtClean="0">
+            <a:endParaRPr lang="en-US" altLang="en-US" sz="1000">
               <a:solidFill>
                 <a:srgbClr val="6E615F"/>
               </a:solidFill>
@@ -33412,7 +33049,7 @@
               </a:rPr>
             </a:br>
             <a:r>
-              <a:rPr lang="en-US" altLang="en-US" sz="2000" b="0" dirty="0" smtClean="0">
+              <a:rPr lang="en-US" altLang="en-US" sz="2000" b="0" dirty="0">
                 <a:solidFill>
                   <a:srgbClr val="FFFFFF"/>
                 </a:solidFill>
@@ -33451,10 +33088,9 @@
           <a:p>
             <a:pPr algn="l"/>
             <a:r>
-              <a:rPr lang="en-GB" sz="1600" dirty="0" smtClean="0"/>
+              <a:rPr lang="en-GB" sz="1600" dirty="0"/>
               <a:t>IR signal of UKX</a:t>
             </a:r>
-            <a:endParaRPr lang="en-GB" sz="1600" dirty="0"/>
           </a:p>
         </p:txBody>
       </p:sp>
@@ -33482,10 +33118,9 @@
           <a:p>
             <a:pPr algn="l"/>
             <a:r>
-              <a:rPr lang="en-GB" sz="1600" dirty="0" smtClean="0"/>
+              <a:rPr lang="en-GB" sz="1600" dirty="0"/>
               <a:t>Carry signal of VIX</a:t>
             </a:r>
-            <a:endParaRPr lang="en-GB" sz="1600" dirty="0"/>
           </a:p>
         </p:txBody>
       </p:sp>
@@ -33547,13 +33182,6 @@
   <p:clrMapOvr>
     <a:masterClrMapping/>
   </p:clrMapOvr>
-  <p:timing>
-    <p:tnLst>
-      <p:par>
-        <p:cTn id="1" dur="indefinite" restart="never" nodeType="tmRoot"/>
-      </p:par>
-    </p:tnLst>
-  </p:timing>
 </p:sld>
 </file>
 
@@ -33726,7 +33354,7 @@
               <a:pPr/>
               <a:t>7</a:t>
             </a:fld>
-            <a:endParaRPr lang="en-US" altLang="en-US" sz="1000" smtClean="0">
+            <a:endParaRPr lang="en-US" altLang="en-US" sz="1000">
               <a:solidFill>
                 <a:srgbClr val="6E615F"/>
               </a:solidFill>
@@ -33908,7 +33536,7 @@
               </a:rPr>
             </a:br>
             <a:r>
-              <a:rPr lang="en-US" altLang="en-US" sz="2000" b="0" dirty="0" smtClean="0">
+              <a:rPr lang="en-US" altLang="en-US" sz="2000" b="0" dirty="0">
                 <a:solidFill>
                   <a:srgbClr val="FFFFFF"/>
                 </a:solidFill>
@@ -33949,14 +33577,14 @@
               <a:p>
                 <a:pPr algn="l"/>
                 <a:r>
-                  <a:rPr lang="en-GB" sz="1600" dirty="0" smtClean="0"/>
+                  <a:rPr lang="en-GB" sz="1600" dirty="0"/>
                   <a:t>EMA cross-over:  (ST/MT/LT)</a:t>
                 </a:r>
               </a:p>
               <a:p>
                 <a:pPr algn="l"/>
                 <a:r>
-                  <a:rPr lang="en-GB" sz="1600" b="0" dirty="0" smtClean="0"/>
+                  <a:rPr lang="en-GB" sz="1600" b="0" dirty="0"/>
                   <a:t>Positive signal when short-leg EMA (Exponential moving average) crosses long-leg EMA upward; Negative signal when short-leg EMA crosses long-leg EMA downward.</a:t>
                 </a:r>
               </a:p>
@@ -33967,7 +33595,7 @@
               <a:p>
                 <a:pPr algn="l"/>
                 <a:r>
-                  <a:rPr lang="en-GB" sz="1600" dirty="0" smtClean="0"/>
+                  <a:rPr lang="en-GB" sz="1600" dirty="0"/>
                   <a:t>			</a:t>
                 </a:r>
                 <a14:m>
@@ -34130,12 +33758,12 @@
                     </m:f>
                   </m:oMath>
                 </a14:m>
-                <a:endParaRPr lang="en-GB" sz="1600" dirty="0" smtClean="0"/>
+                <a:endParaRPr lang="en-GB" sz="1600" dirty="0"/>
               </a:p>
               <a:p>
                 <a:pPr algn="l"/>
                 <a:r>
-                  <a:rPr lang="en-GB" sz="1600" b="0" dirty="0" smtClean="0"/>
+                  <a:rPr lang="en-GB" sz="1600" b="0" dirty="0"/>
                   <a:t>	where </a:t>
                 </a:r>
                 <a14:m>
@@ -34168,10 +33796,9 @@
                   </m:oMath>
                 </a14:m>
                 <a:r>
-                  <a:rPr lang="en-GB" sz="1600" b="0" dirty="0" smtClean="0"/>
+                  <a:rPr lang="en-GB" sz="1600" b="0" dirty="0"/>
                   <a:t> is volatility of underlying.</a:t>
                 </a:r>
-                <a:endParaRPr lang="en-GB" sz="1600" b="0" dirty="0"/>
               </a:p>
             </p:txBody>
           </p:sp>
@@ -34289,13 +33916,6 @@
   <p:clrMapOvr>
     <a:masterClrMapping/>
   </p:clrMapOvr>
-  <p:timing>
-    <p:tnLst>
-      <p:par>
-        <p:cTn id="1" dur="indefinite" restart="never" nodeType="tmRoot"/>
-      </p:par>
-    </p:tnLst>
-  </p:timing>
 </p:sld>
 </file>
 
@@ -34468,7 +34088,7 @@
               <a:pPr/>
               <a:t>8</a:t>
             </a:fld>
-            <a:endParaRPr lang="en-US" altLang="en-US" sz="1000" smtClean="0">
+            <a:endParaRPr lang="en-US" altLang="en-US" sz="1000">
               <a:solidFill>
                 <a:srgbClr val="6E615F"/>
               </a:solidFill>
@@ -34650,7 +34270,7 @@
               </a:rPr>
             </a:br>
             <a:r>
-              <a:rPr lang="en-US" altLang="en-US" sz="2000" b="0" dirty="0" smtClean="0">
+              <a:rPr lang="en-US" altLang="en-US" sz="2000" b="0" dirty="0">
                 <a:solidFill>
                   <a:srgbClr val="FFFFFF"/>
                 </a:solidFill>
@@ -34689,29 +34309,29 @@
           <a:p>
             <a:pPr algn="l"/>
             <a:r>
-              <a:rPr lang="en-GB" sz="1400" b="0" dirty="0" smtClean="0"/>
+              <a:rPr lang="en-GB" sz="1400" b="0" dirty="0"/>
               <a:t>A good set of variations(parameters) should work well on various instruments. It is especially true for price based strategies. It is also the best way to avoid overfitting by stopping individually tailoring rule for every instrument. </a:t>
             </a:r>
           </a:p>
           <a:p>
             <a:pPr algn="l"/>
             <a:r>
-              <a:rPr lang="en-GB" sz="1400" b="0" dirty="0" smtClean="0"/>
+              <a:rPr lang="en-GB" sz="1400" b="0" dirty="0"/>
               <a:t>Hence, the “core” set of parameters is defined by the best sharp ratio across all instruments. And all market conditions. Fixed income instruments and Equity instruments behave fundamentally different,  therefore the core parameters are analysed in separate groups.</a:t>
             </a:r>
           </a:p>
           <a:p>
             <a:pPr algn="l"/>
             <a:r>
-              <a:rPr lang="en-GB" sz="1400" b="0" dirty="0" smtClean="0"/>
+              <a:rPr lang="en-GB" sz="1400" b="0" dirty="0"/>
               <a:t>In the system, to find the second and third sets of parameters does not rely on the performance or </a:t>
             </a:r>
             <a:r>
-              <a:rPr lang="en-GB" sz="1400" b="0" dirty="0" err="1" smtClean="0"/>
+              <a:rPr lang="en-GB" sz="1400" b="0" dirty="0" err="1"/>
               <a:t>sharpe</a:t>
             </a:r>
             <a:r>
-              <a:rPr lang="en-GB" sz="1400" b="0" dirty="0" smtClean="0"/>
+              <a:rPr lang="en-GB" sz="1400" b="0" dirty="0"/>
               <a:t> ratio. Instead, the correlation is the key selection criteria. It is because of that:</a:t>
             </a:r>
           </a:p>
@@ -34719,17 +34339,13 @@
             <a:pPr algn="l"/>
             <a:r>
               <a:rPr lang="en-GB" sz="1400" b="0" dirty="0"/>
-              <a:t>	</a:t>
-            </a:r>
-            <a:r>
-              <a:rPr lang="en-GB" sz="1400" b="0" dirty="0" smtClean="0"/>
-              <a:t>(1) It is very difficult to significantly prove that one set of rules outperforms the others.</a:t>
+              <a:t>	(1) It is very difficult to significantly prove that one set of rules outperforms the others.</a:t>
             </a:r>
           </a:p>
           <a:p>
             <a:pPr algn="l"/>
             <a:r>
-              <a:rPr lang="en-GB" sz="1400" b="0" dirty="0" smtClean="0"/>
+              <a:rPr lang="en-GB" sz="1400" b="0" dirty="0"/>
               <a:t>	(2) expected low correlated strategies provide diversification benefit.</a:t>
             </a:r>
           </a:p>
@@ -34739,7 +34355,7 @@
           </a:p>
           <a:p>
             <a:pPr algn="l"/>
-            <a:endParaRPr lang="en-GB" b="0" dirty="0" smtClean="0"/>
+            <a:endParaRPr lang="en-GB" b="0" dirty="0"/>
           </a:p>
           <a:p>
             <a:pPr algn="l"/>
@@ -34775,10 +34391,9 @@
           <a:p>
             <a:pPr algn="l"/>
             <a:r>
-              <a:rPr lang="en-GB" sz="1400" b="0" dirty="0" smtClean="0"/>
+              <a:rPr lang="en-GB" sz="1400" b="0" dirty="0"/>
               <a:t>The table shows the number of years required to be significant that one strategy is better than another</a:t>
             </a:r>
-            <a:endParaRPr lang="en-GB" sz="1400" b="0" dirty="0"/>
           </a:p>
         </p:txBody>
       </p:sp>
@@ -34807,11 +34422,41 @@
                 <a:tableStyleId>{5C22544A-7EE6-4342-B048-85BDC9FD1C3A}</a:tableStyleId>
               </a:tblPr>
               <a:tblGrid>
-                <a:gridCol w="1425787"/>
-                <a:gridCol w="1425787"/>
-                <a:gridCol w="1425787"/>
-                <a:gridCol w="1425787"/>
-                <a:gridCol w="1425787"/>
+                <a:gridCol w="1425787">
+                  <a:extLst>
+                    <a:ext uri="{9D8B030D-6E8A-4147-A177-3AD203B41FA5}">
+                      <a16:colId xmlns:a16="http://schemas.microsoft.com/office/drawing/2014/main" xmlns="" val="20000"/>
+                    </a:ext>
+                  </a:extLst>
+                </a:gridCol>
+                <a:gridCol w="1425787">
+                  <a:extLst>
+                    <a:ext uri="{9D8B030D-6E8A-4147-A177-3AD203B41FA5}">
+                      <a16:colId xmlns:a16="http://schemas.microsoft.com/office/drawing/2014/main" xmlns="" val="20001"/>
+                    </a:ext>
+                  </a:extLst>
+                </a:gridCol>
+                <a:gridCol w="1425787">
+                  <a:extLst>
+                    <a:ext uri="{9D8B030D-6E8A-4147-A177-3AD203B41FA5}">
+                      <a16:colId xmlns:a16="http://schemas.microsoft.com/office/drawing/2014/main" xmlns="" val="20002"/>
+                    </a:ext>
+                  </a:extLst>
+                </a:gridCol>
+                <a:gridCol w="1425787">
+                  <a:extLst>
+                    <a:ext uri="{9D8B030D-6E8A-4147-A177-3AD203B41FA5}">
+                      <a16:colId xmlns:a16="http://schemas.microsoft.com/office/drawing/2014/main" xmlns="" val="20003"/>
+                    </a:ext>
+                  </a:extLst>
+                </a:gridCol>
+                <a:gridCol w="1425787">
+                  <a:extLst>
+                    <a:ext uri="{9D8B030D-6E8A-4147-A177-3AD203B41FA5}">
+                      <a16:colId xmlns:a16="http://schemas.microsoft.com/office/drawing/2014/main" xmlns="" val="20004"/>
+                    </a:ext>
+                  </a:extLst>
+                </a:gridCol>
               </a:tblGrid>
               <a:tr h="370840">
                 <a:tc>
@@ -34820,10 +34465,9 @@
                     <a:lstStyle/>
                     <a:p>
                       <a:r>
-                        <a:rPr lang="en-GB" dirty="0" smtClean="0"/>
+                        <a:rPr lang="en-GB" dirty="0"/>
                         <a:t>-1.0</a:t>
                       </a:r>
-                      <a:endParaRPr lang="en-GB" dirty="0"/>
                     </a:p>
                   </a:txBody>
                   <a:tcPr/>
@@ -34834,10 +34478,9 @@
                     <a:lstStyle/>
                     <a:p>
                       <a:r>
-                        <a:rPr lang="en-GB" dirty="0" smtClean="0"/>
+                        <a:rPr lang="en-GB" dirty="0"/>
                         <a:t>0.0</a:t>
                       </a:r>
-                      <a:endParaRPr lang="en-GB" dirty="0"/>
                     </a:p>
                   </a:txBody>
                   <a:tcPr/>
@@ -34848,10 +34491,9 @@
                     <a:lstStyle/>
                     <a:p>
                       <a:r>
-                        <a:rPr lang="en-GB" dirty="0" smtClean="0"/>
+                        <a:rPr lang="en-GB" dirty="0"/>
                         <a:t>0.5</a:t>
                       </a:r>
-                      <a:endParaRPr lang="en-GB" dirty="0"/>
                     </a:p>
                   </a:txBody>
                   <a:tcPr/>
@@ -34862,10 +34504,9 @@
                     <a:lstStyle/>
                     <a:p>
                       <a:r>
-                        <a:rPr lang="en-GB" dirty="0" smtClean="0"/>
+                        <a:rPr lang="en-GB" dirty="0"/>
                         <a:t>0.8</a:t>
                       </a:r>
-                      <a:endParaRPr lang="en-GB" dirty="0"/>
                     </a:p>
                   </a:txBody>
                   <a:tcPr/>
@@ -34876,14 +34517,18 @@
                     <a:lstStyle/>
                     <a:p>
                       <a:r>
-                        <a:rPr lang="en-GB" dirty="0" smtClean="0"/>
+                        <a:rPr lang="en-GB" dirty="0"/>
                         <a:t>0.95</a:t>
                       </a:r>
-                      <a:endParaRPr lang="en-GB" dirty="0"/>
                     </a:p>
                   </a:txBody>
                   <a:tcPr/>
                 </a:tc>
+                <a:extLst>
+                  <a:ext uri="{0D108BD9-81ED-4DB2-BD59-A6C34878D82A}">
+                    <a16:rowId xmlns:a16="http://schemas.microsoft.com/office/drawing/2014/main" xmlns="" val="10000"/>
+                  </a:ext>
+                </a:extLst>
               </a:tr>
               <a:tr h="370840">
                 <a:tc>
@@ -34892,10 +34537,9 @@
                     <a:lstStyle/>
                     <a:p>
                       <a:r>
-                        <a:rPr lang="en-GB" dirty="0" smtClean="0"/>
+                        <a:rPr lang="en-GB" dirty="0"/>
                         <a:t>47</a:t>
                       </a:r>
-                      <a:endParaRPr lang="en-GB" dirty="0"/>
                     </a:p>
                   </a:txBody>
                   <a:tcPr/>
@@ -34906,10 +34550,9 @@
                     <a:lstStyle/>
                     <a:p>
                       <a:r>
-                        <a:rPr lang="en-GB" dirty="0" smtClean="0"/>
+                        <a:rPr lang="en-GB" dirty="0"/>
                         <a:t>47</a:t>
                       </a:r>
-                      <a:endParaRPr lang="en-GB" dirty="0"/>
                     </a:p>
                   </a:txBody>
                   <a:tcPr/>
@@ -34920,10 +34563,9 @@
                     <a:lstStyle/>
                     <a:p>
                       <a:r>
-                        <a:rPr lang="en-GB" dirty="0" smtClean="0"/>
+                        <a:rPr lang="en-GB" dirty="0"/>
                         <a:t>46</a:t>
                       </a:r>
-                      <a:endParaRPr lang="en-GB" dirty="0"/>
                     </a:p>
                   </a:txBody>
                   <a:tcPr/>
@@ -34934,10 +34576,9 @@
                     <a:lstStyle/>
                     <a:p>
                       <a:r>
-                        <a:rPr lang="en-GB" dirty="0" smtClean="0"/>
+                        <a:rPr lang="en-GB" dirty="0"/>
                         <a:t>44</a:t>
                       </a:r>
-                      <a:endParaRPr lang="en-GB" dirty="0"/>
                     </a:p>
                   </a:txBody>
                   <a:tcPr/>
@@ -34948,14 +34589,18 @@
                     <a:lstStyle/>
                     <a:p>
                       <a:r>
-                        <a:rPr lang="en-GB" dirty="0" smtClean="0"/>
+                        <a:rPr lang="en-GB" dirty="0"/>
                         <a:t>37</a:t>
                       </a:r>
-                      <a:endParaRPr lang="en-GB" dirty="0"/>
                     </a:p>
                   </a:txBody>
                   <a:tcPr/>
                 </a:tc>
+                <a:extLst>
+                  <a:ext uri="{0D108BD9-81ED-4DB2-BD59-A6C34878D82A}">
+                    <a16:rowId xmlns:a16="http://schemas.microsoft.com/office/drawing/2014/main" xmlns="" val="10001"/>
+                  </a:ext>
+                </a:extLst>
               </a:tr>
               <a:tr h="370840">
                 <a:tc>
@@ -34964,10 +34609,9 @@
                     <a:lstStyle/>
                     <a:p>
                       <a:r>
-                        <a:rPr lang="en-GB" dirty="0" smtClean="0"/>
+                        <a:rPr lang="en-GB" dirty="0"/>
                         <a:t>46</a:t>
                       </a:r>
-                      <a:endParaRPr lang="en-GB" dirty="0"/>
                     </a:p>
                   </a:txBody>
                   <a:tcPr/>
@@ -34978,10 +34622,9 @@
                     <a:lstStyle/>
                     <a:p>
                       <a:r>
-                        <a:rPr lang="en-GB" dirty="0" smtClean="0"/>
+                        <a:rPr lang="en-GB" dirty="0"/>
                         <a:t>45</a:t>
                       </a:r>
-                      <a:endParaRPr lang="en-GB" dirty="0"/>
                     </a:p>
                   </a:txBody>
                   <a:tcPr/>
@@ -34992,10 +34635,9 @@
                     <a:lstStyle/>
                     <a:p>
                       <a:r>
-                        <a:rPr lang="en-GB" dirty="0" smtClean="0"/>
+                        <a:rPr lang="en-GB" dirty="0"/>
                         <a:t>40</a:t>
                       </a:r>
-                      <a:endParaRPr lang="en-GB" dirty="0"/>
                     </a:p>
                   </a:txBody>
                   <a:tcPr/>
@@ -35006,10 +34648,9 @@
                     <a:lstStyle/>
                     <a:p>
                       <a:r>
-                        <a:rPr lang="en-GB" dirty="0" smtClean="0"/>
+                        <a:rPr lang="en-GB" dirty="0"/>
                         <a:t>32</a:t>
                       </a:r>
-                      <a:endParaRPr lang="en-GB" dirty="0"/>
                     </a:p>
                   </a:txBody>
                   <a:tcPr/>
@@ -35020,14 +34661,18 @@
                     <a:lstStyle/>
                     <a:p>
                       <a:r>
-                        <a:rPr lang="en-GB" dirty="0" smtClean="0"/>
+                        <a:rPr lang="en-GB" dirty="0"/>
                         <a:t>10</a:t>
                       </a:r>
-                      <a:endParaRPr lang="en-GB" dirty="0"/>
                     </a:p>
                   </a:txBody>
                   <a:tcPr/>
                 </a:tc>
+                <a:extLst>
+                  <a:ext uri="{0D108BD9-81ED-4DB2-BD59-A6C34878D82A}">
+                    <a16:rowId xmlns:a16="http://schemas.microsoft.com/office/drawing/2014/main" xmlns="" val="10002"/>
+                  </a:ext>
+                </a:extLst>
               </a:tr>
               <a:tr h="370840">
                 <a:tc>
@@ -35036,10 +34681,9 @@
                     <a:lstStyle/>
                     <a:p>
                       <a:r>
-                        <a:rPr lang="en-GB" dirty="0" smtClean="0"/>
+                        <a:rPr lang="en-GB" dirty="0"/>
                         <a:t>41</a:t>
                       </a:r>
-                      <a:endParaRPr lang="en-GB" dirty="0"/>
                     </a:p>
                   </a:txBody>
                   <a:tcPr/>
@@ -35050,10 +34694,9 @@
                     <a:lstStyle/>
                     <a:p>
                       <a:r>
-                        <a:rPr lang="en-GB" dirty="0" smtClean="0"/>
+                        <a:rPr lang="en-GB" dirty="0"/>
                         <a:t>37</a:t>
                       </a:r>
-                      <a:endParaRPr lang="en-GB" dirty="0"/>
                     </a:p>
                   </a:txBody>
                   <a:tcPr/>
@@ -35064,10 +34707,9 @@
                     <a:lstStyle/>
                     <a:p>
                       <a:r>
-                        <a:rPr lang="en-GB" dirty="0" smtClean="0"/>
+                        <a:rPr lang="en-GB" dirty="0"/>
                         <a:t>25</a:t>
                       </a:r>
-                      <a:endParaRPr lang="en-GB" dirty="0"/>
                     </a:p>
                   </a:txBody>
                   <a:tcPr/>
@@ -35078,10 +34720,9 @@
                     <a:lstStyle/>
                     <a:p>
                       <a:r>
-                        <a:rPr lang="en-GB" dirty="0" smtClean="0"/>
+                        <a:rPr lang="en-GB" dirty="0"/>
                         <a:t>10</a:t>
                       </a:r>
-                      <a:endParaRPr lang="en-GB" dirty="0"/>
                     </a:p>
                   </a:txBody>
                   <a:tcPr/>
@@ -35092,14 +34733,18 @@
                     <a:lstStyle/>
                     <a:p>
                       <a:r>
-                        <a:rPr lang="en-GB" dirty="0" smtClean="0"/>
+                        <a:rPr lang="en-GB" dirty="0"/>
                         <a:t>3</a:t>
                       </a:r>
-                      <a:endParaRPr lang="en-GB" dirty="0"/>
                     </a:p>
                   </a:txBody>
                   <a:tcPr/>
                 </a:tc>
+                <a:extLst>
+                  <a:ext uri="{0D108BD9-81ED-4DB2-BD59-A6C34878D82A}">
+                    <a16:rowId xmlns:a16="http://schemas.microsoft.com/office/drawing/2014/main" xmlns="" val="10003"/>
+                  </a:ext>
+                </a:extLst>
               </a:tr>
             </a:tbl>
           </a:graphicData>
@@ -35129,10 +34774,9 @@
           <a:p>
             <a:pPr algn="l"/>
             <a:r>
-              <a:rPr lang="en-GB" sz="1600" dirty="0" smtClean="0"/>
+              <a:rPr lang="en-GB" sz="1600" dirty="0"/>
               <a:t>Correlation between strategies</a:t>
             </a:r>
-            <a:endParaRPr lang="en-GB" sz="1600" dirty="0"/>
           </a:p>
         </p:txBody>
       </p:sp>
@@ -35161,7 +34805,13 @@
                 <a:tableStyleId>{21E4AEA4-8DFA-4A89-87EB-49C32662AFE0}</a:tableStyleId>
               </a:tblPr>
               <a:tblGrid>
-                <a:gridCol w="997181"/>
+                <a:gridCol w="997181">
+                  <a:extLst>
+                    <a:ext uri="{9D8B030D-6E8A-4147-A177-3AD203B41FA5}">
+                      <a16:colId xmlns:a16="http://schemas.microsoft.com/office/drawing/2014/main" xmlns="" val="20000"/>
+                    </a:ext>
+                  </a:extLst>
+                </a:gridCol>
               </a:tblGrid>
               <a:tr h="370840">
                 <a:tc>
@@ -35174,6 +34824,11 @@
                   </a:txBody>
                   <a:tcPr/>
                 </a:tc>
+                <a:extLst>
+                  <a:ext uri="{0D108BD9-81ED-4DB2-BD59-A6C34878D82A}">
+                    <a16:rowId xmlns:a16="http://schemas.microsoft.com/office/drawing/2014/main" xmlns="" val="10000"/>
+                  </a:ext>
+                </a:extLst>
               </a:tr>
               <a:tr h="370840">
                 <a:tc>
@@ -35182,14 +34837,18 @@
                     <a:lstStyle/>
                     <a:p>
                       <a:r>
-                        <a:rPr lang="en-GB" dirty="0" smtClean="0"/>
+                        <a:rPr lang="en-GB" dirty="0"/>
                         <a:t>0.1</a:t>
                       </a:r>
-                      <a:endParaRPr lang="en-GB" dirty="0"/>
                     </a:p>
                   </a:txBody>
                   <a:tcPr/>
                 </a:tc>
+                <a:extLst>
+                  <a:ext uri="{0D108BD9-81ED-4DB2-BD59-A6C34878D82A}">
+                    <a16:rowId xmlns:a16="http://schemas.microsoft.com/office/drawing/2014/main" xmlns="" val="10001"/>
+                  </a:ext>
+                </a:extLst>
               </a:tr>
               <a:tr h="370840">
                 <a:tc>
@@ -35198,14 +34857,18 @@
                     <a:lstStyle/>
                     <a:p>
                       <a:r>
-                        <a:rPr lang="en-GB" dirty="0" smtClean="0"/>
+                        <a:rPr lang="en-GB" dirty="0"/>
                         <a:t>0.25</a:t>
                       </a:r>
-                      <a:endParaRPr lang="en-GB" dirty="0"/>
                     </a:p>
                   </a:txBody>
                   <a:tcPr/>
                 </a:tc>
+                <a:extLst>
+                  <a:ext uri="{0D108BD9-81ED-4DB2-BD59-A6C34878D82A}">
+                    <a16:rowId xmlns:a16="http://schemas.microsoft.com/office/drawing/2014/main" xmlns="" val="10002"/>
+                  </a:ext>
+                </a:extLst>
               </a:tr>
               <a:tr h="370840">
                 <a:tc>
@@ -35214,14 +34877,18 @@
                     <a:lstStyle/>
                     <a:p>
                       <a:r>
-                        <a:rPr lang="en-GB" dirty="0" smtClean="0"/>
+                        <a:rPr lang="en-GB" dirty="0"/>
                         <a:t>0.5</a:t>
                       </a:r>
-                      <a:endParaRPr lang="en-GB" dirty="0"/>
                     </a:p>
                   </a:txBody>
                   <a:tcPr/>
                 </a:tc>
+                <a:extLst>
+                  <a:ext uri="{0D108BD9-81ED-4DB2-BD59-A6C34878D82A}">
+                    <a16:rowId xmlns:a16="http://schemas.microsoft.com/office/drawing/2014/main" xmlns="" val="10003"/>
+                  </a:ext>
+                </a:extLst>
               </a:tr>
             </a:tbl>
           </a:graphicData>
@@ -35251,10 +34918,9 @@
           <a:p>
             <a:pPr algn="l"/>
             <a:r>
-              <a:rPr lang="en-GB" dirty="0" smtClean="0"/>
+              <a:rPr lang="en-GB" dirty="0"/>
               <a:t>Sharpe Ratio advantage</a:t>
             </a:r>
-            <a:endParaRPr lang="en-GB" dirty="0"/>
           </a:p>
         </p:txBody>
       </p:sp>
@@ -35282,10 +34948,9 @@
           <a:p>
             <a:pPr algn="l"/>
             <a:r>
-              <a:rPr lang="en-GB" sz="800" b="0" i="1" dirty="0" smtClean="0"/>
+              <a:rPr lang="en-GB" sz="800" b="0" i="1" dirty="0"/>
               <a:t>Source: Systematic Trading</a:t>
             </a:r>
-            <a:endParaRPr lang="en-GB" sz="800" b="0" i="1" dirty="0"/>
           </a:p>
         </p:txBody>
       </p:sp>
@@ -35299,13 +34964,6 @@
   <p:clrMapOvr>
     <a:masterClrMapping/>
   </p:clrMapOvr>
-  <p:timing>
-    <p:tnLst>
-      <p:par>
-        <p:cTn id="1" dur="indefinite" restart="never" nodeType="tmRoot"/>
-      </p:par>
-    </p:tnLst>
-  </p:timing>
 </p:sld>
 </file>
 
@@ -35478,7 +35136,7 @@
               <a:pPr/>
               <a:t>9</a:t>
             </a:fld>
-            <a:endParaRPr lang="en-US" altLang="en-US" sz="1000" smtClean="0">
+            <a:endParaRPr lang="en-US" altLang="en-US" sz="1000">
               <a:solidFill>
                 <a:srgbClr val="6E615F"/>
               </a:solidFill>
@@ -35660,7 +35318,7 @@
               </a:rPr>
             </a:br>
             <a:r>
-              <a:rPr lang="en-US" altLang="en-US" sz="2000" b="0" dirty="0" smtClean="0">
+              <a:rPr lang="en-US" altLang="en-US" sz="2000" b="0" dirty="0">
                 <a:solidFill>
                   <a:srgbClr val="FFFFFF"/>
                 </a:solidFill>
@@ -35760,10 +35418,9 @@
             <a:lstStyle/>
             <a:p>
               <a:r>
-                <a:rPr lang="en-GB" dirty="0" smtClean="0"/>
+                <a:rPr lang="en-GB" dirty="0"/>
                 <a:t>Carry X</a:t>
               </a:r>
-              <a:endParaRPr lang="en-GB" dirty="0"/>
             </a:p>
           </p:txBody>
         </p:sp>
@@ -35795,10 +35452,9 @@
             <a:lstStyle/>
             <a:p>
               <a:r>
-                <a:rPr lang="en-GB" dirty="0" smtClean="0"/>
+                <a:rPr lang="en-GB" dirty="0"/>
                 <a:t>EMA X</a:t>
               </a:r>
-              <a:endParaRPr lang="en-GB" dirty="0"/>
             </a:p>
           </p:txBody>
         </p:sp>
@@ -35830,10 +35486,9 @@
             <a:lstStyle/>
             <a:p>
               <a:r>
-                <a:rPr lang="en-GB" dirty="0" smtClean="0"/>
+                <a:rPr lang="en-GB" dirty="0"/>
                 <a:t>IR X</a:t>
               </a:r>
-              <a:endParaRPr lang="en-GB" dirty="0"/>
             </a:p>
           </p:txBody>
         </p:sp>
@@ -35880,10 +35535,9 @@
             <a:lstStyle/>
             <a:p>
               <a:r>
-                <a:rPr lang="en-GB" dirty="0" smtClean="0"/>
+                <a:rPr lang="en-GB" dirty="0"/>
                 <a:t>Carry Y</a:t>
               </a:r>
-              <a:endParaRPr lang="en-GB" dirty="0"/>
             </a:p>
           </p:txBody>
         </p:sp>
@@ -35915,10 +35569,9 @@
             <a:lstStyle/>
             <a:p>
               <a:r>
-                <a:rPr lang="en-GB" dirty="0" smtClean="0"/>
+                <a:rPr lang="en-GB" dirty="0"/>
                 <a:t>EMA Y</a:t>
               </a:r>
-              <a:endParaRPr lang="en-GB" dirty="0"/>
             </a:p>
           </p:txBody>
         </p:sp>
@@ -35950,10 +35603,9 @@
             <a:lstStyle/>
             <a:p>
               <a:r>
-                <a:rPr lang="en-GB" dirty="0" smtClean="0"/>
+                <a:rPr lang="en-GB" dirty="0"/>
                 <a:t>IR Y</a:t>
               </a:r>
-              <a:endParaRPr lang="en-GB" dirty="0"/>
             </a:p>
           </p:txBody>
         </p:sp>
@@ -36000,10 +35652,9 @@
             <a:lstStyle/>
             <a:p>
               <a:r>
-                <a:rPr lang="en-GB" dirty="0" smtClean="0"/>
+                <a:rPr lang="en-GB" dirty="0"/>
                 <a:t>Carry Z</a:t>
               </a:r>
-              <a:endParaRPr lang="en-GB" dirty="0"/>
             </a:p>
           </p:txBody>
         </p:sp>
@@ -36035,10 +35686,9 @@
             <a:lstStyle/>
             <a:p>
               <a:r>
-                <a:rPr lang="en-GB" dirty="0" smtClean="0"/>
+                <a:rPr lang="en-GB" dirty="0"/>
                 <a:t>EMA Z</a:t>
               </a:r>
-              <a:endParaRPr lang="en-GB" dirty="0"/>
             </a:p>
           </p:txBody>
         </p:sp>
@@ -36070,10 +35720,9 @@
             <a:lstStyle/>
             <a:p>
               <a:r>
-                <a:rPr lang="en-GB" dirty="0" smtClean="0"/>
+                <a:rPr lang="en-GB" dirty="0"/>
                 <a:t>IR Z</a:t>
               </a:r>
-              <a:endParaRPr lang="en-GB" dirty="0"/>
             </a:p>
           </p:txBody>
         </p:sp>
@@ -36106,10 +35755,9 @@
           <a:lstStyle/>
           <a:p>
             <a:r>
-              <a:rPr lang="en-GB" dirty="0" smtClean="0"/>
+              <a:rPr lang="en-GB" dirty="0"/>
               <a:t>Combined  signal: X</a:t>
             </a:r>
-            <a:endParaRPr lang="en-GB" dirty="0"/>
           </a:p>
         </p:txBody>
       </p:sp>
@@ -36155,10 +35803,9 @@
             <a:lstStyle/>
             <a:p>
               <a:r>
-                <a:rPr lang="en-GB" dirty="0" smtClean="0"/>
+                <a:rPr lang="en-GB" dirty="0"/>
                 <a:t>Carry Weight X</a:t>
               </a:r>
-              <a:endParaRPr lang="en-GB" dirty="0"/>
             </a:p>
           </p:txBody>
         </p:sp>
@@ -36190,10 +35837,9 @@
             <a:lstStyle/>
             <a:p>
               <a:r>
-                <a:rPr lang="en-GB" dirty="0" smtClean="0"/>
+                <a:rPr lang="en-GB" dirty="0"/>
                 <a:t>EMA Weight X</a:t>
               </a:r>
-              <a:endParaRPr lang="en-GB" dirty="0"/>
             </a:p>
           </p:txBody>
         </p:sp>
@@ -36225,10 +35871,9 @@
             <a:lstStyle/>
             <a:p>
               <a:r>
-                <a:rPr lang="en-GB" dirty="0" smtClean="0"/>
+                <a:rPr lang="en-GB" dirty="0"/>
                 <a:t>IR    Weight X</a:t>
               </a:r>
-              <a:endParaRPr lang="en-GB" dirty="0"/>
             </a:p>
           </p:txBody>
         </p:sp>
@@ -36275,10 +35920,9 @@
             <a:lstStyle/>
             <a:p>
               <a:r>
-                <a:rPr lang="en-GB" dirty="0" smtClean="0"/>
+                <a:rPr lang="en-GB" dirty="0"/>
                 <a:t>Carry Weight Y</a:t>
               </a:r>
-              <a:endParaRPr lang="en-GB" dirty="0"/>
             </a:p>
           </p:txBody>
         </p:sp>
@@ -36310,10 +35954,9 @@
             <a:lstStyle/>
             <a:p>
               <a:r>
-                <a:rPr lang="en-GB" dirty="0" smtClean="0"/>
+                <a:rPr lang="en-GB" dirty="0"/>
                 <a:t>EMA Weight Y</a:t>
               </a:r>
-              <a:endParaRPr lang="en-GB" dirty="0"/>
             </a:p>
           </p:txBody>
         </p:sp>
@@ -36345,10 +35988,9 @@
             <a:lstStyle/>
             <a:p>
               <a:r>
-                <a:rPr lang="en-GB" dirty="0" smtClean="0"/>
+                <a:rPr lang="en-GB" dirty="0"/>
                 <a:t>IR    Weight Y</a:t>
               </a:r>
-              <a:endParaRPr lang="en-GB" dirty="0"/>
             </a:p>
           </p:txBody>
         </p:sp>
@@ -36395,10 +36037,9 @@
             <a:lstStyle/>
             <a:p>
               <a:r>
-                <a:rPr lang="en-GB" dirty="0" smtClean="0"/>
+                <a:rPr lang="en-GB" dirty="0"/>
                 <a:t>Carry Weight Z</a:t>
               </a:r>
-              <a:endParaRPr lang="en-GB" dirty="0"/>
             </a:p>
           </p:txBody>
         </p:sp>
@@ -36430,10 +36071,9 @@
             <a:lstStyle/>
             <a:p>
               <a:r>
-                <a:rPr lang="en-GB" dirty="0" smtClean="0"/>
+                <a:rPr lang="en-GB" dirty="0"/>
                 <a:t>EMA Weight Z</a:t>
               </a:r>
-              <a:endParaRPr lang="en-GB" dirty="0"/>
             </a:p>
           </p:txBody>
         </p:sp>
@@ -36465,10 +36105,9 @@
             <a:lstStyle/>
             <a:p>
               <a:r>
-                <a:rPr lang="en-GB" dirty="0" smtClean="0"/>
+                <a:rPr lang="en-GB" dirty="0"/>
                 <a:t>IR    Weight Z</a:t>
               </a:r>
-              <a:endParaRPr lang="en-GB" dirty="0"/>
             </a:p>
           </p:txBody>
         </p:sp>
@@ -36501,10 +36140,9 @@
           <a:lstStyle/>
           <a:p>
             <a:r>
-              <a:rPr lang="en-GB" dirty="0" smtClean="0"/>
+              <a:rPr lang="en-GB" dirty="0"/>
               <a:t>Combined  signal: Y</a:t>
             </a:r>
-            <a:endParaRPr lang="en-GB" dirty="0"/>
           </a:p>
         </p:txBody>
       </p:sp>
@@ -36536,10 +36174,9 @@
           <a:lstStyle/>
           <a:p>
             <a:r>
-              <a:rPr lang="en-GB" dirty="0" smtClean="0"/>
+              <a:rPr lang="en-GB" dirty="0"/>
               <a:t>Combined  signal: Z</a:t>
             </a:r>
-            <a:endParaRPr lang="en-GB" dirty="0"/>
           </a:p>
         </p:txBody>
       </p:sp>
@@ -36571,10 +36208,9 @@
           <a:lstStyle/>
           <a:p>
             <a:r>
-              <a:rPr lang="en-GB" dirty="0" smtClean="0"/>
+              <a:rPr lang="en-GB" dirty="0"/>
               <a:t>Weight  X</a:t>
             </a:r>
-            <a:endParaRPr lang="en-GB" dirty="0"/>
           </a:p>
         </p:txBody>
       </p:sp>
@@ -36606,10 +36242,9 @@
           <a:lstStyle/>
           <a:p>
             <a:r>
-              <a:rPr lang="en-GB" dirty="0" smtClean="0"/>
+              <a:rPr lang="en-GB" dirty="0"/>
               <a:t>Weight  Y</a:t>
             </a:r>
-            <a:endParaRPr lang="en-GB" dirty="0"/>
           </a:p>
         </p:txBody>
       </p:sp>
@@ -36641,10 +36276,9 @@
           <a:lstStyle/>
           <a:p>
             <a:r>
-              <a:rPr lang="en-GB" dirty="0" smtClean="0"/>
+              <a:rPr lang="en-GB" dirty="0"/>
               <a:t>Weight  Z</a:t>
             </a:r>
-            <a:endParaRPr lang="en-GB" dirty="0"/>
           </a:p>
         </p:txBody>
       </p:sp>
@@ -36894,7 +36528,7 @@
               <a:tabLst/>
             </a:pPr>
             <a:r>
-              <a:rPr kumimoji="0" lang="en-GB" sz="1600" b="0" i="0" u="none" strike="noStrike" cap="none" normalizeH="0" baseline="0" dirty="0" smtClean="0">
+              <a:rPr kumimoji="0" lang="en-GB" sz="1600" b="0" i="0" u="none" strike="noStrike" cap="none" normalizeH="0" baseline="0" dirty="0">
                 <a:ln>
                   <a:noFill/>
                 </a:ln>
@@ -36909,7 +36543,7 @@
               <a:t>Technical</a:t>
             </a:r>
             <a:r>
-              <a:rPr kumimoji="0" lang="en-GB" sz="1600" b="0" i="0" u="none" strike="noStrike" cap="none" normalizeH="0" dirty="0" smtClean="0">
+              <a:rPr kumimoji="0" lang="en-GB" sz="1600" b="0" i="0" u="none" strike="noStrike" cap="none" normalizeH="0" dirty="0">
                 <a:ln>
                   <a:noFill/>
                 </a:ln>
@@ -37208,21 +36842,6 @@
   <p:clrMapOvr>
     <a:masterClrMapping/>
   </p:clrMapOvr>
-  <mc:AlternateContent xmlns:mc="http://schemas.openxmlformats.org/markup-compatibility/2006" xmlns:p14="http://schemas.microsoft.com/office/powerpoint/2010/main">
-    <mc:Choice Requires="p14">
-      <p:transition spd="slow" p14:dur="2000"/>
-    </mc:Choice>
-    <mc:Fallback xmlns="">
-      <p:transition spd="slow"/>
-    </mc:Fallback>
-  </mc:AlternateContent>
-  <p:timing>
-    <p:tnLst>
-      <p:par>
-        <p:cTn id="1" dur="indefinite" restart="never" nodeType="tmRoot"/>
-      </p:par>
-    </p:tnLst>
-  </p:timing>
 </p:sld>
 </file>
 

--- a/Presentation/t-model.pptx
+++ b/Presentation/t-model.pptx
@@ -16,7 +16,7 @@
   </p:handoutMasterIdLst>
   <p:sldIdLst>
     <p:sldId id="906" r:id="rId6"/>
-    <p:sldId id="892" r:id="rId7"/>
+    <p:sldId id="914" r:id="rId7"/>
     <p:sldId id="893" r:id="rId8"/>
     <p:sldId id="895" r:id="rId9"/>
     <p:sldId id="896" r:id="rId10"/>
@@ -493,6 +493,10 @@
             <a:pPr>
               <a:defRPr/>
             </a:pPr>
+            <a:r>
+              <a:rPr lang="en-US" altLang="en-US" smtClean="0"/>
+              <a:t>SPECTRION TECHNOLOGIES</a:t>
+            </a:r>
             <a:endParaRPr lang="en-US" altLang="en-US"/>
           </a:p>
         </p:txBody>
@@ -591,6 +595,7 @@
     </p:extLst>
   </p:cSld>
   <p:clrMap bg1="lt1" tx1="dk1" bg2="lt2" tx2="dk2" accent1="accent1" accent2="accent2" accent3="accent3" accent4="accent4" accent5="accent5" accent6="accent6" hlink="hlink" folHlink="folHlink"/>
+  <p:hf hdr="0" dt="0"/>
 </p:handoutMaster>
 </file>
 
@@ -959,6 +964,10 @@
             <a:pPr>
               <a:defRPr/>
             </a:pPr>
+            <a:r>
+              <a:rPr lang="en-US" altLang="en-US" smtClean="0"/>
+              <a:t>SPECTRION TECHNOLOGIES</a:t>
+            </a:r>
             <a:endParaRPr lang="en-US" altLang="en-US"/>
           </a:p>
         </p:txBody>
@@ -1047,6 +1056,7 @@
     </p:extLst>
   </p:cSld>
   <p:clrMap bg1="lt1" tx1="dk1" bg2="lt2" tx2="dk2" accent1="accent1" accent2="accent2" accent3="accent3" accent4="accent4" accent5="accent5" accent6="accent6" hlink="hlink" folHlink="folHlink"/>
+  <p:hf hdr="0" dt="0"/>
   <p:notesStyle>
     <a:lvl1pPr algn="l" rtl="0" eaLnBrk="0" fontAlgn="base" hangingPunct="0">
       <a:spcBef>
@@ -1252,6 +1262,32 @@
           </a:p>
         </p:txBody>
       </p:sp>
+      <p:sp>
+        <p:nvSpPr>
+          <p:cNvPr id="2" name="Footer Placeholder 1"/>
+          <p:cNvSpPr>
+            <a:spLocks noGrp="1"/>
+          </p:cNvSpPr>
+          <p:nvPr>
+            <p:ph type="ftr" sz="quarter" idx="10"/>
+          </p:nvPr>
+        </p:nvSpPr>
+        <p:spPr/>
+        <p:txBody>
+          <a:bodyPr/>
+          <a:lstStyle/>
+          <a:p>
+            <a:pPr>
+              <a:defRPr/>
+            </a:pPr>
+            <a:r>
+              <a:rPr lang="en-US" altLang="en-US" smtClean="0"/>
+              <a:t>SPECTRION TECHNOLOGIES</a:t>
+            </a:r>
+            <a:endParaRPr lang="en-US" altLang="en-US"/>
+          </a:p>
+        </p:txBody>
+      </p:sp>
     </p:spTree>
     <p:extLst>
       <p:ext uri="{BB962C8B-B14F-4D97-AF65-F5344CB8AC3E}">
@@ -1309,18 +1345,18 @@
           <a:bodyPr/>
           <a:lstStyle/>
           <a:p>
-            <a:endParaRPr lang="en-GB" dirty="0"/>
-          </a:p>
-        </p:txBody>
-      </p:sp>
-      <p:sp>
-        <p:nvSpPr>
-          <p:cNvPr id="4" name="Slide Number Placeholder 3"/>
+            <a:endParaRPr lang="en-GB"/>
+          </a:p>
+        </p:txBody>
+      </p:sp>
+      <p:sp>
+        <p:nvSpPr>
+          <p:cNvPr id="4" name="Footer Placeholder 3"/>
           <p:cNvSpPr>
             <a:spLocks noGrp="1"/>
           </p:cNvSpPr>
           <p:nvPr>
-            <p:ph type="sldNum" sz="quarter" idx="10"/>
+            <p:ph type="ftr" sz="quarter" idx="10"/>
           </p:nvPr>
         </p:nvSpPr>
         <p:spPr/>
@@ -1331,21 +1367,163 @@
             <a:pPr>
               <a:defRPr/>
             </a:pPr>
-            <a:fld id="{A14E5A67-7152-4B1B-BC63-FF3A1D8D2B1D}" type="slidenum">
-              <a:rPr lang="en-GB" smtClean="0"/>
+            <a:r>
+              <a:rPr lang="en-US" altLang="en-US" smtClean="0"/>
+              <a:t>SPECTRION TECHNOLOGIES</a:t>
+            </a:r>
+            <a:endParaRPr lang="en-US" altLang="en-US"/>
+          </a:p>
+        </p:txBody>
+      </p:sp>
+      <p:sp>
+        <p:nvSpPr>
+          <p:cNvPr id="5" name="Slide Number Placeholder 4"/>
+          <p:cNvSpPr>
+            <a:spLocks noGrp="1"/>
+          </p:cNvSpPr>
+          <p:nvPr>
+            <p:ph type="sldNum" sz="quarter" idx="11"/>
+          </p:nvPr>
+        </p:nvSpPr>
+        <p:spPr/>
+        <p:txBody>
+          <a:bodyPr/>
+          <a:lstStyle/>
+          <a:p>
+            <a:pPr>
+              <a:defRPr/>
+            </a:pPr>
+            <a:fld id="{95BC8424-FDCE-4803-894B-356F2CB1E774}" type="slidenum">
+              <a:rPr lang="en-GB" altLang="en-US" smtClean="0"/>
               <a:pPr>
                 <a:defRPr/>
               </a:pPr>
               <a:t>2</a:t>
             </a:fld>
-            <a:endParaRPr lang="en-GB" dirty="0"/>
+            <a:endParaRPr lang="en-GB" altLang="en-US"/>
           </a:p>
         </p:txBody>
       </p:sp>
     </p:spTree>
     <p:extLst>
       <p:ext uri="{BB962C8B-B14F-4D97-AF65-F5344CB8AC3E}">
-        <p14:creationId xmlns:p14="http://schemas.microsoft.com/office/powerpoint/2010/main" val="3709857866"/>
+        <p14:creationId xmlns:p14="http://schemas.microsoft.com/office/powerpoint/2010/main" val="1877466955"/>
+      </p:ext>
+    </p:extLst>
+  </p:cSld>
+  <p:clrMapOvr>
+    <a:masterClrMapping/>
+  </p:clrMapOvr>
+</p:notes>
+</file>
+
+<file path=ppt/notesSlides/notesSlide3.xml><?xml version="1.0" encoding="utf-8"?>
+<p:notes xmlns:a="http://schemas.openxmlformats.org/drawingml/2006/main" xmlns:r="http://schemas.openxmlformats.org/officeDocument/2006/relationships" xmlns:p="http://schemas.openxmlformats.org/presentationml/2006/main">
+  <p:cSld>
+    <p:spTree>
+      <p:nvGrpSpPr>
+        <p:cNvPr id="1" name=""/>
+        <p:cNvGrpSpPr/>
+        <p:nvPr/>
+      </p:nvGrpSpPr>
+      <p:grpSpPr>
+        <a:xfrm>
+          <a:off x="0" y="0"/>
+          <a:ext cx="0" cy="0"/>
+          <a:chOff x="0" y="0"/>
+          <a:chExt cx="0" cy="0"/>
+        </a:xfrm>
+      </p:grpSpPr>
+      <p:sp>
+        <p:nvSpPr>
+          <p:cNvPr id="2" name="Slide Image Placeholder 1"/>
+          <p:cNvSpPr>
+            <a:spLocks noGrp="1" noRot="1" noChangeAspect="1"/>
+          </p:cNvSpPr>
+          <p:nvPr>
+            <p:ph type="sldImg"/>
+          </p:nvPr>
+        </p:nvSpPr>
+        <p:spPr/>
+      </p:sp>
+      <p:sp>
+        <p:nvSpPr>
+          <p:cNvPr id="3" name="Notes Placeholder 2"/>
+          <p:cNvSpPr>
+            <a:spLocks noGrp="1"/>
+          </p:cNvSpPr>
+          <p:nvPr>
+            <p:ph type="body" idx="1"/>
+          </p:nvPr>
+        </p:nvSpPr>
+        <p:spPr/>
+        <p:txBody>
+          <a:bodyPr/>
+          <a:lstStyle/>
+          <a:p>
+            <a:endParaRPr lang="en-GB"/>
+          </a:p>
+        </p:txBody>
+      </p:sp>
+      <p:sp>
+        <p:nvSpPr>
+          <p:cNvPr id="4" name="Footer Placeholder 3"/>
+          <p:cNvSpPr>
+            <a:spLocks noGrp="1"/>
+          </p:cNvSpPr>
+          <p:nvPr>
+            <p:ph type="ftr" sz="quarter" idx="10"/>
+          </p:nvPr>
+        </p:nvSpPr>
+        <p:spPr/>
+        <p:txBody>
+          <a:bodyPr/>
+          <a:lstStyle/>
+          <a:p>
+            <a:pPr>
+              <a:defRPr/>
+            </a:pPr>
+            <a:r>
+              <a:rPr lang="en-US" altLang="en-US" smtClean="0"/>
+              <a:t>SPECTRION TECHNOLOGIES</a:t>
+            </a:r>
+            <a:endParaRPr lang="en-US" altLang="en-US"/>
+          </a:p>
+        </p:txBody>
+      </p:sp>
+      <p:sp>
+        <p:nvSpPr>
+          <p:cNvPr id="5" name="Slide Number Placeholder 4"/>
+          <p:cNvSpPr>
+            <a:spLocks noGrp="1"/>
+          </p:cNvSpPr>
+          <p:nvPr>
+            <p:ph type="sldNum" sz="quarter" idx="11"/>
+          </p:nvPr>
+        </p:nvSpPr>
+        <p:spPr/>
+        <p:txBody>
+          <a:bodyPr/>
+          <a:lstStyle/>
+          <a:p>
+            <a:pPr>
+              <a:defRPr/>
+            </a:pPr>
+            <a:fld id="{95BC8424-FDCE-4803-894B-356F2CB1E774}" type="slidenum">
+              <a:rPr lang="en-GB" altLang="en-US" smtClean="0"/>
+              <a:pPr>
+                <a:defRPr/>
+              </a:pPr>
+              <a:t>3</a:t>
+            </a:fld>
+            <a:endParaRPr lang="en-GB" altLang="en-US"/>
+          </a:p>
+        </p:txBody>
+      </p:sp>
+    </p:spTree>
+    <p:extLst>
+      <p:ext uri="{BB962C8B-B14F-4D97-AF65-F5344CB8AC3E}">
+        <p14:creationId xmlns:p14="http://schemas.microsoft.com/office/powerpoint/2010/main" val="2900775160"/>
       </p:ext>
     </p:extLst>
   </p:cSld>
@@ -1793,9 +1971,10 @@
               <a:defRPr/>
             </a:pPr>
             <a:r>
-              <a:rPr lang="en-GB"/>
-              <a:t>Product &amp; Proposition Performance Committee</a:t>
-            </a:r>
+              <a:rPr lang="en-GB" smtClean="0"/>
+              <a:t>SPECTRION TECHNOLOGIES</a:t>
+            </a:r>
+            <a:endParaRPr lang="en-GB"/>
           </a:p>
         </p:txBody>
       </p:sp>
@@ -1974,9 +2153,10 @@
               <a:defRPr/>
             </a:pPr>
             <a:r>
-              <a:rPr lang="en-GB"/>
-              <a:t>Product &amp; Proposition Performance Committee</a:t>
-            </a:r>
+              <a:rPr lang="en-GB" smtClean="0"/>
+              <a:t>SPECTRION TECHNOLOGIES</a:t>
+            </a:r>
+            <a:endParaRPr lang="en-GB"/>
           </a:p>
         </p:txBody>
       </p:sp>
@@ -2123,9 +2303,10 @@
               <a:defRPr/>
             </a:pPr>
             <a:r>
-              <a:rPr lang="en-GB"/>
-              <a:t>Product &amp; Proposition Performance Committee</a:t>
-            </a:r>
+              <a:rPr lang="en-GB" smtClean="0"/>
+              <a:t>SPECTRION TECHNOLOGIES</a:t>
+            </a:r>
+            <a:endParaRPr lang="en-GB"/>
           </a:p>
         </p:txBody>
       </p:sp>
@@ -2631,9 +2812,10 @@
               <a:defRPr/>
             </a:pPr>
             <a:r>
-              <a:rPr lang="en-GB"/>
-              <a:t>Product &amp; Proposition Performance Committee</a:t>
-            </a:r>
+              <a:rPr lang="en-GB" smtClean="0"/>
+              <a:t>SPECTRION TECHNOLOGIES</a:t>
+            </a:r>
+            <a:endParaRPr lang="en-GB"/>
           </a:p>
         </p:txBody>
       </p:sp>
@@ -2824,9 +3006,10 @@
               <a:defRPr/>
             </a:pPr>
             <a:r>
-              <a:rPr lang="en-GB"/>
-              <a:t>Product &amp; Proposition Performance Committee</a:t>
-            </a:r>
+              <a:rPr lang="en-GB" smtClean="0"/>
+              <a:t>SPECTRION TECHNOLOGIES</a:t>
+            </a:r>
+            <a:endParaRPr lang="en-GB"/>
           </a:p>
         </p:txBody>
       </p:sp>
@@ -3113,9 +3296,10 @@
               <a:defRPr/>
             </a:pPr>
             <a:r>
-              <a:rPr lang="en-GB"/>
-              <a:t>Product &amp; Proposition Performance Committee</a:t>
-            </a:r>
+              <a:rPr lang="en-GB" smtClean="0"/>
+              <a:t>SPECTRION TECHNOLOGIES</a:t>
+            </a:r>
+            <a:endParaRPr lang="en-GB"/>
           </a:p>
         </p:txBody>
       </p:sp>
@@ -3541,9 +3725,10 @@
               <a:defRPr/>
             </a:pPr>
             <a:r>
-              <a:rPr lang="en-GB"/>
-              <a:t>Product &amp; Proposition Performance Committee</a:t>
-            </a:r>
+              <a:rPr lang="en-GB" smtClean="0"/>
+              <a:t>SPECTRION TECHNOLOGIES</a:t>
+            </a:r>
+            <a:endParaRPr lang="en-GB"/>
           </a:p>
         </p:txBody>
       </p:sp>
@@ -3660,9 +3845,10 @@
               <a:defRPr/>
             </a:pPr>
             <a:r>
-              <a:rPr lang="en-GB"/>
-              <a:t>Product &amp; Proposition Performance Committee</a:t>
-            </a:r>
+              <a:rPr lang="en-GB" smtClean="0"/>
+              <a:t>SPECTRION TECHNOLOGIES</a:t>
+            </a:r>
+            <a:endParaRPr lang="en-GB"/>
           </a:p>
         </p:txBody>
       </p:sp>
@@ -3756,9 +3942,10 @@
               <a:defRPr/>
             </a:pPr>
             <a:r>
-              <a:rPr lang="en-GB"/>
-              <a:t>Product &amp; Proposition Performance Committee</a:t>
-            </a:r>
+              <a:rPr lang="en-GB" smtClean="0"/>
+              <a:t>SPECTRION TECHNOLOGIES</a:t>
+            </a:r>
+            <a:endParaRPr lang="en-GB"/>
           </a:p>
         </p:txBody>
       </p:sp>
@@ -3927,9 +4114,10 @@
               <a:defRPr/>
             </a:pPr>
             <a:r>
-              <a:rPr lang="en-GB"/>
-              <a:t>Product &amp; Proposition Performance Committee</a:t>
-            </a:r>
+              <a:rPr lang="en-GB" smtClean="0"/>
+              <a:t>SPECTRION TECHNOLOGIES</a:t>
+            </a:r>
+            <a:endParaRPr lang="en-GB"/>
           </a:p>
         </p:txBody>
       </p:sp>
@@ -4205,9 +4393,10 @@
               <a:defRPr/>
             </a:pPr>
             <a:r>
-              <a:rPr lang="en-GB"/>
-              <a:t>Product &amp; Proposition Performance Committee</a:t>
-            </a:r>
+              <a:rPr lang="en-GB" smtClean="0"/>
+              <a:t>SPECTRION TECHNOLOGIES</a:t>
+            </a:r>
+            <a:endParaRPr lang="en-GB"/>
           </a:p>
         </p:txBody>
       </p:sp>
@@ -4460,9 +4649,10 @@
               <a:defRPr/>
             </a:pPr>
             <a:r>
-              <a:rPr lang="en-GB"/>
-              <a:t>Product &amp; Proposition Performance Committee</a:t>
-            </a:r>
+              <a:rPr lang="en-GB" smtClean="0"/>
+              <a:t>SPECTRION TECHNOLOGIES</a:t>
+            </a:r>
+            <a:endParaRPr lang="en-GB"/>
           </a:p>
         </p:txBody>
       </p:sp>
@@ -4631,9 +4821,10 @@
               <a:defRPr/>
             </a:pPr>
             <a:r>
-              <a:rPr lang="en-GB"/>
-              <a:t>Product &amp; Proposition Performance Committee</a:t>
-            </a:r>
+              <a:rPr lang="en-GB" smtClean="0"/>
+              <a:t>SPECTRION TECHNOLOGIES</a:t>
+            </a:r>
+            <a:endParaRPr lang="en-GB"/>
           </a:p>
         </p:txBody>
       </p:sp>
@@ -4812,9 +5003,10 @@
               <a:defRPr/>
             </a:pPr>
             <a:r>
-              <a:rPr lang="en-GB"/>
-              <a:t>Product &amp; Proposition Performance Committee</a:t>
-            </a:r>
+              <a:rPr lang="en-GB" smtClean="0"/>
+              <a:t>SPECTRION TECHNOLOGIES</a:t>
+            </a:r>
+            <a:endParaRPr lang="en-GB"/>
           </a:p>
         </p:txBody>
       </p:sp>
@@ -4961,9 +5153,10 @@
               <a:defRPr/>
             </a:pPr>
             <a:r>
-              <a:rPr lang="en-GB"/>
-              <a:t>Product &amp; Proposition Performance Committee</a:t>
-            </a:r>
+              <a:rPr lang="en-GB" smtClean="0"/>
+              <a:t>SPECTRION TECHNOLOGIES</a:t>
+            </a:r>
+            <a:endParaRPr lang="en-GB"/>
           </a:p>
         </p:txBody>
       </p:sp>
@@ -5585,9 +5778,10 @@
               <a:defRPr/>
             </a:pPr>
             <a:r>
-              <a:rPr lang="en-US"/>
-              <a:t>[Presentation main title as per title page]</a:t>
-            </a:r>
+              <a:rPr lang="en-US" smtClean="0"/>
+              <a:t>SPECTRION TECHNOLOGIES</a:t>
+            </a:r>
+            <a:endParaRPr lang="en-US"/>
           </a:p>
         </p:txBody>
       </p:sp>
@@ -5773,9 +5967,10 @@
               <a:defRPr/>
             </a:pPr>
             <a:r>
-              <a:rPr lang="en-US"/>
-              <a:t>[Presentation main title as per title page]</a:t>
-            </a:r>
+              <a:rPr lang="en-US" smtClean="0"/>
+              <a:t>SPECTRION TECHNOLOGIES</a:t>
+            </a:r>
+            <a:endParaRPr lang="en-US"/>
           </a:p>
         </p:txBody>
       </p:sp>
@@ -6055,9 +6250,10 @@
               <a:defRPr/>
             </a:pPr>
             <a:r>
-              <a:rPr lang="en-US"/>
-              <a:t>[Presentation main title as per title page]</a:t>
-            </a:r>
+              <a:rPr lang="en-US" smtClean="0"/>
+              <a:t>SPECTRION TECHNOLOGIES</a:t>
+            </a:r>
+            <a:endParaRPr lang="en-US"/>
           </a:p>
         </p:txBody>
       </p:sp>
@@ -6476,9 +6672,10 @@
               <a:defRPr/>
             </a:pPr>
             <a:r>
-              <a:rPr lang="en-US"/>
-              <a:t>[Presentation main title as per title page]</a:t>
-            </a:r>
+              <a:rPr lang="en-US" smtClean="0"/>
+              <a:t>SPECTRION TECHNOLOGIES</a:t>
+            </a:r>
+            <a:endParaRPr lang="en-US"/>
           </a:p>
         </p:txBody>
       </p:sp>
@@ -6667,9 +6864,10 @@
               <a:defRPr/>
             </a:pPr>
             <a:r>
-              <a:rPr lang="en-GB"/>
-              <a:t>Product &amp; Proposition Performance Committee</a:t>
-            </a:r>
+              <a:rPr lang="en-GB" smtClean="0"/>
+              <a:t>SPECTRION TECHNOLOGIES</a:t>
+            </a:r>
+            <a:endParaRPr lang="en-GB"/>
           </a:p>
         </p:txBody>
       </p:sp>
@@ -6783,9 +6981,10 @@
               <a:defRPr/>
             </a:pPr>
             <a:r>
-              <a:rPr lang="en-US"/>
-              <a:t>[Presentation main title as per title page]</a:t>
-            </a:r>
+              <a:rPr lang="en-US" smtClean="0"/>
+              <a:t>SPECTRION TECHNOLOGIES</a:t>
+            </a:r>
+            <a:endParaRPr lang="en-US"/>
           </a:p>
         </p:txBody>
       </p:sp>
@@ -6875,9 +7074,10 @@
               <a:defRPr/>
             </a:pPr>
             <a:r>
-              <a:rPr lang="en-US"/>
-              <a:t>[Presentation main title as per title page]</a:t>
-            </a:r>
+              <a:rPr lang="en-US" smtClean="0"/>
+              <a:t>SPECTRION TECHNOLOGIES</a:t>
+            </a:r>
+            <a:endParaRPr lang="en-US"/>
           </a:p>
         </p:txBody>
       </p:sp>
@@ -7147,9 +7347,10 @@
               <a:defRPr/>
             </a:pPr>
             <a:r>
-              <a:rPr lang="en-US"/>
-              <a:t>[Presentation main title as per title page]</a:t>
-            </a:r>
+              <a:rPr lang="en-US" smtClean="0"/>
+              <a:t>SPECTRION TECHNOLOGIES</a:t>
+            </a:r>
+            <a:endParaRPr lang="en-US"/>
           </a:p>
         </p:txBody>
       </p:sp>
@@ -7397,9 +7598,10 @@
               <a:defRPr/>
             </a:pPr>
             <a:r>
-              <a:rPr lang="en-US"/>
-              <a:t>[Presentation main title as per title page]</a:t>
-            </a:r>
+              <a:rPr lang="en-US" smtClean="0"/>
+              <a:t>SPECTRION TECHNOLOGIES</a:t>
+            </a:r>
+            <a:endParaRPr lang="en-US"/>
           </a:p>
         </p:txBody>
       </p:sp>
@@ -7562,9 +7764,10 @@
               <a:defRPr/>
             </a:pPr>
             <a:r>
-              <a:rPr lang="en-US"/>
-              <a:t>[Presentation main title as per title page]</a:t>
-            </a:r>
+              <a:rPr lang="en-US" smtClean="0"/>
+              <a:t>SPECTRION TECHNOLOGIES</a:t>
+            </a:r>
+            <a:endParaRPr lang="en-US"/>
           </a:p>
         </p:txBody>
       </p:sp>
@@ -7737,9 +7940,10 @@
               <a:defRPr/>
             </a:pPr>
             <a:r>
-              <a:rPr lang="en-US"/>
-              <a:t>[Presentation main title as per title page]</a:t>
-            </a:r>
+              <a:rPr lang="en-US" smtClean="0"/>
+              <a:t>SPECTRION TECHNOLOGIES</a:t>
+            </a:r>
+            <a:endParaRPr lang="en-US"/>
           </a:p>
         </p:txBody>
       </p:sp>
@@ -8359,9 +8563,10 @@
               <a:defRPr/>
             </a:pPr>
             <a:r>
-              <a:rPr lang="en-US"/>
-              <a:t>[Presentation main title as per title page]</a:t>
-            </a:r>
+              <a:rPr lang="en-US" smtClean="0"/>
+              <a:t>SPECTRION TECHNOLOGIES</a:t>
+            </a:r>
+            <a:endParaRPr lang="en-US"/>
           </a:p>
         </p:txBody>
       </p:sp>
@@ -8547,9 +8752,10 @@
               <a:defRPr/>
             </a:pPr>
             <a:r>
-              <a:rPr lang="en-US"/>
-              <a:t>[Presentation main title as per title page]</a:t>
-            </a:r>
+              <a:rPr lang="en-US" smtClean="0"/>
+              <a:t>SPECTRION TECHNOLOGIES</a:t>
+            </a:r>
+            <a:endParaRPr lang="en-US"/>
           </a:p>
         </p:txBody>
       </p:sp>
@@ -8829,9 +9035,10 @@
               <a:defRPr/>
             </a:pPr>
             <a:r>
-              <a:rPr lang="en-US"/>
-              <a:t>[Presentation main title as per title page]</a:t>
-            </a:r>
+              <a:rPr lang="en-US" smtClean="0"/>
+              <a:t>SPECTRION TECHNOLOGIES</a:t>
+            </a:r>
+            <a:endParaRPr lang="en-US"/>
           </a:p>
         </p:txBody>
       </p:sp>
@@ -9116,9 +9323,10 @@
               <a:defRPr/>
             </a:pPr>
             <a:r>
-              <a:rPr lang="en-GB"/>
-              <a:t>Product &amp; Proposition Performance Committee</a:t>
-            </a:r>
+              <a:rPr lang="en-GB" smtClean="0"/>
+              <a:t>SPECTRION TECHNOLOGIES</a:t>
+            </a:r>
+            <a:endParaRPr lang="en-GB"/>
           </a:p>
         </p:txBody>
       </p:sp>
@@ -9539,9 +9747,10 @@
               <a:defRPr/>
             </a:pPr>
             <a:r>
-              <a:rPr lang="en-US"/>
-              <a:t>[Presentation main title as per title page]</a:t>
-            </a:r>
+              <a:rPr lang="en-US" smtClean="0"/>
+              <a:t>SPECTRION TECHNOLOGIES</a:t>
+            </a:r>
+            <a:endParaRPr lang="en-US"/>
           </a:p>
         </p:txBody>
       </p:sp>
@@ -9653,9 +9862,10 @@
               <a:defRPr/>
             </a:pPr>
             <a:r>
-              <a:rPr lang="en-US"/>
-              <a:t>[Presentation main title as per title page]</a:t>
-            </a:r>
+              <a:rPr lang="en-US" smtClean="0"/>
+              <a:t>SPECTRION TECHNOLOGIES</a:t>
+            </a:r>
+            <a:endParaRPr lang="en-US"/>
           </a:p>
         </p:txBody>
       </p:sp>
@@ -9745,9 +9955,10 @@
               <a:defRPr/>
             </a:pPr>
             <a:r>
-              <a:rPr lang="en-US"/>
-              <a:t>[Presentation main title as per title page]</a:t>
-            </a:r>
+              <a:rPr lang="en-US" smtClean="0"/>
+              <a:t>SPECTRION TECHNOLOGIES</a:t>
+            </a:r>
+            <a:endParaRPr lang="en-US"/>
           </a:p>
         </p:txBody>
       </p:sp>
@@ -10017,9 +10228,10 @@
               <a:defRPr/>
             </a:pPr>
             <a:r>
-              <a:rPr lang="en-US"/>
-              <a:t>[Presentation main title as per title page]</a:t>
-            </a:r>
+              <a:rPr lang="en-US" smtClean="0"/>
+              <a:t>SPECTRION TECHNOLOGIES</a:t>
+            </a:r>
+            <a:endParaRPr lang="en-US"/>
           </a:p>
         </p:txBody>
       </p:sp>
@@ -10267,9 +10479,10 @@
               <a:defRPr/>
             </a:pPr>
             <a:r>
-              <a:rPr lang="en-US"/>
-              <a:t>[Presentation main title as per title page]</a:t>
-            </a:r>
+              <a:rPr lang="en-US" smtClean="0"/>
+              <a:t>SPECTRION TECHNOLOGIES</a:t>
+            </a:r>
+            <a:endParaRPr lang="en-US"/>
           </a:p>
         </p:txBody>
       </p:sp>
@@ -10432,9 +10645,10 @@
               <a:defRPr/>
             </a:pPr>
             <a:r>
-              <a:rPr lang="en-US"/>
-              <a:t>[Presentation main title as per title page]</a:t>
-            </a:r>
+              <a:rPr lang="en-US" smtClean="0"/>
+              <a:t>SPECTRION TECHNOLOGIES</a:t>
+            </a:r>
+            <a:endParaRPr lang="en-US"/>
           </a:p>
         </p:txBody>
       </p:sp>
@@ -10607,9 +10821,10 @@
               <a:defRPr/>
             </a:pPr>
             <a:r>
-              <a:rPr lang="en-US"/>
-              <a:t>[Presentation main title as per title page]</a:t>
-            </a:r>
+              <a:rPr lang="en-US" smtClean="0"/>
+              <a:t>SPECTRION TECHNOLOGIES</a:t>
+            </a:r>
+            <a:endParaRPr lang="en-US"/>
           </a:p>
         </p:txBody>
       </p:sp>
@@ -11229,9 +11444,10 @@
               <a:defRPr/>
             </a:pPr>
             <a:r>
-              <a:rPr lang="en-US"/>
-              <a:t>[Presentation main title as per title page]</a:t>
-            </a:r>
+              <a:rPr lang="en-US" smtClean="0"/>
+              <a:t>SPECTRION TECHNOLOGIES</a:t>
+            </a:r>
+            <a:endParaRPr lang="en-US"/>
           </a:p>
         </p:txBody>
       </p:sp>
@@ -11417,9 +11633,10 @@
               <a:defRPr/>
             </a:pPr>
             <a:r>
-              <a:rPr lang="en-US"/>
-              <a:t>[Presentation main title as per title page]</a:t>
-            </a:r>
+              <a:rPr lang="en-US" smtClean="0"/>
+              <a:t>SPECTRION TECHNOLOGIES</a:t>
+            </a:r>
+            <a:endParaRPr lang="en-US"/>
           </a:p>
         </p:txBody>
       </p:sp>
@@ -11843,9 +12060,10 @@
               <a:defRPr/>
             </a:pPr>
             <a:r>
-              <a:rPr lang="en-GB"/>
-              <a:t>Product &amp; Proposition Performance Committee</a:t>
-            </a:r>
+              <a:rPr lang="en-GB" smtClean="0"/>
+              <a:t>SPECTRION TECHNOLOGIES</a:t>
+            </a:r>
+            <a:endParaRPr lang="en-GB"/>
           </a:p>
         </p:txBody>
       </p:sp>
@@ -12127,9 +12345,10 @@
               <a:defRPr/>
             </a:pPr>
             <a:r>
-              <a:rPr lang="en-US"/>
-              <a:t>[Presentation main title as per title page]</a:t>
-            </a:r>
+              <a:rPr lang="en-US" smtClean="0"/>
+              <a:t>SPECTRION TECHNOLOGIES</a:t>
+            </a:r>
+            <a:endParaRPr lang="en-US"/>
           </a:p>
         </p:txBody>
       </p:sp>
@@ -12548,9 +12767,10 @@
               <a:defRPr/>
             </a:pPr>
             <a:r>
-              <a:rPr lang="en-US"/>
-              <a:t>[Presentation main title as per title page]</a:t>
-            </a:r>
+              <a:rPr lang="en-US" smtClean="0"/>
+              <a:t>SPECTRION TECHNOLOGIES</a:t>
+            </a:r>
+            <a:endParaRPr lang="en-US"/>
           </a:p>
         </p:txBody>
       </p:sp>
@@ -12662,9 +12882,10 @@
               <a:defRPr/>
             </a:pPr>
             <a:r>
-              <a:rPr lang="en-US"/>
-              <a:t>[Presentation main title as per title page]</a:t>
-            </a:r>
+              <a:rPr lang="en-US" smtClean="0"/>
+              <a:t>SPECTRION TECHNOLOGIES</a:t>
+            </a:r>
+            <a:endParaRPr lang="en-US"/>
           </a:p>
         </p:txBody>
       </p:sp>
@@ -12754,9 +12975,10 @@
               <a:defRPr/>
             </a:pPr>
             <a:r>
-              <a:rPr lang="en-US"/>
-              <a:t>[Presentation main title as per title page]</a:t>
-            </a:r>
+              <a:rPr lang="en-US" smtClean="0"/>
+              <a:t>SPECTRION TECHNOLOGIES</a:t>
+            </a:r>
+            <a:endParaRPr lang="en-US"/>
           </a:p>
         </p:txBody>
       </p:sp>
@@ -13026,9 +13248,10 @@
               <a:defRPr/>
             </a:pPr>
             <a:r>
-              <a:rPr lang="en-US"/>
-              <a:t>[Presentation main title as per title page]</a:t>
-            </a:r>
+              <a:rPr lang="en-US" smtClean="0"/>
+              <a:t>SPECTRION TECHNOLOGIES</a:t>
+            </a:r>
+            <a:endParaRPr lang="en-US"/>
           </a:p>
         </p:txBody>
       </p:sp>
@@ -13276,9 +13499,10 @@
               <a:defRPr/>
             </a:pPr>
             <a:r>
-              <a:rPr lang="en-US"/>
-              <a:t>[Presentation main title as per title page]</a:t>
-            </a:r>
+              <a:rPr lang="en-US" smtClean="0"/>
+              <a:t>SPECTRION TECHNOLOGIES</a:t>
+            </a:r>
+            <a:endParaRPr lang="en-US"/>
           </a:p>
         </p:txBody>
       </p:sp>
@@ -13441,9 +13665,10 @@
               <a:defRPr/>
             </a:pPr>
             <a:r>
-              <a:rPr lang="en-US"/>
-              <a:t>[Presentation main title as per title page]</a:t>
-            </a:r>
+              <a:rPr lang="en-US" smtClean="0"/>
+              <a:t>SPECTRION TECHNOLOGIES</a:t>
+            </a:r>
+            <a:endParaRPr lang="en-US"/>
           </a:p>
         </p:txBody>
       </p:sp>
@@ -13616,9 +13841,10 @@
               <a:defRPr/>
             </a:pPr>
             <a:r>
-              <a:rPr lang="en-US"/>
-              <a:t>[Presentation main title as per title page]</a:t>
-            </a:r>
+              <a:rPr lang="en-US" smtClean="0"/>
+              <a:t>SPECTRION TECHNOLOGIES</a:t>
+            </a:r>
+            <a:endParaRPr lang="en-US"/>
           </a:p>
         </p:txBody>
       </p:sp>
@@ -13733,9 +13959,10 @@
               <a:defRPr/>
             </a:pPr>
             <a:r>
-              <a:rPr lang="en-GB"/>
-              <a:t>Product &amp; Proposition Performance Committee</a:t>
-            </a:r>
+              <a:rPr lang="en-GB" smtClean="0"/>
+              <a:t>SPECTRION TECHNOLOGIES</a:t>
+            </a:r>
+            <a:endParaRPr lang="en-GB"/>
           </a:p>
         </p:txBody>
       </p:sp>
@@ -13829,9 +14056,10 @@
               <a:defRPr/>
             </a:pPr>
             <a:r>
-              <a:rPr lang="en-GB"/>
-              <a:t>Product &amp; Proposition Performance Committee</a:t>
-            </a:r>
+              <a:rPr lang="en-GB" smtClean="0"/>
+              <a:t>SPECTRION TECHNOLOGIES</a:t>
+            </a:r>
+            <a:endParaRPr lang="en-GB"/>
           </a:p>
         </p:txBody>
       </p:sp>
@@ -14107,9 +14335,10 @@
               <a:defRPr/>
             </a:pPr>
             <a:r>
-              <a:rPr lang="en-GB"/>
-              <a:t>Product &amp; Proposition Performance Committee</a:t>
-            </a:r>
+              <a:rPr lang="en-GB" smtClean="0"/>
+              <a:t>SPECTRION TECHNOLOGIES</a:t>
+            </a:r>
+            <a:endParaRPr lang="en-GB"/>
           </a:p>
         </p:txBody>
       </p:sp>
@@ -14362,9 +14591,10 @@
               <a:defRPr/>
             </a:pPr>
             <a:r>
-              <a:rPr lang="en-GB"/>
-              <a:t>Product &amp; Proposition Performance Committee</a:t>
-            </a:r>
+              <a:rPr lang="en-GB" smtClean="0"/>
+              <a:t>SPECTRION TECHNOLOGIES</a:t>
+            </a:r>
+            <a:endParaRPr lang="en-GB"/>
           </a:p>
         </p:txBody>
       </p:sp>
@@ -14816,9 +15046,10 @@
               <a:defRPr/>
             </a:pPr>
             <a:r>
-              <a:rPr lang="en-GB"/>
-              <a:t>Product &amp; Proposition Performance Committee</a:t>
-            </a:r>
+              <a:rPr lang="en-GB" smtClean="0"/>
+              <a:t>SPECTRION TECHNOLOGIES</a:t>
+            </a:r>
+            <a:endParaRPr lang="en-GB"/>
           </a:p>
         </p:txBody>
       </p:sp>
@@ -15813,9 +16044,10 @@
               <a:defRPr/>
             </a:pPr>
             <a:r>
-              <a:rPr lang="en-GB"/>
-              <a:t>Product &amp; Proposition Performance Committee</a:t>
-            </a:r>
+              <a:rPr lang="en-GB" smtClean="0"/>
+              <a:t>SPECTRION TECHNOLOGIES</a:t>
+            </a:r>
+            <a:endParaRPr lang="en-GB"/>
           </a:p>
         </p:txBody>
       </p:sp>
@@ -16781,9 +17013,10 @@
               <a:defRPr/>
             </a:pPr>
             <a:r>
-              <a:rPr lang="en-US"/>
-              <a:t>[Presentation main title as per title page]</a:t>
-            </a:r>
+              <a:rPr lang="en-US" smtClean="0"/>
+              <a:t>SPECTRION TECHNOLOGIES</a:t>
+            </a:r>
+            <a:endParaRPr lang="en-US"/>
           </a:p>
         </p:txBody>
       </p:sp>
@@ -16906,7 +17139,7 @@
     <p:sldLayoutId id="2147487112" r:id="rId10"/>
     <p:sldLayoutId id="2147487113" r:id="rId11"/>
   </p:sldLayoutIdLst>
-  <p:hf hdr="0" ftr="0" dt="0"/>
+  <p:hf hdr="0" dt="0"/>
   <p:txStyles>
     <p:titleStyle>
       <a:lvl1pPr algn="l" defTabSz="1023938" rtl="0" eaLnBrk="0" fontAlgn="base" hangingPunct="0">
@@ -17724,9 +17957,10 @@
               <a:defRPr/>
             </a:pPr>
             <a:r>
-              <a:rPr lang="en-US"/>
-              <a:t>[Presentation main title as per title page]</a:t>
-            </a:r>
+              <a:rPr lang="en-US" smtClean="0"/>
+              <a:t>SPECTRION TECHNOLOGIES</a:t>
+            </a:r>
+            <a:endParaRPr lang="en-US"/>
           </a:p>
         </p:txBody>
       </p:sp>
@@ -17849,7 +18083,7 @@
     <p:sldLayoutId id="2147487123" r:id="rId10"/>
     <p:sldLayoutId id="2147487124" r:id="rId11"/>
   </p:sldLayoutIdLst>
-  <p:hf hdr="0" ftr="0" dt="0"/>
+  <p:hf hdr="0" dt="0"/>
   <p:txStyles>
     <p:titleStyle>
       <a:lvl1pPr algn="l" defTabSz="1023938" rtl="0" eaLnBrk="0" fontAlgn="base" hangingPunct="0">
@@ -18667,9 +18901,10 @@
               <a:defRPr/>
             </a:pPr>
             <a:r>
-              <a:rPr lang="en-US"/>
-              <a:t>[Presentation main title as per title page]</a:t>
-            </a:r>
+              <a:rPr lang="en-US" smtClean="0"/>
+              <a:t>SPECTRION TECHNOLOGIES</a:t>
+            </a:r>
+            <a:endParaRPr lang="en-US"/>
           </a:p>
         </p:txBody>
       </p:sp>
@@ -18792,7 +19027,7 @@
     <p:sldLayoutId id="2147487134" r:id="rId10"/>
     <p:sldLayoutId id="2147487135" r:id="rId11"/>
   </p:sldLayoutIdLst>
-  <p:hf hdr="0" ftr="0" dt="0"/>
+  <p:hf hdr="0" dt="0"/>
   <p:txStyles>
     <p:titleStyle>
       <a:lvl1pPr algn="l" defTabSz="1023938" rtl="0" eaLnBrk="0" fontAlgn="base" hangingPunct="0">
@@ -19622,9 +19857,110 @@
           </a:lstStyle>
           <a:p>
             <a:r>
-              <a:rPr lang="en-GB" sz="4400" kern="0" dirty="0"/>
-              <a:t>T- model</a:t>
-            </a:r>
+              <a:rPr lang="en-GB" sz="4400" kern="0" dirty="0" smtClean="0"/>
+              <a:t>Sigma005 </a:t>
+            </a:r>
+            <a:endParaRPr lang="en-GB" sz="4400" kern="0" dirty="0"/>
+          </a:p>
+        </p:txBody>
+      </p:sp>
+      <p:sp>
+        <p:nvSpPr>
+          <p:cNvPr id="6" name="Text Box 1"/>
+          <p:cNvSpPr txBox="1"/>
+          <p:nvPr/>
+        </p:nvSpPr>
+        <p:spPr>
+          <a:xfrm>
+            <a:off x="310848" y="545002"/>
+            <a:ext cx="3926173" cy="830997"/>
+          </a:xfrm>
+          <a:prstGeom prst="rect">
+            <a:avLst/>
+          </a:prstGeom>
+          <a:noFill/>
+          <a:ln>
+            <a:noFill/>
+          </a:ln>
+          <a:effectLst/>
+        </p:spPr>
+        <p:txBody>
+          <a:bodyPr rot="0" spcFirstLastPara="0" vert="horz" wrap="square" lIns="91440" tIns="45720" rIns="91440" bIns="45720" numCol="1" spcCol="0" rtlCol="0" fromWordArt="0" anchor="t" anchorCtr="0" forceAA="0" compatLnSpc="1">
+            <a:prstTxWarp prst="textNoShape">
+              <a:avLst/>
+            </a:prstTxWarp>
+            <a:spAutoFit/>
+          </a:bodyPr>
+          <a:lstStyle/>
+          <a:p>
+            <a:pPr algn="l">
+              <a:spcAft>
+                <a:spcPts val="0"/>
+              </a:spcAft>
+              <a:tabLst>
+                <a:tab pos="2865755" algn="ctr"/>
+                <a:tab pos="5731510" algn="r"/>
+              </a:tabLst>
+            </a:pPr>
+            <a:r>
+              <a:rPr lang="en-GB" sz="2400" dirty="0">
+                <a:ln>
+                  <a:noFill/>
+                </a:ln>
+                <a:solidFill>
+                  <a:schemeClr val="bg1"/>
+                </a:solidFill>
+                <a:effectLst>
+                  <a:outerShdw blurRad="38100" dist="25400" dir="5400000" algn="ctr">
+                    <a:srgbClr val="6E747A">
+                      <a:alpha val="43000"/>
+                    </a:srgbClr>
+                  </a:outerShdw>
+                </a:effectLst>
+                <a:latin typeface="Stencil" panose="040409050D0802020404" pitchFamily="82" charset="0"/>
+                <a:ea typeface="Calibri" panose="020F0502020204030204" pitchFamily="34" charset="0"/>
+                <a:cs typeface="Times New Roman" panose="02020603050405020304" pitchFamily="18" charset="0"/>
+              </a:rPr>
+              <a:t>SPECTRION TECHNOLOGIES</a:t>
+            </a:r>
+            <a:endParaRPr lang="en-GB" sz="2400" dirty="0">
+              <a:solidFill>
+                <a:schemeClr val="bg1"/>
+              </a:solidFill>
+              <a:effectLst/>
+              <a:latin typeface="Calibri" panose="020F0502020204030204" pitchFamily="34" charset="0"/>
+              <a:ea typeface="Calibri" panose="020F0502020204030204" pitchFamily="34" charset="0"/>
+              <a:cs typeface="Times New Roman" panose="02020603050405020304" pitchFamily="18" charset="0"/>
+            </a:endParaRPr>
+          </a:p>
+        </p:txBody>
+      </p:sp>
+      <p:sp>
+        <p:nvSpPr>
+          <p:cNvPr id="2" name="Slide Number Placeholder 1"/>
+          <p:cNvSpPr>
+            <a:spLocks noGrp="1"/>
+          </p:cNvSpPr>
+          <p:nvPr>
+            <p:ph type="sldNum" sz="quarter" idx="11"/>
+          </p:nvPr>
+        </p:nvSpPr>
+        <p:spPr/>
+        <p:txBody>
+          <a:bodyPr/>
+          <a:lstStyle/>
+          <a:p>
+            <a:pPr>
+              <a:defRPr/>
+            </a:pPr>
+            <a:fld id="{8CA95986-E886-4E95-8202-B4055E87BF02}" type="slidenum">
+              <a:rPr lang="en-GB" altLang="en-US" b="1" smtClean="0"/>
+              <a:pPr>
+                <a:defRPr/>
+              </a:pPr>
+              <a:t>1</a:t>
+            </a:fld>
+            <a:endParaRPr lang="en-GB" altLang="en-US" b="1" dirty="0"/>
           </a:p>
         </p:txBody>
       </p:sp>
@@ -19641,6 +19977,13 @@
   <p:clrMapOvr>
     <a:masterClrMapping/>
   </p:clrMapOvr>
+  <p:timing>
+    <p:tnLst>
+      <p:par>
+        <p:cTn id="1" dur="indefinite" restart="never" nodeType="tmRoot"/>
+      </p:par>
+    </p:tnLst>
+  </p:timing>
 </p:sld>
 </file>
 
@@ -20314,6 +20657,32 @@
           </a:extLst>
         </p:spPr>
       </p:pic>
+      <p:sp>
+        <p:nvSpPr>
+          <p:cNvPr id="3" name="Footer Placeholder 2"/>
+          <p:cNvSpPr>
+            <a:spLocks noGrp="1"/>
+          </p:cNvSpPr>
+          <p:nvPr>
+            <p:ph type="ftr" sz="quarter" idx="10"/>
+          </p:nvPr>
+        </p:nvSpPr>
+        <p:spPr/>
+        <p:txBody>
+          <a:bodyPr/>
+          <a:lstStyle/>
+          <a:p>
+            <a:pPr>
+              <a:defRPr/>
+            </a:pPr>
+            <a:r>
+              <a:rPr lang="en-GB" smtClean="0"/>
+              <a:t>SPECTRION TECHNOLOGIES</a:t>
+            </a:r>
+            <a:endParaRPr lang="en-GB"/>
+          </a:p>
+        </p:txBody>
+      </p:sp>
     </p:spTree>
     <p:extLst>
       <p:ext uri="{BB962C8B-B14F-4D97-AF65-F5344CB8AC3E}">
@@ -20324,6 +20693,13 @@
   <p:clrMapOvr>
     <a:masterClrMapping/>
   </p:clrMapOvr>
+  <p:timing>
+    <p:tnLst>
+      <p:par>
+        <p:cTn id="1" dur="indefinite" restart="never" nodeType="tmRoot"/>
+      </p:par>
+    </p:tnLst>
+  </p:timing>
 </p:sld>
 </file>
 
@@ -21000,6 +21376,32 @@
           </a:p>
         </p:txBody>
       </p:sp>
+      <p:sp>
+        <p:nvSpPr>
+          <p:cNvPr id="2" name="Footer Placeholder 1"/>
+          <p:cNvSpPr>
+            <a:spLocks noGrp="1"/>
+          </p:cNvSpPr>
+          <p:nvPr>
+            <p:ph type="ftr" sz="quarter" idx="10"/>
+          </p:nvPr>
+        </p:nvSpPr>
+        <p:spPr/>
+        <p:txBody>
+          <a:bodyPr/>
+          <a:lstStyle/>
+          <a:p>
+            <a:pPr>
+              <a:defRPr/>
+            </a:pPr>
+            <a:r>
+              <a:rPr lang="en-GB" smtClean="0"/>
+              <a:t>SPECTRION TECHNOLOGIES</a:t>
+            </a:r>
+            <a:endParaRPr lang="en-GB"/>
+          </a:p>
+        </p:txBody>
+      </p:sp>
     </p:spTree>
     <p:extLst>
       <p:ext uri="{BB962C8B-B14F-4D97-AF65-F5344CB8AC3E}">
@@ -21010,6 +21412,13 @@
   <p:clrMapOvr>
     <a:masterClrMapping/>
   </p:clrMapOvr>
+  <p:timing>
+    <p:tnLst>
+      <p:par>
+        <p:cTn id="1" dur="indefinite" restart="never" nodeType="tmRoot"/>
+      </p:par>
+    </p:tnLst>
+  </p:timing>
 </p:sld>
 </file>
 
@@ -21492,6 +21901,32 @@
           </a:p>
         </p:txBody>
       </p:sp>
+      <p:sp>
+        <p:nvSpPr>
+          <p:cNvPr id="4" name="Footer Placeholder 3"/>
+          <p:cNvSpPr>
+            <a:spLocks noGrp="1"/>
+          </p:cNvSpPr>
+          <p:nvPr>
+            <p:ph type="ftr" sz="quarter" idx="10"/>
+          </p:nvPr>
+        </p:nvSpPr>
+        <p:spPr/>
+        <p:txBody>
+          <a:bodyPr/>
+          <a:lstStyle/>
+          <a:p>
+            <a:pPr>
+              <a:defRPr/>
+            </a:pPr>
+            <a:r>
+              <a:rPr lang="en-GB" smtClean="0"/>
+              <a:t>SPECTRION TECHNOLOGIES</a:t>
+            </a:r>
+            <a:endParaRPr lang="en-GB"/>
+          </a:p>
+        </p:txBody>
+      </p:sp>
     </p:spTree>
     <p:extLst>
       <p:ext uri="{BB962C8B-B14F-4D97-AF65-F5344CB8AC3E}">
@@ -21502,6 +21937,13 @@
   <p:clrMapOvr>
     <a:masterClrMapping/>
   </p:clrMapOvr>
+  <p:timing>
+    <p:tnLst>
+      <p:par>
+        <p:cTn id="1" dur="indefinite" restart="never" nodeType="tmRoot"/>
+      </p:par>
+    </p:tnLst>
+  </p:timing>
 </p:sld>
 </file>
 
@@ -22125,6 +22567,32 @@
           </a:p>
         </p:txBody>
       </p:sp>
+      <p:sp>
+        <p:nvSpPr>
+          <p:cNvPr id="4" name="Footer Placeholder 3"/>
+          <p:cNvSpPr>
+            <a:spLocks noGrp="1"/>
+          </p:cNvSpPr>
+          <p:nvPr>
+            <p:ph type="ftr" sz="quarter" idx="10"/>
+          </p:nvPr>
+        </p:nvSpPr>
+        <p:spPr/>
+        <p:txBody>
+          <a:bodyPr/>
+          <a:lstStyle/>
+          <a:p>
+            <a:pPr>
+              <a:defRPr/>
+            </a:pPr>
+            <a:r>
+              <a:rPr lang="en-GB" smtClean="0"/>
+              <a:t>SPECTRION TECHNOLOGIES</a:t>
+            </a:r>
+            <a:endParaRPr lang="en-GB"/>
+          </a:p>
+        </p:txBody>
+      </p:sp>
     </p:spTree>
     <p:extLst>
       <p:ext uri="{BB962C8B-B14F-4D97-AF65-F5344CB8AC3E}">
@@ -22135,6 +22603,13 @@
   <p:clrMapOvr>
     <a:masterClrMapping/>
   </p:clrMapOvr>
+  <p:timing>
+    <p:tnLst>
+      <p:par>
+        <p:cTn id="1" dur="indefinite" restart="never" nodeType="tmRoot"/>
+      </p:par>
+    </p:tnLst>
+  </p:timing>
 </p:sld>
 </file>
 
@@ -24003,6 +24478,32 @@
           </a:p>
         </p:txBody>
       </p:sp>
+      <p:sp>
+        <p:nvSpPr>
+          <p:cNvPr id="2" name="Footer Placeholder 1"/>
+          <p:cNvSpPr>
+            <a:spLocks noGrp="1"/>
+          </p:cNvSpPr>
+          <p:nvPr>
+            <p:ph type="ftr" sz="quarter" idx="10"/>
+          </p:nvPr>
+        </p:nvSpPr>
+        <p:spPr/>
+        <p:txBody>
+          <a:bodyPr/>
+          <a:lstStyle/>
+          <a:p>
+            <a:pPr>
+              <a:defRPr/>
+            </a:pPr>
+            <a:r>
+              <a:rPr lang="en-GB" smtClean="0"/>
+              <a:t>SPECTRION TECHNOLOGIES</a:t>
+            </a:r>
+            <a:endParaRPr lang="en-GB"/>
+          </a:p>
+        </p:txBody>
+      </p:sp>
     </p:spTree>
     <p:extLst>
       <p:ext uri="{BB962C8B-B14F-4D97-AF65-F5344CB8AC3E}">
@@ -24013,6 +24514,13 @@
   <p:clrMapOvr>
     <a:masterClrMapping/>
   </p:clrMapOvr>
+  <p:timing>
+    <p:tnLst>
+      <p:par>
+        <p:cTn id="1" dur="indefinite" restart="never" nodeType="tmRoot"/>
+      </p:par>
+    </p:tnLst>
+  </p:timing>
 </p:sld>
 </file>
 
@@ -24567,6 +25075,32 @@
           </a:extLst>
         </p:spPr>
       </p:pic>
+      <p:sp>
+        <p:nvSpPr>
+          <p:cNvPr id="2" name="Footer Placeholder 1"/>
+          <p:cNvSpPr>
+            <a:spLocks noGrp="1"/>
+          </p:cNvSpPr>
+          <p:nvPr>
+            <p:ph type="ftr" sz="quarter" idx="10"/>
+          </p:nvPr>
+        </p:nvSpPr>
+        <p:spPr/>
+        <p:txBody>
+          <a:bodyPr/>
+          <a:lstStyle/>
+          <a:p>
+            <a:pPr>
+              <a:defRPr/>
+            </a:pPr>
+            <a:r>
+              <a:rPr lang="en-GB" smtClean="0"/>
+              <a:t>SPECTRION TECHNOLOGIES</a:t>
+            </a:r>
+            <a:endParaRPr lang="en-GB"/>
+          </a:p>
+        </p:txBody>
+      </p:sp>
     </p:spTree>
     <p:extLst>
       <p:ext uri="{BB962C8B-B14F-4D97-AF65-F5344CB8AC3E}">
@@ -25080,6 +25614,32 @@
           </a:extLst>
         </p:spPr>
       </p:pic>
+      <p:sp>
+        <p:nvSpPr>
+          <p:cNvPr id="2" name="Footer Placeholder 1"/>
+          <p:cNvSpPr>
+            <a:spLocks noGrp="1"/>
+          </p:cNvSpPr>
+          <p:nvPr>
+            <p:ph type="ftr" sz="quarter" idx="10"/>
+          </p:nvPr>
+        </p:nvSpPr>
+        <p:spPr/>
+        <p:txBody>
+          <a:bodyPr/>
+          <a:lstStyle/>
+          <a:p>
+            <a:pPr>
+              <a:defRPr/>
+            </a:pPr>
+            <a:r>
+              <a:rPr lang="en-GB" smtClean="0"/>
+              <a:t>SPECTRION TECHNOLOGIES</a:t>
+            </a:r>
+            <a:endParaRPr lang="en-GB"/>
+          </a:p>
+        </p:txBody>
+      </p:sp>
     </p:spTree>
     <p:extLst>
       <p:ext uri="{BB962C8B-B14F-4D97-AF65-F5344CB8AC3E}">
@@ -25090,6 +25650,13 @@
   <p:clrMapOvr>
     <a:masterClrMapping/>
   </p:clrMapOvr>
+  <p:timing>
+    <p:tnLst>
+      <p:par>
+        <p:cTn id="1" dur="indefinite" restart="never" nodeType="tmRoot"/>
+      </p:par>
+    </p:tnLst>
+  </p:timing>
 </p:sld>
 </file>
 
@@ -25873,6 +26440,32 @@
           </a:extLst>
         </p:spPr>
       </p:pic>
+      <p:sp>
+        <p:nvSpPr>
+          <p:cNvPr id="3" name="Footer Placeholder 2"/>
+          <p:cNvSpPr>
+            <a:spLocks noGrp="1"/>
+          </p:cNvSpPr>
+          <p:nvPr>
+            <p:ph type="ftr" sz="quarter" idx="10"/>
+          </p:nvPr>
+        </p:nvSpPr>
+        <p:spPr/>
+        <p:txBody>
+          <a:bodyPr/>
+          <a:lstStyle/>
+          <a:p>
+            <a:pPr>
+              <a:defRPr/>
+            </a:pPr>
+            <a:r>
+              <a:rPr lang="en-GB" smtClean="0"/>
+              <a:t>SPECTRION TECHNOLOGIES</a:t>
+            </a:r>
+            <a:endParaRPr lang="en-GB"/>
+          </a:p>
+        </p:txBody>
+      </p:sp>
     </p:spTree>
     <p:extLst>
       <p:ext uri="{BB962C8B-B14F-4D97-AF65-F5344CB8AC3E}">
@@ -25883,6 +26476,13 @@
   <p:clrMapOvr>
     <a:masterClrMapping/>
   </p:clrMapOvr>
+  <p:timing>
+    <p:tnLst>
+      <p:par>
+        <p:cTn id="1" dur="indefinite" restart="never" nodeType="tmRoot"/>
+      </p:par>
+    </p:tnLst>
+  </p:timing>
 </p:sld>
 </file>
 
@@ -26277,6 +26877,32 @@
           </a:p>
         </p:txBody>
       </p:sp>
+      <p:sp>
+        <p:nvSpPr>
+          <p:cNvPr id="2" name="Footer Placeholder 1"/>
+          <p:cNvSpPr>
+            <a:spLocks noGrp="1"/>
+          </p:cNvSpPr>
+          <p:nvPr>
+            <p:ph type="ftr" sz="quarter" idx="10"/>
+          </p:nvPr>
+        </p:nvSpPr>
+        <p:spPr/>
+        <p:txBody>
+          <a:bodyPr/>
+          <a:lstStyle/>
+          <a:p>
+            <a:pPr>
+              <a:defRPr/>
+            </a:pPr>
+            <a:r>
+              <a:rPr lang="en-GB" smtClean="0"/>
+              <a:t>SPECTRION TECHNOLOGIES</a:t>
+            </a:r>
+            <a:endParaRPr lang="en-GB"/>
+          </a:p>
+        </p:txBody>
+      </p:sp>
     </p:spTree>
     <p:extLst>
       <p:ext uri="{BB962C8B-B14F-4D97-AF65-F5344CB8AC3E}">
@@ -26287,6 +26913,13 @@
   <p:clrMapOvr>
     <a:masterClrMapping/>
   </p:clrMapOvr>
+  <p:timing>
+    <p:tnLst>
+      <p:par>
+        <p:cTn id="1" dur="indefinite" restart="never" nodeType="tmRoot"/>
+      </p:par>
+    </p:tnLst>
+  </p:timing>
 </p:sld>
 </file>
 
@@ -26935,6 +27568,32 @@
           </a:extLst>
         </p:spPr>
       </p:pic>
+      <p:sp>
+        <p:nvSpPr>
+          <p:cNvPr id="2" name="Footer Placeholder 1"/>
+          <p:cNvSpPr>
+            <a:spLocks noGrp="1"/>
+          </p:cNvSpPr>
+          <p:nvPr>
+            <p:ph type="ftr" sz="quarter" idx="10"/>
+          </p:nvPr>
+        </p:nvSpPr>
+        <p:spPr/>
+        <p:txBody>
+          <a:bodyPr/>
+          <a:lstStyle/>
+          <a:p>
+            <a:pPr>
+              <a:defRPr/>
+            </a:pPr>
+            <a:r>
+              <a:rPr lang="en-GB" smtClean="0"/>
+              <a:t>SPECTRION TECHNOLOGIES</a:t>
+            </a:r>
+            <a:endParaRPr lang="en-GB"/>
+          </a:p>
+        </p:txBody>
+      </p:sp>
     </p:spTree>
     <p:extLst>
       <p:ext uri="{BB962C8B-B14F-4D97-AF65-F5344CB8AC3E}">
@@ -26945,6 +27604,13 @@
   <p:clrMapOvr>
     <a:masterClrMapping/>
   </p:clrMapOvr>
+  <p:timing>
+    <p:tnLst>
+      <p:par>
+        <p:cTn id="1" dur="indefinite" restart="never" nodeType="tmRoot"/>
+      </p:par>
+    </p:tnLst>
+  </p:timing>
 </p:sld>
 </file>
 
@@ -26967,34 +27633,7 @@
       </p:grpSpPr>
       <p:sp>
         <p:nvSpPr>
-          <p:cNvPr id="2" name="Title 1"/>
-          <p:cNvSpPr>
-            <a:spLocks noGrp="1"/>
-          </p:cNvSpPr>
-          <p:nvPr>
-            <p:ph type="title"/>
-          </p:nvPr>
-        </p:nvSpPr>
-        <p:spPr>
-          <a:xfrm>
-            <a:off x="341313" y="381301"/>
-            <a:ext cx="9936162" cy="601663"/>
-          </a:xfrm>
-        </p:spPr>
-        <p:txBody>
-          <a:bodyPr/>
-          <a:lstStyle/>
-          <a:p>
-            <a:r>
-              <a:rPr lang="en-GB" sz="2000" dirty="0"/>
-              <a:t>Not to be smart, but to be diversified</a:t>
-            </a:r>
-          </a:p>
-        </p:txBody>
-      </p:sp>
-      <p:sp>
-        <p:nvSpPr>
-          <p:cNvPr id="4" name="Slide Number Placeholder 3"/>
+          <p:cNvPr id="43010" name="Slide Number Placeholder 1"/>
           <p:cNvSpPr>
             <a:spLocks noGrp="1"/>
           </p:cNvSpPr>
@@ -27003,31 +27642,405 @@
           </p:nvPr>
         </p:nvSpPr>
         <p:spPr>
+          <a:noFill/>
+          <a:ln/>
+          <a:extLst>
+            <a:ext uri="{909E8E84-426E-40DD-AFC4-6F175D3DCCD1}">
+              <a14:hiddenFill xmlns:a14="http://schemas.microsoft.com/office/drawing/2010/main">
+                <a:solidFill>
+                  <a:srgbClr val="FFFFFF"/>
+                </a:solidFill>
+              </a14:hiddenFill>
+            </a:ext>
+            <a:ext uri="{91240B29-F687-4F45-9708-019B960494DF}">
+              <a14:hiddenLine xmlns:a14="http://schemas.microsoft.com/office/drawing/2010/main" w="9525">
+                <a:solidFill>
+                  <a:srgbClr val="000000"/>
+                </a:solidFill>
+                <a:miter lim="800000"/>
+                <a:headEnd/>
+                <a:tailEnd/>
+              </a14:hiddenLine>
+            </a:ext>
+          </a:extLst>
+        </p:spPr>
+        <p:txBody>
+          <a:bodyPr/>
+          <a:lstStyle>
+            <a:lvl1pPr>
+              <a:defRPr sz="1200" b="1">
+                <a:solidFill>
+                  <a:schemeClr val="tx2"/>
+                </a:solidFill>
+                <a:latin typeface="Gill Sans" pitchFamily="2" charset="0"/>
+                <a:ea typeface="MS PGothic" pitchFamily="34" charset="-128"/>
+              </a:defRPr>
+            </a:lvl1pPr>
+            <a:lvl2pPr marL="742950" indent="-285750">
+              <a:defRPr sz="1200" b="1">
+                <a:solidFill>
+                  <a:schemeClr val="tx2"/>
+                </a:solidFill>
+                <a:latin typeface="Gill Sans" pitchFamily="2" charset="0"/>
+                <a:ea typeface="MS PGothic" pitchFamily="34" charset="-128"/>
+              </a:defRPr>
+            </a:lvl2pPr>
+            <a:lvl3pPr marL="1143000" indent="-228600">
+              <a:defRPr sz="1200" b="1">
+                <a:solidFill>
+                  <a:schemeClr val="tx2"/>
+                </a:solidFill>
+                <a:latin typeface="Gill Sans" pitchFamily="2" charset="0"/>
+                <a:ea typeface="MS PGothic" pitchFamily="34" charset="-128"/>
+              </a:defRPr>
+            </a:lvl3pPr>
+            <a:lvl4pPr marL="1600200" indent="-228600">
+              <a:defRPr sz="1200" b="1">
+                <a:solidFill>
+                  <a:schemeClr val="tx2"/>
+                </a:solidFill>
+                <a:latin typeface="Gill Sans" pitchFamily="2" charset="0"/>
+                <a:ea typeface="MS PGothic" pitchFamily="34" charset="-128"/>
+              </a:defRPr>
+            </a:lvl4pPr>
+            <a:lvl5pPr marL="2057400" indent="-228600">
+              <a:defRPr sz="1200" b="1">
+                <a:solidFill>
+                  <a:schemeClr val="tx2"/>
+                </a:solidFill>
+                <a:latin typeface="Gill Sans" pitchFamily="2" charset="0"/>
+                <a:ea typeface="MS PGothic" pitchFamily="34" charset="-128"/>
+              </a:defRPr>
+            </a:lvl5pPr>
+            <a:lvl6pPr marL="2514600" indent="-228600" algn="ctr" eaLnBrk="0" fontAlgn="base" hangingPunct="0">
+              <a:spcBef>
+                <a:spcPct val="50000"/>
+              </a:spcBef>
+              <a:spcAft>
+                <a:spcPct val="0"/>
+              </a:spcAft>
+              <a:defRPr sz="1200" b="1">
+                <a:solidFill>
+                  <a:schemeClr val="tx2"/>
+                </a:solidFill>
+                <a:latin typeface="Gill Sans" pitchFamily="2" charset="0"/>
+                <a:ea typeface="MS PGothic" pitchFamily="34" charset="-128"/>
+              </a:defRPr>
+            </a:lvl6pPr>
+            <a:lvl7pPr marL="2971800" indent="-228600" algn="ctr" eaLnBrk="0" fontAlgn="base" hangingPunct="0">
+              <a:spcBef>
+                <a:spcPct val="50000"/>
+              </a:spcBef>
+              <a:spcAft>
+                <a:spcPct val="0"/>
+              </a:spcAft>
+              <a:defRPr sz="1200" b="1">
+                <a:solidFill>
+                  <a:schemeClr val="tx2"/>
+                </a:solidFill>
+                <a:latin typeface="Gill Sans" pitchFamily="2" charset="0"/>
+                <a:ea typeface="MS PGothic" pitchFamily="34" charset="-128"/>
+              </a:defRPr>
+            </a:lvl7pPr>
+            <a:lvl8pPr marL="3429000" indent="-228600" algn="ctr" eaLnBrk="0" fontAlgn="base" hangingPunct="0">
+              <a:spcBef>
+                <a:spcPct val="50000"/>
+              </a:spcBef>
+              <a:spcAft>
+                <a:spcPct val="0"/>
+              </a:spcAft>
+              <a:defRPr sz="1200" b="1">
+                <a:solidFill>
+                  <a:schemeClr val="tx2"/>
+                </a:solidFill>
+                <a:latin typeface="Gill Sans" pitchFamily="2" charset="0"/>
+                <a:ea typeface="MS PGothic" pitchFamily="34" charset="-128"/>
+              </a:defRPr>
+            </a:lvl8pPr>
+            <a:lvl9pPr marL="3886200" indent="-228600" algn="ctr" eaLnBrk="0" fontAlgn="base" hangingPunct="0">
+              <a:spcBef>
+                <a:spcPct val="50000"/>
+              </a:spcBef>
+              <a:spcAft>
+                <a:spcPct val="0"/>
+              </a:spcAft>
+              <a:defRPr sz="1200" b="1">
+                <a:solidFill>
+                  <a:schemeClr val="tx2"/>
+                </a:solidFill>
+                <a:latin typeface="Gill Sans" pitchFamily="2" charset="0"/>
+                <a:ea typeface="MS PGothic" pitchFamily="34" charset="-128"/>
+              </a:defRPr>
+            </a:lvl9pPr>
+          </a:lstStyle>
+          <a:p>
+            <a:fld id="{872291E2-A12D-42D4-9E91-4F80BE359E13}" type="slidenum">
+              <a:rPr lang="en-US" altLang="en-US" sz="1000" smtClean="0">
+                <a:solidFill>
+                  <a:srgbClr val="6E615F"/>
+                </a:solidFill>
+              </a:rPr>
+              <a:pPr/>
+              <a:t>2</a:t>
+            </a:fld>
+            <a:endParaRPr lang="en-US" altLang="en-US" sz="1000">
+              <a:solidFill>
+                <a:srgbClr val="6E615F"/>
+              </a:solidFill>
+            </a:endParaRPr>
+          </a:p>
+        </p:txBody>
+      </p:sp>
+      <p:sp>
+        <p:nvSpPr>
+          <p:cNvPr id="3" name="TextBox 2"/>
+          <p:cNvSpPr txBox="1"/>
+          <p:nvPr/>
+        </p:nvSpPr>
+        <p:spPr>
           <a:xfrm>
-            <a:off x="9991725" y="7180263"/>
-            <a:ext cx="323850" cy="615553"/>
+            <a:off x="702803" y="6808879"/>
+            <a:ext cx="4027895" cy="180000"/>
           </a:xfrm>
+          <a:prstGeom prst="rect">
+            <a:avLst/>
+          </a:prstGeom>
+          <a:solidFill>
+            <a:schemeClr val="bg1"/>
+          </a:solidFill>
         </p:spPr>
+        <p:txBody>
+          <a:bodyPr wrap="square" rtlCol="0">
+            <a:spAutoFit/>
+          </a:bodyPr>
+          <a:lstStyle/>
+          <a:p>
+            <a:endParaRPr lang="en-GB" dirty="0"/>
+          </a:p>
+        </p:txBody>
+      </p:sp>
+      <p:sp>
+        <p:nvSpPr>
+          <p:cNvPr id="2" name="Footer Placeholder 1"/>
+          <p:cNvSpPr>
+            <a:spLocks noGrp="1"/>
+          </p:cNvSpPr>
+          <p:nvPr>
+            <p:ph type="ftr" sz="quarter" idx="10"/>
+          </p:nvPr>
+        </p:nvSpPr>
+        <p:spPr/>
         <p:txBody>
           <a:bodyPr/>
           <a:lstStyle/>
           <a:p>
+            <a:pPr>
+              <a:defRPr/>
+            </a:pPr>
+            <a:r>
+              <a:rPr lang="en-GB" dirty="0" smtClean="0"/>
+              <a:t>SPECTRION TECHNOLOGIES</a:t>
+            </a:r>
             <a:endParaRPr lang="en-GB" dirty="0"/>
           </a:p>
-          <a:p>
-            <a:endParaRPr lang="en-GB" dirty="0"/>
-          </a:p>
-          <a:p>
-            <a:endParaRPr lang="en-GB" dirty="0"/>
-          </a:p>
-          <a:p>
-            <a:endParaRPr lang="en-GB" dirty="0"/>
-          </a:p>
-        </p:txBody>
-      </p:sp>
-      <p:sp>
-        <p:nvSpPr>
-          <p:cNvPr id="10" name="Title 1"/>
+        </p:txBody>
+      </p:sp>
+      <p:sp>
+        <p:nvSpPr>
+          <p:cNvPr id="44" name="Title 1"/>
+          <p:cNvSpPr txBox="1">
+            <a:spLocks/>
+          </p:cNvSpPr>
+          <p:nvPr/>
+        </p:nvSpPr>
+        <p:spPr>
+          <a:xfrm>
+            <a:off x="341313" y="381301"/>
+            <a:ext cx="9936162" cy="601663"/>
+          </a:xfrm>
+          <a:prstGeom prst="rect">
+            <a:avLst/>
+          </a:prstGeom>
+        </p:spPr>
+        <p:txBody>
+          <a:bodyPr/>
+          <a:lstStyle>
+            <a:lvl1pPr algn="l" defTabSz="1023938" rtl="0" eaLnBrk="0" fontAlgn="base" hangingPunct="0">
+              <a:lnSpc>
+                <a:spcPct val="85000"/>
+              </a:lnSpc>
+              <a:spcBef>
+                <a:spcPct val="0"/>
+              </a:spcBef>
+              <a:spcAft>
+                <a:spcPct val="0"/>
+              </a:spcAft>
+              <a:defRPr sz="2400">
+                <a:solidFill>
+                  <a:schemeClr val="bg1"/>
+                </a:solidFill>
+                <a:latin typeface="+mj-lt"/>
+                <a:ea typeface="MS PGothic" pitchFamily="34" charset="-128"/>
+                <a:cs typeface="+mj-cs"/>
+              </a:defRPr>
+            </a:lvl1pPr>
+            <a:lvl2pPr algn="l" defTabSz="1023938" rtl="0" eaLnBrk="0" fontAlgn="base" hangingPunct="0">
+              <a:lnSpc>
+                <a:spcPct val="85000"/>
+              </a:lnSpc>
+              <a:spcBef>
+                <a:spcPct val="0"/>
+              </a:spcBef>
+              <a:spcAft>
+                <a:spcPct val="0"/>
+              </a:spcAft>
+              <a:defRPr sz="2400">
+                <a:solidFill>
+                  <a:schemeClr val="bg1"/>
+                </a:solidFill>
+                <a:latin typeface="Gill Sans" pitchFamily="2" charset="0"/>
+                <a:ea typeface="MS PGothic" pitchFamily="34" charset="-128"/>
+              </a:defRPr>
+            </a:lvl2pPr>
+            <a:lvl3pPr algn="l" defTabSz="1023938" rtl="0" eaLnBrk="0" fontAlgn="base" hangingPunct="0">
+              <a:lnSpc>
+                <a:spcPct val="85000"/>
+              </a:lnSpc>
+              <a:spcBef>
+                <a:spcPct val="0"/>
+              </a:spcBef>
+              <a:spcAft>
+                <a:spcPct val="0"/>
+              </a:spcAft>
+              <a:defRPr sz="2400">
+                <a:solidFill>
+                  <a:schemeClr val="bg1"/>
+                </a:solidFill>
+                <a:latin typeface="Gill Sans" pitchFamily="2" charset="0"/>
+                <a:ea typeface="MS PGothic" pitchFamily="34" charset="-128"/>
+              </a:defRPr>
+            </a:lvl3pPr>
+            <a:lvl4pPr algn="l" defTabSz="1023938" rtl="0" eaLnBrk="0" fontAlgn="base" hangingPunct="0">
+              <a:lnSpc>
+                <a:spcPct val="85000"/>
+              </a:lnSpc>
+              <a:spcBef>
+                <a:spcPct val="0"/>
+              </a:spcBef>
+              <a:spcAft>
+                <a:spcPct val="0"/>
+              </a:spcAft>
+              <a:defRPr sz="2400">
+                <a:solidFill>
+                  <a:schemeClr val="bg1"/>
+                </a:solidFill>
+                <a:latin typeface="Gill Sans" pitchFamily="2" charset="0"/>
+                <a:ea typeface="MS PGothic" pitchFamily="34" charset="-128"/>
+              </a:defRPr>
+            </a:lvl4pPr>
+            <a:lvl5pPr algn="l" defTabSz="1023938" rtl="0" eaLnBrk="0" fontAlgn="base" hangingPunct="0">
+              <a:lnSpc>
+                <a:spcPct val="85000"/>
+              </a:lnSpc>
+              <a:spcBef>
+                <a:spcPct val="0"/>
+              </a:spcBef>
+              <a:spcAft>
+                <a:spcPct val="0"/>
+              </a:spcAft>
+              <a:defRPr sz="2400">
+                <a:solidFill>
+                  <a:schemeClr val="bg1"/>
+                </a:solidFill>
+                <a:latin typeface="Gill Sans" pitchFamily="2" charset="0"/>
+                <a:ea typeface="MS PGothic" pitchFamily="34" charset="-128"/>
+              </a:defRPr>
+            </a:lvl5pPr>
+            <a:lvl6pPr marL="457200" algn="l" defTabSz="1023938" rtl="0" fontAlgn="base">
+              <a:lnSpc>
+                <a:spcPct val="85000"/>
+              </a:lnSpc>
+              <a:spcBef>
+                <a:spcPct val="0"/>
+              </a:spcBef>
+              <a:spcAft>
+                <a:spcPct val="0"/>
+              </a:spcAft>
+              <a:defRPr sz="2400">
+                <a:solidFill>
+                  <a:schemeClr val="bg1"/>
+                </a:solidFill>
+                <a:latin typeface="Gill Sans" pitchFamily="2" charset="0"/>
+                <a:ea typeface="ＭＳ Ｐゴシック" pitchFamily="34" charset="-128"/>
+              </a:defRPr>
+            </a:lvl6pPr>
+            <a:lvl7pPr marL="914400" algn="l" defTabSz="1023938" rtl="0" fontAlgn="base">
+              <a:lnSpc>
+                <a:spcPct val="85000"/>
+              </a:lnSpc>
+              <a:spcBef>
+                <a:spcPct val="0"/>
+              </a:spcBef>
+              <a:spcAft>
+                <a:spcPct val="0"/>
+              </a:spcAft>
+              <a:defRPr sz="2400">
+                <a:solidFill>
+                  <a:schemeClr val="bg1"/>
+                </a:solidFill>
+                <a:latin typeface="Gill Sans" pitchFamily="2" charset="0"/>
+                <a:ea typeface="ＭＳ Ｐゴシック" pitchFamily="34" charset="-128"/>
+              </a:defRPr>
+            </a:lvl7pPr>
+            <a:lvl8pPr marL="1371600" algn="l" defTabSz="1023938" rtl="0" fontAlgn="base">
+              <a:lnSpc>
+                <a:spcPct val="85000"/>
+              </a:lnSpc>
+              <a:spcBef>
+                <a:spcPct val="0"/>
+              </a:spcBef>
+              <a:spcAft>
+                <a:spcPct val="0"/>
+              </a:spcAft>
+              <a:defRPr sz="2400">
+                <a:solidFill>
+                  <a:schemeClr val="bg1"/>
+                </a:solidFill>
+                <a:latin typeface="Gill Sans" pitchFamily="2" charset="0"/>
+                <a:ea typeface="ＭＳ Ｐゴシック" pitchFamily="34" charset="-128"/>
+              </a:defRPr>
+            </a:lvl8pPr>
+            <a:lvl9pPr marL="1828800" algn="l" defTabSz="1023938" rtl="0" fontAlgn="base">
+              <a:lnSpc>
+                <a:spcPct val="85000"/>
+              </a:lnSpc>
+              <a:spcBef>
+                <a:spcPct val="0"/>
+              </a:spcBef>
+              <a:spcAft>
+                <a:spcPct val="0"/>
+              </a:spcAft>
+              <a:defRPr sz="2400">
+                <a:solidFill>
+                  <a:schemeClr val="bg1"/>
+                </a:solidFill>
+                <a:latin typeface="Gill Sans" pitchFamily="2" charset="0"/>
+                <a:ea typeface="ＭＳ Ｐゴシック" pitchFamily="34" charset="-128"/>
+              </a:defRPr>
+            </a:lvl9pPr>
+          </a:lstStyle>
+          <a:p>
+            <a:r>
+              <a:rPr lang="en-GB" sz="2000" b="0" kern="0" smtClean="0"/>
+              <a:t>Not to be smart, but to be diversified</a:t>
+            </a:r>
+            <a:endParaRPr lang="en-GB" sz="2000" b="0" kern="0" dirty="0"/>
+          </a:p>
+        </p:txBody>
+      </p:sp>
+      <p:sp>
+        <p:nvSpPr>
+          <p:cNvPr id="48" name="Title 1"/>
           <p:cNvSpPr txBox="1">
             <a:spLocks/>
           </p:cNvSpPr>
@@ -27296,7 +28309,7 @@
       </p:sp>
       <p:grpSp>
         <p:nvGrpSpPr>
-          <p:cNvPr id="12" name="Group 11"/>
+          <p:cNvPr id="49" name="Group 48"/>
           <p:cNvGrpSpPr/>
           <p:nvPr/>
         </p:nvGrpSpPr>
@@ -27310,7 +28323,7 @@
         </p:grpSpPr>
         <p:grpSp>
           <p:nvGrpSpPr>
-            <p:cNvPr id="9" name="Group 8"/>
+            <p:cNvPr id="50" name="Group 49"/>
             <p:cNvGrpSpPr/>
             <p:nvPr/>
           </p:nvGrpSpPr>
@@ -27324,7 +28337,7 @@
           </p:grpSpPr>
           <p:sp>
             <p:nvSpPr>
-              <p:cNvPr id="5" name="TextBox 4"/>
+              <p:cNvPr id="52" name="TextBox 51"/>
               <p:cNvSpPr txBox="1"/>
               <p:nvPr/>
             </p:nvSpPr>
@@ -27364,7 +28377,7 @@
           </p:sp>
           <p:sp>
             <p:nvSpPr>
-              <p:cNvPr id="7" name="TextBox 6"/>
+              <p:cNvPr id="53" name="TextBox 52"/>
               <p:cNvSpPr txBox="1"/>
               <p:nvPr/>
             </p:nvSpPr>
@@ -27404,7 +28417,7 @@
           </p:sp>
           <p:sp>
             <p:nvSpPr>
-              <p:cNvPr id="8" name="TextBox 7"/>
+              <p:cNvPr id="54" name="TextBox 53"/>
               <p:cNvSpPr txBox="1"/>
               <p:nvPr/>
             </p:nvSpPr>
@@ -27450,7 +28463,7 @@
           </p:sp>
           <p:sp>
             <p:nvSpPr>
-              <p:cNvPr id="6" name="Right Arrow 5"/>
+              <p:cNvPr id="55" name="Right Arrow 54"/>
               <p:cNvSpPr/>
               <p:nvPr/>
             </p:nvSpPr>
@@ -27516,7 +28529,7 @@
         </p:grpSp>
         <p:sp>
           <p:nvSpPr>
-            <p:cNvPr id="11" name="Right Arrow 10"/>
+            <p:cNvPr id="51" name="Right Arrow 50"/>
             <p:cNvSpPr/>
             <p:nvPr/>
           </p:nvSpPr>
@@ -27582,7 +28595,7 @@
       </p:grpSp>
       <p:sp>
         <p:nvSpPr>
-          <p:cNvPr id="15" name="TextBox 14"/>
+          <p:cNvPr id="56" name="TextBox 55"/>
           <p:cNvSpPr txBox="1"/>
           <p:nvPr/>
         </p:nvSpPr>
@@ -27620,13 +28633,20 @@
     </p:spTree>
     <p:extLst>
       <p:ext uri="{BB962C8B-B14F-4D97-AF65-F5344CB8AC3E}">
-        <p14:creationId xmlns:p14="http://schemas.microsoft.com/office/powerpoint/2010/main" val="397308149"/>
+        <p14:creationId xmlns:p14="http://schemas.microsoft.com/office/powerpoint/2010/main" val="2536152034"/>
       </p:ext>
     </p:extLst>
   </p:cSld>
   <p:clrMapOvr>
     <a:masterClrMapping/>
   </p:clrMapOvr>
+  <p:timing>
+    <p:tnLst>
+      <p:par>
+        <p:cTn id="1" dur="indefinite" restart="never" nodeType="tmRoot"/>
+      </p:par>
+    </p:tnLst>
+  </p:timing>
 </p:sld>
 </file>
 
@@ -28124,6 +29144,32 @@
           </a:extLst>
         </p:spPr>
       </p:pic>
+      <p:sp>
+        <p:nvSpPr>
+          <p:cNvPr id="2" name="Footer Placeholder 1"/>
+          <p:cNvSpPr>
+            <a:spLocks noGrp="1"/>
+          </p:cNvSpPr>
+          <p:nvPr>
+            <p:ph type="ftr" sz="quarter" idx="10"/>
+          </p:nvPr>
+        </p:nvSpPr>
+        <p:spPr/>
+        <p:txBody>
+          <a:bodyPr/>
+          <a:lstStyle/>
+          <a:p>
+            <a:pPr>
+              <a:defRPr/>
+            </a:pPr>
+            <a:r>
+              <a:rPr lang="en-GB" smtClean="0"/>
+              <a:t>SPECTRION TECHNOLOGIES</a:t>
+            </a:r>
+            <a:endParaRPr lang="en-GB"/>
+          </a:p>
+        </p:txBody>
+      </p:sp>
     </p:spTree>
     <p:extLst>
       <p:ext uri="{BB962C8B-B14F-4D97-AF65-F5344CB8AC3E}">
@@ -28134,6 +29180,13 @@
   <p:clrMapOvr>
     <a:masterClrMapping/>
   </p:clrMapOvr>
+  <p:timing>
+    <p:tnLst>
+      <p:par>
+        <p:cTn id="1" dur="indefinite" restart="never" nodeType="tmRoot"/>
+      </p:par>
+    </p:tnLst>
+  </p:timing>
 </p:sld>
 </file>
 
@@ -28631,6 +29684,32 @@
           </a:extLst>
         </p:spPr>
       </p:pic>
+      <p:sp>
+        <p:nvSpPr>
+          <p:cNvPr id="2" name="Footer Placeholder 1"/>
+          <p:cNvSpPr>
+            <a:spLocks noGrp="1"/>
+          </p:cNvSpPr>
+          <p:nvPr>
+            <p:ph type="ftr" sz="quarter" idx="10"/>
+          </p:nvPr>
+        </p:nvSpPr>
+        <p:spPr/>
+        <p:txBody>
+          <a:bodyPr/>
+          <a:lstStyle/>
+          <a:p>
+            <a:pPr>
+              <a:defRPr/>
+            </a:pPr>
+            <a:r>
+              <a:rPr lang="en-GB" smtClean="0"/>
+              <a:t>SPECTRION TECHNOLOGIES</a:t>
+            </a:r>
+            <a:endParaRPr lang="en-GB"/>
+          </a:p>
+        </p:txBody>
+      </p:sp>
     </p:spTree>
     <p:extLst>
       <p:ext uri="{BB962C8B-B14F-4D97-AF65-F5344CB8AC3E}">
@@ -28641,6 +29720,13 @@
   <p:clrMapOvr>
     <a:masterClrMapping/>
   </p:clrMapOvr>
+  <p:timing>
+    <p:tnLst>
+      <p:par>
+        <p:cTn id="1" dur="indefinite" restart="never" nodeType="tmRoot"/>
+      </p:par>
+    </p:tnLst>
+  </p:timing>
 </p:sld>
 </file>
 
@@ -30509,6 +31595,32 @@
           </a:p>
         </p:txBody>
       </p:sp>
+      <p:sp>
+        <p:nvSpPr>
+          <p:cNvPr id="2" name="Footer Placeholder 1"/>
+          <p:cNvSpPr>
+            <a:spLocks noGrp="1"/>
+          </p:cNvSpPr>
+          <p:nvPr>
+            <p:ph type="ftr" sz="quarter" idx="10"/>
+          </p:nvPr>
+        </p:nvSpPr>
+        <p:spPr/>
+        <p:txBody>
+          <a:bodyPr/>
+          <a:lstStyle/>
+          <a:p>
+            <a:pPr>
+              <a:defRPr/>
+            </a:pPr>
+            <a:r>
+              <a:rPr lang="en-GB" dirty="0" smtClean="0"/>
+              <a:t>SPECTRION TECHNOLOGIES</a:t>
+            </a:r>
+            <a:endParaRPr lang="en-GB" dirty="0"/>
+          </a:p>
+        </p:txBody>
+      </p:sp>
     </p:spTree>
     <p:extLst>
       <p:ext uri="{BB962C8B-B14F-4D97-AF65-F5344CB8AC3E}">
@@ -30519,6 +31631,13 @@
   <p:clrMapOvr>
     <a:masterClrMapping/>
   </p:clrMapOvr>
+  <p:timing>
+    <p:tnLst>
+      <p:par>
+        <p:cTn id="1" dur="indefinite" restart="never" nodeType="tmRoot"/>
+      </p:par>
+    </p:tnLst>
+  </p:timing>
 </p:sld>
 </file>
 
@@ -30980,21 +32099,21 @@
                 <a:gridCol w="2376311">
                   <a:extLst>
                     <a:ext uri="{9D8B030D-6E8A-4147-A177-3AD203B41FA5}">
-                      <a16:colId xmlns:a16="http://schemas.microsoft.com/office/drawing/2014/main" xmlns="" val="20000"/>
+                      <a16:colId xmlns="" xmlns:a16="http://schemas.microsoft.com/office/drawing/2014/main" val="20000"/>
                     </a:ext>
                   </a:extLst>
                 </a:gridCol>
                 <a:gridCol w="2376311">
                   <a:extLst>
                     <a:ext uri="{9D8B030D-6E8A-4147-A177-3AD203B41FA5}">
-                      <a16:colId xmlns:a16="http://schemas.microsoft.com/office/drawing/2014/main" xmlns="" val="20001"/>
+                      <a16:colId xmlns="" xmlns:a16="http://schemas.microsoft.com/office/drawing/2014/main" val="20001"/>
                     </a:ext>
                   </a:extLst>
                 </a:gridCol>
                 <a:gridCol w="2376311">
                   <a:extLst>
                     <a:ext uri="{9D8B030D-6E8A-4147-A177-3AD203B41FA5}">
-                      <a16:colId xmlns:a16="http://schemas.microsoft.com/office/drawing/2014/main" xmlns="" val="20002"/>
+                      <a16:colId xmlns="" xmlns:a16="http://schemas.microsoft.com/office/drawing/2014/main" val="20002"/>
                     </a:ext>
                   </a:extLst>
                 </a:gridCol>
@@ -31044,7 +32163,7 @@
                 </a:tc>
                 <a:extLst>
                   <a:ext uri="{0D108BD9-81ED-4DB2-BD59-A6C34878D82A}">
-                    <a16:rowId xmlns:a16="http://schemas.microsoft.com/office/drawing/2014/main" xmlns="" val="10000"/>
+                    <a16:rowId xmlns="" xmlns:a16="http://schemas.microsoft.com/office/drawing/2014/main" val="10000"/>
                   </a:ext>
                 </a:extLst>
               </a:tr>
@@ -31093,7 +32212,7 @@
                 </a:tc>
                 <a:extLst>
                   <a:ext uri="{0D108BD9-81ED-4DB2-BD59-A6C34878D82A}">
-                    <a16:rowId xmlns:a16="http://schemas.microsoft.com/office/drawing/2014/main" xmlns="" val="10001"/>
+                    <a16:rowId xmlns="" xmlns:a16="http://schemas.microsoft.com/office/drawing/2014/main" val="10001"/>
                   </a:ext>
                 </a:extLst>
               </a:tr>
@@ -31648,6 +32767,32 @@
           </a:p>
         </p:txBody>
       </p:sp>
+      <p:sp>
+        <p:nvSpPr>
+          <p:cNvPr id="2" name="Footer Placeholder 1"/>
+          <p:cNvSpPr>
+            <a:spLocks noGrp="1"/>
+          </p:cNvSpPr>
+          <p:nvPr>
+            <p:ph type="ftr" sz="quarter" idx="10"/>
+          </p:nvPr>
+        </p:nvSpPr>
+        <p:spPr/>
+        <p:txBody>
+          <a:bodyPr/>
+          <a:lstStyle/>
+          <a:p>
+            <a:pPr>
+              <a:defRPr/>
+            </a:pPr>
+            <a:r>
+              <a:rPr lang="en-GB" smtClean="0"/>
+              <a:t>SPECTRION TECHNOLOGIES</a:t>
+            </a:r>
+            <a:endParaRPr lang="en-GB"/>
+          </a:p>
+        </p:txBody>
+      </p:sp>
     </p:spTree>
     <p:extLst>
       <p:ext uri="{BB962C8B-B14F-4D97-AF65-F5344CB8AC3E}">
@@ -31658,6 +32803,13 @@
   <p:clrMapOvr>
     <a:masterClrMapping/>
   </p:clrMapOvr>
+  <p:timing>
+    <p:tnLst>
+      <p:par>
+        <p:cTn id="1" dur="indefinite" restart="never" nodeType="tmRoot"/>
+      </p:par>
+    </p:tnLst>
+  </p:timing>
 </p:sld>
 </file>
 
@@ -32685,6 +33837,32 @@
           </p:sp>
         </mc:Fallback>
       </mc:AlternateContent>
+      <p:sp>
+        <p:nvSpPr>
+          <p:cNvPr id="2" name="Footer Placeholder 1"/>
+          <p:cNvSpPr>
+            <a:spLocks noGrp="1"/>
+          </p:cNvSpPr>
+          <p:nvPr>
+            <p:ph type="ftr" sz="quarter" idx="10"/>
+          </p:nvPr>
+        </p:nvSpPr>
+        <p:spPr/>
+        <p:txBody>
+          <a:bodyPr/>
+          <a:lstStyle/>
+          <a:p>
+            <a:pPr>
+              <a:defRPr/>
+            </a:pPr>
+            <a:r>
+              <a:rPr lang="en-GB" smtClean="0"/>
+              <a:t>SPECTRION TECHNOLOGIES</a:t>
+            </a:r>
+            <a:endParaRPr lang="en-GB"/>
+          </a:p>
+        </p:txBody>
+      </p:sp>
     </p:spTree>
     <p:extLst>
       <p:ext uri="{BB962C8B-B14F-4D97-AF65-F5344CB8AC3E}">
@@ -32695,6 +33873,13 @@
   <p:clrMapOvr>
     <a:masterClrMapping/>
   </p:clrMapOvr>
+  <p:timing>
+    <p:tnLst>
+      <p:par>
+        <p:cTn id="1" dur="indefinite" restart="never" nodeType="tmRoot"/>
+      </p:par>
+    </p:tnLst>
+  </p:timing>
 </p:sld>
 </file>
 
@@ -33172,6 +34357,32 @@
           </a:prstGeom>
         </p:spPr>
       </p:pic>
+      <p:sp>
+        <p:nvSpPr>
+          <p:cNvPr id="2" name="Footer Placeholder 1"/>
+          <p:cNvSpPr>
+            <a:spLocks noGrp="1"/>
+          </p:cNvSpPr>
+          <p:nvPr>
+            <p:ph type="ftr" sz="quarter" idx="10"/>
+          </p:nvPr>
+        </p:nvSpPr>
+        <p:spPr/>
+        <p:txBody>
+          <a:bodyPr/>
+          <a:lstStyle/>
+          <a:p>
+            <a:pPr>
+              <a:defRPr/>
+            </a:pPr>
+            <a:r>
+              <a:rPr lang="en-GB" smtClean="0"/>
+              <a:t>SPECTRION TECHNOLOGIES</a:t>
+            </a:r>
+            <a:endParaRPr lang="en-GB"/>
+          </a:p>
+        </p:txBody>
+      </p:sp>
     </p:spTree>
     <p:extLst>
       <p:ext uri="{BB962C8B-B14F-4D97-AF65-F5344CB8AC3E}">
@@ -33182,6 +34393,13 @@
   <p:clrMapOvr>
     <a:masterClrMapping/>
   </p:clrMapOvr>
+  <p:timing>
+    <p:tnLst>
+      <p:par>
+        <p:cTn id="1" dur="indefinite" restart="never" nodeType="tmRoot"/>
+      </p:par>
+    </p:tnLst>
+  </p:timing>
 </p:sld>
 </file>
 
@@ -33906,6 +35124,32 @@
           </a:extLst>
         </p:spPr>
       </p:pic>
+      <p:sp>
+        <p:nvSpPr>
+          <p:cNvPr id="2" name="Footer Placeholder 1"/>
+          <p:cNvSpPr>
+            <a:spLocks noGrp="1"/>
+          </p:cNvSpPr>
+          <p:nvPr>
+            <p:ph type="ftr" sz="quarter" idx="10"/>
+          </p:nvPr>
+        </p:nvSpPr>
+        <p:spPr/>
+        <p:txBody>
+          <a:bodyPr/>
+          <a:lstStyle/>
+          <a:p>
+            <a:pPr>
+              <a:defRPr/>
+            </a:pPr>
+            <a:r>
+              <a:rPr lang="en-GB" smtClean="0"/>
+              <a:t>SPECTRION TECHNOLOGIES</a:t>
+            </a:r>
+            <a:endParaRPr lang="en-GB"/>
+          </a:p>
+        </p:txBody>
+      </p:sp>
     </p:spTree>
     <p:extLst>
       <p:ext uri="{BB962C8B-B14F-4D97-AF65-F5344CB8AC3E}">
@@ -33916,6 +35160,13 @@
   <p:clrMapOvr>
     <a:masterClrMapping/>
   </p:clrMapOvr>
+  <p:timing>
+    <p:tnLst>
+      <p:par>
+        <p:cTn id="1" dur="indefinite" restart="never" nodeType="tmRoot"/>
+      </p:par>
+    </p:tnLst>
+  </p:timing>
 </p:sld>
 </file>
 
@@ -34425,35 +35676,35 @@
                 <a:gridCol w="1425787">
                   <a:extLst>
                     <a:ext uri="{9D8B030D-6E8A-4147-A177-3AD203B41FA5}">
-                      <a16:colId xmlns:a16="http://schemas.microsoft.com/office/drawing/2014/main" xmlns="" val="20000"/>
+                      <a16:colId xmlns="" xmlns:a16="http://schemas.microsoft.com/office/drawing/2014/main" val="20000"/>
                     </a:ext>
                   </a:extLst>
                 </a:gridCol>
                 <a:gridCol w="1425787">
                   <a:extLst>
                     <a:ext uri="{9D8B030D-6E8A-4147-A177-3AD203B41FA5}">
-                      <a16:colId xmlns:a16="http://schemas.microsoft.com/office/drawing/2014/main" xmlns="" val="20001"/>
+                      <a16:colId xmlns="" xmlns:a16="http://schemas.microsoft.com/office/drawing/2014/main" val="20001"/>
                     </a:ext>
                   </a:extLst>
                 </a:gridCol>
                 <a:gridCol w="1425787">
                   <a:extLst>
                     <a:ext uri="{9D8B030D-6E8A-4147-A177-3AD203B41FA5}">
-                      <a16:colId xmlns:a16="http://schemas.microsoft.com/office/drawing/2014/main" xmlns="" val="20002"/>
+                      <a16:colId xmlns="" xmlns:a16="http://schemas.microsoft.com/office/drawing/2014/main" val="20002"/>
                     </a:ext>
                   </a:extLst>
                 </a:gridCol>
                 <a:gridCol w="1425787">
                   <a:extLst>
                     <a:ext uri="{9D8B030D-6E8A-4147-A177-3AD203B41FA5}">
-                      <a16:colId xmlns:a16="http://schemas.microsoft.com/office/drawing/2014/main" xmlns="" val="20003"/>
+                      <a16:colId xmlns="" xmlns:a16="http://schemas.microsoft.com/office/drawing/2014/main" val="20003"/>
                     </a:ext>
                   </a:extLst>
                 </a:gridCol>
                 <a:gridCol w="1425787">
                   <a:extLst>
                     <a:ext uri="{9D8B030D-6E8A-4147-A177-3AD203B41FA5}">
-                      <a16:colId xmlns:a16="http://schemas.microsoft.com/office/drawing/2014/main" xmlns="" val="20004"/>
+                      <a16:colId xmlns="" xmlns:a16="http://schemas.microsoft.com/office/drawing/2014/main" val="20004"/>
                     </a:ext>
                   </a:extLst>
                 </a:gridCol>
@@ -34526,7 +35777,7 @@
                 </a:tc>
                 <a:extLst>
                   <a:ext uri="{0D108BD9-81ED-4DB2-BD59-A6C34878D82A}">
-                    <a16:rowId xmlns:a16="http://schemas.microsoft.com/office/drawing/2014/main" xmlns="" val="10000"/>
+                    <a16:rowId xmlns="" xmlns:a16="http://schemas.microsoft.com/office/drawing/2014/main" val="10000"/>
                   </a:ext>
                 </a:extLst>
               </a:tr>
@@ -34598,7 +35849,7 @@
                 </a:tc>
                 <a:extLst>
                   <a:ext uri="{0D108BD9-81ED-4DB2-BD59-A6C34878D82A}">
-                    <a16:rowId xmlns:a16="http://schemas.microsoft.com/office/drawing/2014/main" xmlns="" val="10001"/>
+                    <a16:rowId xmlns="" xmlns:a16="http://schemas.microsoft.com/office/drawing/2014/main" val="10001"/>
                   </a:ext>
                 </a:extLst>
               </a:tr>
@@ -34670,7 +35921,7 @@
                 </a:tc>
                 <a:extLst>
                   <a:ext uri="{0D108BD9-81ED-4DB2-BD59-A6C34878D82A}">
-                    <a16:rowId xmlns:a16="http://schemas.microsoft.com/office/drawing/2014/main" xmlns="" val="10002"/>
+                    <a16:rowId xmlns="" xmlns:a16="http://schemas.microsoft.com/office/drawing/2014/main" val="10002"/>
                   </a:ext>
                 </a:extLst>
               </a:tr>
@@ -34742,7 +35993,7 @@
                 </a:tc>
                 <a:extLst>
                   <a:ext uri="{0D108BD9-81ED-4DB2-BD59-A6C34878D82A}">
-                    <a16:rowId xmlns:a16="http://schemas.microsoft.com/office/drawing/2014/main" xmlns="" val="10003"/>
+                    <a16:rowId xmlns="" xmlns:a16="http://schemas.microsoft.com/office/drawing/2014/main" val="10003"/>
                   </a:ext>
                 </a:extLst>
               </a:tr>
@@ -34808,7 +36059,7 @@
                 <a:gridCol w="997181">
                   <a:extLst>
                     <a:ext uri="{9D8B030D-6E8A-4147-A177-3AD203B41FA5}">
-                      <a16:colId xmlns:a16="http://schemas.microsoft.com/office/drawing/2014/main" xmlns="" val="20000"/>
+                      <a16:colId xmlns="" xmlns:a16="http://schemas.microsoft.com/office/drawing/2014/main" val="20000"/>
                     </a:ext>
                   </a:extLst>
                 </a:gridCol>
@@ -34826,7 +36077,7 @@
                 </a:tc>
                 <a:extLst>
                   <a:ext uri="{0D108BD9-81ED-4DB2-BD59-A6C34878D82A}">
-                    <a16:rowId xmlns:a16="http://schemas.microsoft.com/office/drawing/2014/main" xmlns="" val="10000"/>
+                    <a16:rowId xmlns="" xmlns:a16="http://schemas.microsoft.com/office/drawing/2014/main" val="10000"/>
                   </a:ext>
                 </a:extLst>
               </a:tr>
@@ -34846,7 +36097,7 @@
                 </a:tc>
                 <a:extLst>
                   <a:ext uri="{0D108BD9-81ED-4DB2-BD59-A6C34878D82A}">
-                    <a16:rowId xmlns:a16="http://schemas.microsoft.com/office/drawing/2014/main" xmlns="" val="10001"/>
+                    <a16:rowId xmlns="" xmlns:a16="http://schemas.microsoft.com/office/drawing/2014/main" val="10001"/>
                   </a:ext>
                 </a:extLst>
               </a:tr>
@@ -34866,7 +36117,7 @@
                 </a:tc>
                 <a:extLst>
                   <a:ext uri="{0D108BD9-81ED-4DB2-BD59-A6C34878D82A}">
-                    <a16:rowId xmlns:a16="http://schemas.microsoft.com/office/drawing/2014/main" xmlns="" val="10002"/>
+                    <a16:rowId xmlns="" xmlns:a16="http://schemas.microsoft.com/office/drawing/2014/main" val="10002"/>
                   </a:ext>
                 </a:extLst>
               </a:tr>
@@ -34886,7 +36137,7 @@
                 </a:tc>
                 <a:extLst>
                   <a:ext uri="{0D108BD9-81ED-4DB2-BD59-A6C34878D82A}">
-                    <a16:rowId xmlns:a16="http://schemas.microsoft.com/office/drawing/2014/main" xmlns="" val="10003"/>
+                    <a16:rowId xmlns="" xmlns:a16="http://schemas.microsoft.com/office/drawing/2014/main" val="10003"/>
                   </a:ext>
                 </a:extLst>
               </a:tr>
@@ -34954,6 +36205,32 @@
           </a:p>
         </p:txBody>
       </p:sp>
+      <p:sp>
+        <p:nvSpPr>
+          <p:cNvPr id="5" name="Footer Placeholder 4"/>
+          <p:cNvSpPr>
+            <a:spLocks noGrp="1"/>
+          </p:cNvSpPr>
+          <p:nvPr>
+            <p:ph type="ftr" sz="quarter" idx="10"/>
+          </p:nvPr>
+        </p:nvSpPr>
+        <p:spPr/>
+        <p:txBody>
+          <a:bodyPr/>
+          <a:lstStyle/>
+          <a:p>
+            <a:pPr>
+              <a:defRPr/>
+            </a:pPr>
+            <a:r>
+              <a:rPr lang="en-GB" smtClean="0"/>
+              <a:t>SPECTRION TECHNOLOGIES</a:t>
+            </a:r>
+            <a:endParaRPr lang="en-GB"/>
+          </a:p>
+        </p:txBody>
+      </p:sp>
     </p:spTree>
     <p:extLst>
       <p:ext uri="{BB962C8B-B14F-4D97-AF65-F5344CB8AC3E}">
@@ -34964,6 +36241,13 @@
   <p:clrMapOvr>
     <a:masterClrMapping/>
   </p:clrMapOvr>
+  <p:timing>
+    <p:tnLst>
+      <p:par>
+        <p:cTn id="1" dur="indefinite" restart="never" nodeType="tmRoot"/>
+      </p:par>
+    </p:tnLst>
+  </p:timing>
 </p:sld>
 </file>
 
@@ -36832,6 +38116,32 @@
           </a:p>
         </p:txBody>
       </p:sp>
+      <p:sp>
+        <p:nvSpPr>
+          <p:cNvPr id="2" name="Footer Placeholder 1"/>
+          <p:cNvSpPr>
+            <a:spLocks noGrp="1"/>
+          </p:cNvSpPr>
+          <p:nvPr>
+            <p:ph type="ftr" sz="quarter" idx="10"/>
+          </p:nvPr>
+        </p:nvSpPr>
+        <p:spPr/>
+        <p:txBody>
+          <a:bodyPr/>
+          <a:lstStyle/>
+          <a:p>
+            <a:pPr>
+              <a:defRPr/>
+            </a:pPr>
+            <a:r>
+              <a:rPr lang="en-GB" smtClean="0"/>
+              <a:t>SPECTRION TECHNOLOGIES</a:t>
+            </a:r>
+            <a:endParaRPr lang="en-GB"/>
+          </a:p>
+        </p:txBody>
+      </p:sp>
     </p:spTree>
     <p:extLst>
       <p:ext uri="{BB962C8B-B14F-4D97-AF65-F5344CB8AC3E}">
@@ -36842,6 +38152,13 @@
   <p:clrMapOvr>
     <a:masterClrMapping/>
   </p:clrMapOvr>
+  <p:timing>
+    <p:tnLst>
+      <p:par>
+        <p:cTn id="1" dur="indefinite" restart="never" nodeType="tmRoot"/>
+      </p:par>
+    </p:tnLst>
+  </p:timing>
 </p:sld>
 </file>
 
